--- a/Slide/Presentation_final.pptx
+++ b/Slide/Presentation_final.pptx
@@ -5,7 +5,7 @@
     <p:sldMasterId id="2147483648" r:id="rId1"/>
   </p:sldMasterIdLst>
   <p:notesMasterIdLst>
-    <p:notesMasterId r:id="rId17"/>
+    <p:notesMasterId r:id="rId20"/>
   </p:notesMasterIdLst>
   <p:sldIdLst>
     <p:sldId id="259" r:id="rId2"/>
@@ -17,12 +17,15 @@
     <p:sldId id="264" r:id="rId8"/>
     <p:sldId id="268" r:id="rId9"/>
     <p:sldId id="269" r:id="rId10"/>
-    <p:sldId id="265" r:id="rId11"/>
-    <p:sldId id="271" r:id="rId12"/>
-    <p:sldId id="270" r:id="rId13"/>
-    <p:sldId id="272" r:id="rId14"/>
-    <p:sldId id="273" r:id="rId15"/>
-    <p:sldId id="274" r:id="rId16"/>
+    <p:sldId id="275" r:id="rId11"/>
+    <p:sldId id="276" r:id="rId12"/>
+    <p:sldId id="277" r:id="rId13"/>
+    <p:sldId id="265" r:id="rId14"/>
+    <p:sldId id="271" r:id="rId15"/>
+    <p:sldId id="270" r:id="rId16"/>
+    <p:sldId id="272" r:id="rId17"/>
+    <p:sldId id="273" r:id="rId18"/>
+    <p:sldId id="274" r:id="rId19"/>
   </p:sldIdLst>
   <p:sldSz cx="12192000" cy="6858000"/>
   <p:notesSz cx="6858000" cy="9144000"/>
@@ -618,7 +621,312 @@
           <a:bodyPr/>
           <a:lstStyle/>
           <a:p>
+            <a:r>
+              <a:rPr lang="en-US" dirty="0" err="1"/>
+              <a:t>Chúng</a:t>
+            </a:r>
+            <a:r>
+              <a:rPr lang="en-US" dirty="0"/>
+              <a:t> ta </a:t>
+            </a:r>
+            <a:r>
+              <a:rPr lang="en-US" dirty="0" err="1"/>
+              <a:t>đến</a:t>
+            </a:r>
+            <a:r>
+              <a:rPr lang="en-US" dirty="0"/>
+              <a:t> </a:t>
+            </a:r>
+            <a:r>
+              <a:rPr lang="en-US" dirty="0" err="1"/>
+              <a:t>phần</a:t>
+            </a:r>
+            <a:r>
+              <a:rPr lang="en-US" dirty="0"/>
+              <a:t> 2: </a:t>
+            </a:r>
+            <a:r>
+              <a:rPr lang="en-US" dirty="0" err="1"/>
+              <a:t>đó</a:t>
+            </a:r>
+            <a:r>
+              <a:rPr lang="en-US" dirty="0"/>
+              <a:t> </a:t>
+            </a:r>
+            <a:r>
+              <a:rPr lang="en-US" dirty="0" err="1"/>
+              <a:t>là</a:t>
+            </a:r>
+            <a:r>
+              <a:rPr lang="en-US" dirty="0"/>
+              <a:t> </a:t>
+            </a:r>
+            <a:r>
+              <a:rPr lang="en-US" dirty="0" err="1"/>
+              <a:t>quá</a:t>
+            </a:r>
+            <a:r>
+              <a:rPr lang="en-US" dirty="0"/>
+              <a:t> </a:t>
+            </a:r>
+            <a:r>
+              <a:rPr lang="en-US" dirty="0" err="1"/>
+              <a:t>trình</a:t>
+            </a:r>
+            <a:r>
+              <a:rPr lang="en-US" dirty="0"/>
+              <a:t> </a:t>
+            </a:r>
+            <a:r>
+              <a:rPr lang="en-US" dirty="0" err="1"/>
+              <a:t>thực</a:t>
+            </a:r>
+            <a:r>
+              <a:rPr lang="en-US" dirty="0"/>
+              <a:t> </a:t>
+            </a:r>
+            <a:r>
+              <a:rPr lang="en-US" dirty="0" err="1"/>
+              <a:t>hiện</a:t>
+            </a:r>
+            <a:r>
+              <a:rPr lang="en-US" dirty="0"/>
+              <a:t> </a:t>
+            </a:r>
+            <a:r>
+              <a:rPr lang="en-US" dirty="0" err="1"/>
+              <a:t>đồ</a:t>
+            </a:r>
+            <a:r>
+              <a:rPr lang="en-US" dirty="0"/>
+              <a:t> </a:t>
+            </a:r>
+            <a:r>
+              <a:rPr lang="en-US" dirty="0" err="1"/>
+              <a:t>án</a:t>
+            </a:r>
             <a:endParaRPr lang="en-US" dirty="0"/>
+          </a:p>
+          <a:p>
+            <a:r>
+              <a:rPr lang="en-US" dirty="0" err="1"/>
+              <a:t>Đầu</a:t>
+            </a:r>
+            <a:r>
+              <a:rPr lang="en-US" dirty="0"/>
+              <a:t> t</a:t>
+            </a:r>
+            <a:r>
+              <a:rPr lang="vi-VN" dirty="0"/>
+              <a:t>iên </a:t>
+            </a:r>
+            <a:r>
+              <a:rPr lang="en-US" dirty="0" err="1"/>
+              <a:t>phần</a:t>
+            </a:r>
+            <a:r>
+              <a:rPr lang="en-US" dirty="0"/>
+              <a:t> </a:t>
+            </a:r>
+            <a:r>
+              <a:rPr lang="en-US" dirty="0" err="1"/>
+              <a:t>phân</a:t>
+            </a:r>
+            <a:r>
+              <a:rPr lang="en-US" dirty="0"/>
+              <a:t> </a:t>
+            </a:r>
+            <a:r>
+              <a:rPr lang="en-US" dirty="0" err="1"/>
+              <a:t>công</a:t>
+            </a:r>
+            <a:r>
+              <a:rPr lang="en-US" dirty="0"/>
+              <a:t> </a:t>
+            </a:r>
+            <a:r>
+              <a:rPr lang="en-US" dirty="0" err="1"/>
+              <a:t>công</a:t>
+            </a:r>
+            <a:r>
+              <a:rPr lang="en-US" dirty="0"/>
+              <a:t> </a:t>
+            </a:r>
+            <a:r>
+              <a:rPr lang="en-US" dirty="0" err="1"/>
+              <a:t>việc</a:t>
+            </a:r>
+            <a:r>
+              <a:rPr lang="en-US" dirty="0"/>
+              <a:t>:</a:t>
+            </a:r>
+          </a:p>
+          <a:p>
+            <a:pPr marL="228600" indent="-228600">
+              <a:buAutoNum type="arabicPeriod"/>
+            </a:pPr>
+            <a:r>
+              <a:rPr lang="en-US" dirty="0"/>
+              <a:t>Crawler do </a:t>
+            </a:r>
+            <a:r>
+              <a:rPr lang="en-US" dirty="0" err="1"/>
+              <a:t>bạn</a:t>
+            </a:r>
+            <a:r>
+              <a:rPr lang="en-US" dirty="0"/>
+              <a:t> </a:t>
+            </a:r>
+            <a:r>
+              <a:rPr lang="en-US" dirty="0" err="1"/>
+              <a:t>Phú</a:t>
+            </a:r>
+            <a:r>
+              <a:rPr lang="en-US" dirty="0"/>
+              <a:t> </a:t>
+            </a:r>
+            <a:r>
+              <a:rPr lang="en-US" dirty="0" err="1"/>
+              <a:t>thực</a:t>
+            </a:r>
+            <a:r>
+              <a:rPr lang="en-US" dirty="0"/>
+              <a:t> </a:t>
+            </a:r>
+            <a:r>
+              <a:rPr lang="en-US" dirty="0" err="1"/>
+              <a:t>hiện</a:t>
+            </a:r>
+            <a:endParaRPr lang="en-US" dirty="0"/>
+          </a:p>
+          <a:p>
+            <a:pPr marL="228600" indent="-228600">
+              <a:buAutoNum type="arabicPeriod"/>
+            </a:pPr>
+            <a:r>
+              <a:rPr lang="en-US" dirty="0" err="1"/>
+              <a:t>Đến</a:t>
+            </a:r>
+            <a:r>
+              <a:rPr lang="en-US" dirty="0"/>
+              <a:t> </a:t>
+            </a:r>
+            <a:r>
+              <a:rPr lang="en-US" dirty="0" err="1"/>
+              <a:t>phần</a:t>
+            </a:r>
+            <a:r>
+              <a:rPr lang="en-US" dirty="0"/>
+              <a:t> database </a:t>
+            </a:r>
+            <a:r>
+              <a:rPr lang="en-US" dirty="0" err="1"/>
+              <a:t>và</a:t>
+            </a:r>
+            <a:r>
+              <a:rPr lang="en-US" dirty="0"/>
+              <a:t> server d</a:t>
+            </a:r>
+            <a:r>
+              <a:rPr lang="vi-VN" dirty="0"/>
+              <a:t>o</a:t>
+            </a:r>
+            <a:r>
+              <a:rPr lang="en-US" dirty="0"/>
+              <a:t> </a:t>
+            </a:r>
+            <a:r>
+              <a:rPr lang="en-US" dirty="0" err="1"/>
+              <a:t>bạn</a:t>
+            </a:r>
+            <a:r>
+              <a:rPr lang="en-US" dirty="0"/>
+              <a:t> </a:t>
+            </a:r>
+            <a:r>
+              <a:rPr lang="en-US" dirty="0" err="1"/>
+              <a:t>Bảo</a:t>
+            </a:r>
+            <a:r>
+              <a:rPr lang="en-US" dirty="0"/>
+              <a:t> </a:t>
+            </a:r>
+            <a:r>
+              <a:rPr lang="en-US" dirty="0" err="1"/>
+              <a:t>và</a:t>
+            </a:r>
+            <a:r>
+              <a:rPr lang="en-US" dirty="0"/>
+              <a:t> </a:t>
+            </a:r>
+            <a:r>
+              <a:rPr lang="en-US" dirty="0" err="1"/>
+              <a:t>Nguyên</a:t>
+            </a:r>
+            <a:r>
+              <a:rPr lang="en-US" dirty="0"/>
+              <a:t> </a:t>
+            </a:r>
+            <a:r>
+              <a:rPr lang="en-US" dirty="0" err="1"/>
+              <a:t>thực</a:t>
+            </a:r>
+            <a:r>
+              <a:rPr lang="en-US" dirty="0"/>
+              <a:t> </a:t>
+            </a:r>
+            <a:r>
+              <a:rPr lang="en-US" dirty="0" err="1"/>
+              <a:t>hiện</a:t>
+            </a:r>
+            <a:endParaRPr lang="en-US" dirty="0"/>
+          </a:p>
+          <a:p>
+            <a:pPr marL="228600" indent="-228600">
+              <a:buAutoNum type="arabicPeriod"/>
+            </a:pPr>
+            <a:r>
+              <a:rPr lang="en-US" dirty="0" err="1"/>
+              <a:t>Phần</a:t>
+            </a:r>
+            <a:r>
+              <a:rPr lang="en-US" dirty="0"/>
+              <a:t> app android do </a:t>
+            </a:r>
+            <a:r>
+              <a:rPr lang="en-US" dirty="0" err="1"/>
+              <a:t>Trí</a:t>
+            </a:r>
+            <a:r>
+              <a:rPr lang="en-US" dirty="0"/>
+              <a:t> </a:t>
+            </a:r>
+            <a:r>
+              <a:rPr lang="en-US" dirty="0" err="1"/>
+              <a:t>thực</a:t>
+            </a:r>
+            <a:r>
+              <a:rPr lang="en-US" dirty="0"/>
+              <a:t> </a:t>
+            </a:r>
+            <a:r>
+              <a:rPr lang="en-US" dirty="0" err="1"/>
+              <a:t>hiện</a:t>
+            </a:r>
+            <a:r>
+              <a:rPr lang="en-US" dirty="0"/>
+              <a:t>.	</a:t>
+            </a:r>
+            <a:endParaRPr lang="vi-VN" dirty="0"/>
+          </a:p>
+          <a:p>
+            <a:pPr marL="0" indent="0">
+              <a:buNone/>
+            </a:pPr>
+            <a:r>
+              <a:rPr lang="vi-VN" dirty="0"/>
+              <a:t>Ngoài ra có tham khảo và giúp đỡ từ các nhóm khác</a:t>
+            </a:r>
           </a:p>
         </p:txBody>
       </p:sp>
@@ -648,7 +956,7 @@
     </p:spTree>
     <p:extLst>
       <p:ext uri="{BB962C8B-B14F-4D97-AF65-F5344CB8AC3E}">
-        <p14:creationId xmlns:p14="http://schemas.microsoft.com/office/powerpoint/2010/main" val="2597249374"/>
+        <p14:creationId xmlns:p14="http://schemas.microsoft.com/office/powerpoint/2010/main" val="2045630789"/>
       </p:ext>
     </p:extLst>
   </p:cSld>
@@ -702,7 +1010,312 @@
           <a:bodyPr/>
           <a:lstStyle/>
           <a:p>
+            <a:r>
+              <a:rPr lang="en-US" dirty="0" err="1"/>
+              <a:t>Chúng</a:t>
+            </a:r>
+            <a:r>
+              <a:rPr lang="en-US" dirty="0"/>
+              <a:t> ta </a:t>
+            </a:r>
+            <a:r>
+              <a:rPr lang="en-US" dirty="0" err="1"/>
+              <a:t>đến</a:t>
+            </a:r>
+            <a:r>
+              <a:rPr lang="en-US" dirty="0"/>
+              <a:t> </a:t>
+            </a:r>
+            <a:r>
+              <a:rPr lang="en-US" dirty="0" err="1"/>
+              <a:t>phần</a:t>
+            </a:r>
+            <a:r>
+              <a:rPr lang="en-US" dirty="0"/>
+              <a:t> 2: </a:t>
+            </a:r>
+            <a:r>
+              <a:rPr lang="en-US" dirty="0" err="1"/>
+              <a:t>đó</a:t>
+            </a:r>
+            <a:r>
+              <a:rPr lang="en-US" dirty="0"/>
+              <a:t> </a:t>
+            </a:r>
+            <a:r>
+              <a:rPr lang="en-US" dirty="0" err="1"/>
+              <a:t>là</a:t>
+            </a:r>
+            <a:r>
+              <a:rPr lang="en-US" dirty="0"/>
+              <a:t> </a:t>
+            </a:r>
+            <a:r>
+              <a:rPr lang="en-US" dirty="0" err="1"/>
+              <a:t>quá</a:t>
+            </a:r>
+            <a:r>
+              <a:rPr lang="en-US" dirty="0"/>
+              <a:t> </a:t>
+            </a:r>
+            <a:r>
+              <a:rPr lang="en-US" dirty="0" err="1"/>
+              <a:t>trình</a:t>
+            </a:r>
+            <a:r>
+              <a:rPr lang="en-US" dirty="0"/>
+              <a:t> </a:t>
+            </a:r>
+            <a:r>
+              <a:rPr lang="en-US" dirty="0" err="1"/>
+              <a:t>thực</a:t>
+            </a:r>
+            <a:r>
+              <a:rPr lang="en-US" dirty="0"/>
+              <a:t> </a:t>
+            </a:r>
+            <a:r>
+              <a:rPr lang="en-US" dirty="0" err="1"/>
+              <a:t>hiện</a:t>
+            </a:r>
+            <a:r>
+              <a:rPr lang="en-US" dirty="0"/>
+              <a:t> </a:t>
+            </a:r>
+            <a:r>
+              <a:rPr lang="en-US" dirty="0" err="1"/>
+              <a:t>đồ</a:t>
+            </a:r>
+            <a:r>
+              <a:rPr lang="en-US" dirty="0"/>
+              <a:t> </a:t>
+            </a:r>
+            <a:r>
+              <a:rPr lang="en-US" dirty="0" err="1"/>
+              <a:t>án</a:t>
+            </a:r>
             <a:endParaRPr lang="en-US" dirty="0"/>
+          </a:p>
+          <a:p>
+            <a:r>
+              <a:rPr lang="en-US" dirty="0" err="1"/>
+              <a:t>Đầu</a:t>
+            </a:r>
+            <a:r>
+              <a:rPr lang="en-US" dirty="0"/>
+              <a:t> t</a:t>
+            </a:r>
+            <a:r>
+              <a:rPr lang="vi-VN" dirty="0"/>
+              <a:t>iên </a:t>
+            </a:r>
+            <a:r>
+              <a:rPr lang="en-US" dirty="0" err="1"/>
+              <a:t>phần</a:t>
+            </a:r>
+            <a:r>
+              <a:rPr lang="en-US" dirty="0"/>
+              <a:t> </a:t>
+            </a:r>
+            <a:r>
+              <a:rPr lang="en-US" dirty="0" err="1"/>
+              <a:t>phân</a:t>
+            </a:r>
+            <a:r>
+              <a:rPr lang="en-US" dirty="0"/>
+              <a:t> </a:t>
+            </a:r>
+            <a:r>
+              <a:rPr lang="en-US" dirty="0" err="1"/>
+              <a:t>công</a:t>
+            </a:r>
+            <a:r>
+              <a:rPr lang="en-US" dirty="0"/>
+              <a:t> </a:t>
+            </a:r>
+            <a:r>
+              <a:rPr lang="en-US" dirty="0" err="1"/>
+              <a:t>công</a:t>
+            </a:r>
+            <a:r>
+              <a:rPr lang="en-US" dirty="0"/>
+              <a:t> </a:t>
+            </a:r>
+            <a:r>
+              <a:rPr lang="en-US" dirty="0" err="1"/>
+              <a:t>việc</a:t>
+            </a:r>
+            <a:r>
+              <a:rPr lang="en-US" dirty="0"/>
+              <a:t>:</a:t>
+            </a:r>
+          </a:p>
+          <a:p>
+            <a:pPr marL="228600" indent="-228600">
+              <a:buAutoNum type="arabicPeriod"/>
+            </a:pPr>
+            <a:r>
+              <a:rPr lang="en-US" dirty="0"/>
+              <a:t>Crawler do </a:t>
+            </a:r>
+            <a:r>
+              <a:rPr lang="en-US" dirty="0" err="1"/>
+              <a:t>bạn</a:t>
+            </a:r>
+            <a:r>
+              <a:rPr lang="en-US" dirty="0"/>
+              <a:t> </a:t>
+            </a:r>
+            <a:r>
+              <a:rPr lang="en-US" dirty="0" err="1"/>
+              <a:t>Phú</a:t>
+            </a:r>
+            <a:r>
+              <a:rPr lang="en-US" dirty="0"/>
+              <a:t> </a:t>
+            </a:r>
+            <a:r>
+              <a:rPr lang="en-US" dirty="0" err="1"/>
+              <a:t>thực</a:t>
+            </a:r>
+            <a:r>
+              <a:rPr lang="en-US" dirty="0"/>
+              <a:t> </a:t>
+            </a:r>
+            <a:r>
+              <a:rPr lang="en-US" dirty="0" err="1"/>
+              <a:t>hiện</a:t>
+            </a:r>
+            <a:endParaRPr lang="en-US" dirty="0"/>
+          </a:p>
+          <a:p>
+            <a:pPr marL="228600" indent="-228600">
+              <a:buAutoNum type="arabicPeriod"/>
+            </a:pPr>
+            <a:r>
+              <a:rPr lang="en-US" dirty="0" err="1"/>
+              <a:t>Đến</a:t>
+            </a:r>
+            <a:r>
+              <a:rPr lang="en-US" dirty="0"/>
+              <a:t> </a:t>
+            </a:r>
+            <a:r>
+              <a:rPr lang="en-US" dirty="0" err="1"/>
+              <a:t>phần</a:t>
+            </a:r>
+            <a:r>
+              <a:rPr lang="en-US" dirty="0"/>
+              <a:t> database </a:t>
+            </a:r>
+            <a:r>
+              <a:rPr lang="en-US" dirty="0" err="1"/>
+              <a:t>và</a:t>
+            </a:r>
+            <a:r>
+              <a:rPr lang="en-US" dirty="0"/>
+              <a:t> server d</a:t>
+            </a:r>
+            <a:r>
+              <a:rPr lang="vi-VN" dirty="0"/>
+              <a:t>o</a:t>
+            </a:r>
+            <a:r>
+              <a:rPr lang="en-US" dirty="0"/>
+              <a:t> </a:t>
+            </a:r>
+            <a:r>
+              <a:rPr lang="en-US" dirty="0" err="1"/>
+              <a:t>bạn</a:t>
+            </a:r>
+            <a:r>
+              <a:rPr lang="en-US" dirty="0"/>
+              <a:t> </a:t>
+            </a:r>
+            <a:r>
+              <a:rPr lang="en-US" dirty="0" err="1"/>
+              <a:t>Bảo</a:t>
+            </a:r>
+            <a:r>
+              <a:rPr lang="en-US" dirty="0"/>
+              <a:t> </a:t>
+            </a:r>
+            <a:r>
+              <a:rPr lang="en-US" dirty="0" err="1"/>
+              <a:t>và</a:t>
+            </a:r>
+            <a:r>
+              <a:rPr lang="en-US" dirty="0"/>
+              <a:t> </a:t>
+            </a:r>
+            <a:r>
+              <a:rPr lang="en-US" dirty="0" err="1"/>
+              <a:t>Nguyên</a:t>
+            </a:r>
+            <a:r>
+              <a:rPr lang="en-US" dirty="0"/>
+              <a:t> </a:t>
+            </a:r>
+            <a:r>
+              <a:rPr lang="en-US" dirty="0" err="1"/>
+              <a:t>thực</a:t>
+            </a:r>
+            <a:r>
+              <a:rPr lang="en-US" dirty="0"/>
+              <a:t> </a:t>
+            </a:r>
+            <a:r>
+              <a:rPr lang="en-US" dirty="0" err="1"/>
+              <a:t>hiện</a:t>
+            </a:r>
+            <a:endParaRPr lang="en-US" dirty="0"/>
+          </a:p>
+          <a:p>
+            <a:pPr marL="228600" indent="-228600">
+              <a:buAutoNum type="arabicPeriod"/>
+            </a:pPr>
+            <a:r>
+              <a:rPr lang="en-US" dirty="0" err="1"/>
+              <a:t>Phần</a:t>
+            </a:r>
+            <a:r>
+              <a:rPr lang="en-US" dirty="0"/>
+              <a:t> app android do </a:t>
+            </a:r>
+            <a:r>
+              <a:rPr lang="en-US" dirty="0" err="1"/>
+              <a:t>Trí</a:t>
+            </a:r>
+            <a:r>
+              <a:rPr lang="en-US" dirty="0"/>
+              <a:t> </a:t>
+            </a:r>
+            <a:r>
+              <a:rPr lang="en-US" dirty="0" err="1"/>
+              <a:t>thực</a:t>
+            </a:r>
+            <a:r>
+              <a:rPr lang="en-US" dirty="0"/>
+              <a:t> </a:t>
+            </a:r>
+            <a:r>
+              <a:rPr lang="en-US" dirty="0" err="1"/>
+              <a:t>hiện</a:t>
+            </a:r>
+            <a:r>
+              <a:rPr lang="en-US" dirty="0"/>
+              <a:t>.	</a:t>
+            </a:r>
+            <a:endParaRPr lang="vi-VN" dirty="0"/>
+          </a:p>
+          <a:p>
+            <a:pPr marL="0" indent="0">
+              <a:buNone/>
+            </a:pPr>
+            <a:r>
+              <a:rPr lang="vi-VN" dirty="0"/>
+              <a:t>Ngoài ra có tham khảo và giúp đỡ từ các nhóm khác</a:t>
+            </a:r>
           </a:p>
         </p:txBody>
       </p:sp>
@@ -732,7 +1345,7 @@
     </p:spTree>
     <p:extLst>
       <p:ext uri="{BB962C8B-B14F-4D97-AF65-F5344CB8AC3E}">
-        <p14:creationId xmlns:p14="http://schemas.microsoft.com/office/powerpoint/2010/main" val="2722232752"/>
+        <p14:creationId xmlns:p14="http://schemas.microsoft.com/office/powerpoint/2010/main" val="3278460807"/>
       </p:ext>
     </p:extLst>
   </p:cSld>
@@ -786,6 +1399,307 @@
           <a:bodyPr/>
           <a:lstStyle/>
           <a:p>
+            <a:r>
+              <a:rPr lang="en-US" dirty="0" err="1"/>
+              <a:t>Trong</a:t>
+            </a:r>
+            <a:r>
+              <a:rPr lang="en-US" dirty="0"/>
+              <a:t> </a:t>
+            </a:r>
+            <a:r>
+              <a:rPr lang="en-US" dirty="0" err="1"/>
+              <a:t>quá</a:t>
+            </a:r>
+            <a:r>
+              <a:rPr lang="en-US" dirty="0"/>
+              <a:t> </a:t>
+            </a:r>
+            <a:r>
+              <a:rPr lang="en-US" dirty="0" err="1"/>
+              <a:t>trình</a:t>
+            </a:r>
+            <a:r>
+              <a:rPr lang="en-US" dirty="0"/>
+              <a:t> </a:t>
+            </a:r>
+            <a:r>
+              <a:rPr lang="en-US" dirty="0" err="1"/>
+              <a:t>thực</a:t>
+            </a:r>
+            <a:r>
+              <a:rPr lang="en-US" dirty="0"/>
+              <a:t> </a:t>
+            </a:r>
+            <a:r>
+              <a:rPr lang="en-US" dirty="0" err="1"/>
+              <a:t>hiện</a:t>
+            </a:r>
+            <a:r>
+              <a:rPr lang="en-US" dirty="0"/>
+              <a:t> </a:t>
+            </a:r>
+            <a:r>
+              <a:rPr lang="en-US" dirty="0" err="1"/>
+              <a:t>xuất</a:t>
+            </a:r>
+            <a:r>
+              <a:rPr lang="en-US" dirty="0"/>
+              <a:t> </a:t>
+            </a:r>
+            <a:r>
+              <a:rPr lang="en-US" dirty="0" err="1"/>
+              <a:t>hiện</a:t>
+            </a:r>
+            <a:r>
+              <a:rPr lang="en-US" dirty="0"/>
+              <a:t> </a:t>
+            </a:r>
+            <a:r>
+              <a:rPr lang="en-US" dirty="0" err="1"/>
+              <a:t>những</a:t>
+            </a:r>
+            <a:r>
+              <a:rPr lang="en-US" dirty="0"/>
+              <a:t> </a:t>
+            </a:r>
+            <a:r>
+              <a:rPr lang="en-US" dirty="0" err="1"/>
+              <a:t>khó</a:t>
+            </a:r>
+            <a:r>
+              <a:rPr lang="en-US" dirty="0"/>
+              <a:t> </a:t>
+            </a:r>
+            <a:r>
+              <a:rPr lang="en-US" dirty="0" err="1"/>
+              <a:t>khăn</a:t>
+            </a:r>
+            <a:r>
+              <a:rPr lang="en-US" dirty="0"/>
+              <a:t> </a:t>
+            </a:r>
+            <a:endParaRPr lang="vi-VN" dirty="0"/>
+          </a:p>
+          <a:p>
+            <a:r>
+              <a:rPr lang="vi-VN" dirty="0"/>
+              <a:t>Không có định hướng kế hoạch thực hiện, c</a:t>
+            </a:r>
+            <a:r>
+              <a:rPr lang="en-US" dirty="0"/>
+              <a:t>h</a:t>
+            </a:r>
+            <a:r>
+              <a:rPr lang="vi-VN" dirty="0"/>
+              <a:t>ư</a:t>
+            </a:r>
+            <a:r>
+              <a:rPr lang="en-US" dirty="0"/>
+              <a:t>a </a:t>
+            </a:r>
+            <a:r>
+              <a:rPr lang="en-US" dirty="0" err="1"/>
+              <a:t>có</a:t>
+            </a:r>
+            <a:r>
+              <a:rPr lang="en-US" dirty="0"/>
+              <a:t> </a:t>
+            </a:r>
+            <a:r>
+              <a:rPr lang="en-US" dirty="0" err="1"/>
+              <a:t>tr</a:t>
+            </a:r>
+            <a:r>
+              <a:rPr lang="vi-VN" dirty="0"/>
+              <a:t>ư</a:t>
+            </a:r>
+            <a:r>
+              <a:rPr lang="en-US" dirty="0" err="1"/>
+              <a:t>ởng</a:t>
+            </a:r>
+            <a:r>
+              <a:rPr lang="en-US" dirty="0"/>
+              <a:t> </a:t>
+            </a:r>
+            <a:r>
+              <a:rPr lang="en-US" dirty="0" err="1"/>
+              <a:t>nhóm</a:t>
+            </a:r>
+            <a:r>
+              <a:rPr lang="en-US" dirty="0"/>
+              <a:t>, </a:t>
+            </a:r>
+            <a:r>
+              <a:rPr lang="en-US" dirty="0" err="1"/>
+              <a:t>làm</a:t>
+            </a:r>
+            <a:r>
+              <a:rPr lang="en-US" dirty="0"/>
+              <a:t> </a:t>
+            </a:r>
+            <a:r>
+              <a:rPr lang="en-US" dirty="0" err="1"/>
+              <a:t>việc</a:t>
+            </a:r>
+            <a:r>
+              <a:rPr lang="en-US" dirty="0"/>
+              <a:t> </a:t>
+            </a:r>
+            <a:r>
+              <a:rPr lang="en-US" dirty="0" err="1"/>
+              <a:t>nhóm</a:t>
+            </a:r>
+            <a:r>
+              <a:rPr lang="en-US" dirty="0"/>
+              <a:t> </a:t>
+            </a:r>
+            <a:r>
+              <a:rPr lang="en-US" dirty="0" err="1"/>
+              <a:t>ch</a:t>
+            </a:r>
+            <a:r>
+              <a:rPr lang="vi-VN" dirty="0"/>
+              <a:t>ư</a:t>
+            </a:r>
+            <a:r>
+              <a:rPr lang="en-US" dirty="0"/>
+              <a:t>a </a:t>
+            </a:r>
+            <a:r>
+              <a:rPr lang="en-US" dirty="0" err="1"/>
+              <a:t>hiệu</a:t>
+            </a:r>
+            <a:r>
+              <a:rPr lang="en-US" dirty="0"/>
+              <a:t> </a:t>
+            </a:r>
+            <a:r>
+              <a:rPr lang="en-US" dirty="0" err="1"/>
+              <a:t>quả</a:t>
+            </a:r>
+            <a:r>
+              <a:rPr lang="en-US" dirty="0"/>
+              <a:t>, </a:t>
+            </a:r>
+            <a:r>
+              <a:rPr lang="en-US" dirty="0" err="1"/>
+              <a:t>khó</a:t>
+            </a:r>
+            <a:r>
+              <a:rPr lang="en-US" dirty="0"/>
+              <a:t> </a:t>
+            </a:r>
+            <a:r>
+              <a:rPr lang="en-US" dirty="0" err="1"/>
+              <a:t>khăn</a:t>
+            </a:r>
+            <a:r>
+              <a:rPr lang="en-US" dirty="0"/>
+              <a:t> </a:t>
+            </a:r>
+            <a:r>
+              <a:rPr lang="en-US" dirty="0" err="1"/>
+              <a:t>việc</a:t>
+            </a:r>
+            <a:r>
+              <a:rPr lang="en-US" dirty="0"/>
+              <a:t> </a:t>
+            </a:r>
+            <a:r>
+              <a:rPr lang="en-US" dirty="0" err="1"/>
+              <a:t>tìm</a:t>
+            </a:r>
+            <a:r>
+              <a:rPr lang="en-US" dirty="0"/>
+              <a:t> </a:t>
+            </a:r>
+            <a:r>
+              <a:rPr lang="en-US" dirty="0" err="1"/>
+              <a:t>hiểu</a:t>
+            </a:r>
+            <a:r>
+              <a:rPr lang="en-US" dirty="0"/>
+              <a:t> code</a:t>
+            </a:r>
+          </a:p>
+          <a:p>
+            <a:r>
+              <a:rPr lang="en-US" dirty="0" err="1"/>
+              <a:t>Dẫn</a:t>
+            </a:r>
+            <a:r>
+              <a:rPr lang="en-US" dirty="0"/>
+              <a:t> </a:t>
+            </a:r>
+            <a:r>
+              <a:rPr lang="en-US" dirty="0" err="1"/>
+              <a:t>đến</a:t>
+            </a:r>
+            <a:r>
+              <a:rPr lang="en-US" dirty="0"/>
+              <a:t> </a:t>
+            </a:r>
+            <a:r>
+              <a:rPr lang="en-US" dirty="0" err="1"/>
+              <a:t>tình</a:t>
+            </a:r>
+            <a:r>
+              <a:rPr lang="en-US" dirty="0"/>
+              <a:t> </a:t>
+            </a:r>
+            <a:r>
+              <a:rPr lang="en-US" dirty="0" err="1"/>
+              <a:t>trạng</a:t>
+            </a:r>
+            <a:r>
+              <a:rPr lang="en-US" dirty="0"/>
+              <a:t> </a:t>
+            </a:r>
+            <a:r>
+              <a:rPr lang="en-US" dirty="0" err="1"/>
+              <a:t>đồ</a:t>
+            </a:r>
+            <a:r>
+              <a:rPr lang="en-US" dirty="0"/>
+              <a:t> </a:t>
+            </a:r>
+            <a:r>
+              <a:rPr lang="en-US" dirty="0" err="1"/>
+              <a:t>án</a:t>
+            </a:r>
+            <a:r>
+              <a:rPr lang="en-US" dirty="0"/>
+              <a:t> </a:t>
+            </a:r>
+            <a:r>
+              <a:rPr lang="en-US" dirty="0" err="1"/>
+              <a:t>không</a:t>
+            </a:r>
+            <a:r>
+              <a:rPr lang="en-US" dirty="0"/>
+              <a:t> </a:t>
+            </a:r>
+            <a:r>
+              <a:rPr lang="en-US" dirty="0" err="1"/>
+              <a:t>có</a:t>
+            </a:r>
+            <a:r>
+              <a:rPr lang="en-US" dirty="0"/>
+              <a:t> </a:t>
+            </a:r>
+            <a:r>
+              <a:rPr lang="en-US" dirty="0" err="1"/>
+              <a:t>tiến</a:t>
+            </a:r>
+            <a:r>
+              <a:rPr lang="en-US" dirty="0"/>
+              <a:t> </a:t>
+            </a:r>
+            <a:r>
+              <a:rPr lang="en-US" dirty="0" err="1"/>
+              <a:t>triển</a:t>
+            </a:r>
             <a:endParaRPr lang="en-US" dirty="0"/>
           </a:p>
         </p:txBody>
@@ -816,7 +1730,7 @@
     </p:spTree>
     <p:extLst>
       <p:ext uri="{BB962C8B-B14F-4D97-AF65-F5344CB8AC3E}">
-        <p14:creationId xmlns:p14="http://schemas.microsoft.com/office/powerpoint/2010/main" val="1674145566"/>
+        <p14:creationId xmlns:p14="http://schemas.microsoft.com/office/powerpoint/2010/main" val="315855413"/>
       </p:ext>
     </p:extLst>
   </p:cSld>
@@ -870,10 +1784,6 @@
           <a:bodyPr/>
           <a:lstStyle/>
           <a:p>
-            <a:r>
-              <a:rPr lang="vi-VN" dirty="0"/>
-              <a:t>Mời thầy nhận xét và vấn đáp với các bạn.</a:t>
-            </a:r>
             <a:endParaRPr lang="en-US" dirty="0"/>
           </a:p>
         </p:txBody>
@@ -896,6 +1806,262 @@
             <a:fld id="{5CFE8131-1A4A-408E-9028-BD879A72127D}" type="slidenum">
               <a:rPr lang="en-US" smtClean="0"/>
               <a:t>14</a:t>
+            </a:fld>
+            <a:endParaRPr lang="en-US"/>
+          </a:p>
+        </p:txBody>
+      </p:sp>
+    </p:spTree>
+    <p:extLst>
+      <p:ext uri="{BB962C8B-B14F-4D97-AF65-F5344CB8AC3E}">
+        <p14:creationId xmlns:p14="http://schemas.microsoft.com/office/powerpoint/2010/main" val="2597249374"/>
+      </p:ext>
+    </p:extLst>
+  </p:cSld>
+  <p:clrMapOvr>
+    <a:masterClrMapping/>
+  </p:clrMapOvr>
+</p:notes>
+</file>
+
+<file path=ppt/notesSlides/notesSlide14.xml><?xml version="1.0" encoding="utf-8"?>
+<p:notes xmlns:a="http://schemas.openxmlformats.org/drawingml/2006/main" xmlns:r="http://schemas.openxmlformats.org/officeDocument/2006/relationships" xmlns:p="http://schemas.openxmlformats.org/presentationml/2006/main">
+  <p:cSld>
+    <p:spTree>
+      <p:nvGrpSpPr>
+        <p:cNvPr id="1" name=""/>
+        <p:cNvGrpSpPr/>
+        <p:nvPr/>
+      </p:nvGrpSpPr>
+      <p:grpSpPr>
+        <a:xfrm>
+          <a:off x="0" y="0"/>
+          <a:ext cx="0" cy="0"/>
+          <a:chOff x="0" y="0"/>
+          <a:chExt cx="0" cy="0"/>
+        </a:xfrm>
+      </p:grpSpPr>
+      <p:sp>
+        <p:nvSpPr>
+          <p:cNvPr id="2" name="Slide Image Placeholder 1"/>
+          <p:cNvSpPr>
+            <a:spLocks noGrp="1" noRot="1" noChangeAspect="1"/>
+          </p:cNvSpPr>
+          <p:nvPr>
+            <p:ph type="sldImg"/>
+          </p:nvPr>
+        </p:nvSpPr>
+        <p:spPr/>
+      </p:sp>
+      <p:sp>
+        <p:nvSpPr>
+          <p:cNvPr id="3" name="Notes Placeholder 2"/>
+          <p:cNvSpPr>
+            <a:spLocks noGrp="1"/>
+          </p:cNvSpPr>
+          <p:nvPr>
+            <p:ph type="body" idx="1"/>
+          </p:nvPr>
+        </p:nvSpPr>
+        <p:spPr/>
+        <p:txBody>
+          <a:bodyPr/>
+          <a:lstStyle/>
+          <a:p>
+            <a:endParaRPr lang="en-US" dirty="0"/>
+          </a:p>
+        </p:txBody>
+      </p:sp>
+      <p:sp>
+        <p:nvSpPr>
+          <p:cNvPr id="4" name="Slide Number Placeholder 3"/>
+          <p:cNvSpPr>
+            <a:spLocks noGrp="1"/>
+          </p:cNvSpPr>
+          <p:nvPr>
+            <p:ph type="sldNum" sz="quarter" idx="10"/>
+          </p:nvPr>
+        </p:nvSpPr>
+        <p:spPr/>
+        <p:txBody>
+          <a:bodyPr/>
+          <a:lstStyle/>
+          <a:p>
+            <a:fld id="{5CFE8131-1A4A-408E-9028-BD879A72127D}" type="slidenum">
+              <a:rPr lang="en-US" smtClean="0"/>
+              <a:t>15</a:t>
+            </a:fld>
+            <a:endParaRPr lang="en-US"/>
+          </a:p>
+        </p:txBody>
+      </p:sp>
+    </p:spTree>
+    <p:extLst>
+      <p:ext uri="{BB962C8B-B14F-4D97-AF65-F5344CB8AC3E}">
+        <p14:creationId xmlns:p14="http://schemas.microsoft.com/office/powerpoint/2010/main" val="2722232752"/>
+      </p:ext>
+    </p:extLst>
+  </p:cSld>
+  <p:clrMapOvr>
+    <a:masterClrMapping/>
+  </p:clrMapOvr>
+</p:notes>
+</file>
+
+<file path=ppt/notesSlides/notesSlide15.xml><?xml version="1.0" encoding="utf-8"?>
+<p:notes xmlns:a="http://schemas.openxmlformats.org/drawingml/2006/main" xmlns:r="http://schemas.openxmlformats.org/officeDocument/2006/relationships" xmlns:p="http://schemas.openxmlformats.org/presentationml/2006/main">
+  <p:cSld>
+    <p:spTree>
+      <p:nvGrpSpPr>
+        <p:cNvPr id="1" name=""/>
+        <p:cNvGrpSpPr/>
+        <p:nvPr/>
+      </p:nvGrpSpPr>
+      <p:grpSpPr>
+        <a:xfrm>
+          <a:off x="0" y="0"/>
+          <a:ext cx="0" cy="0"/>
+          <a:chOff x="0" y="0"/>
+          <a:chExt cx="0" cy="0"/>
+        </a:xfrm>
+      </p:grpSpPr>
+      <p:sp>
+        <p:nvSpPr>
+          <p:cNvPr id="2" name="Slide Image Placeholder 1"/>
+          <p:cNvSpPr>
+            <a:spLocks noGrp="1" noRot="1" noChangeAspect="1"/>
+          </p:cNvSpPr>
+          <p:nvPr>
+            <p:ph type="sldImg"/>
+          </p:nvPr>
+        </p:nvSpPr>
+        <p:spPr/>
+      </p:sp>
+      <p:sp>
+        <p:nvSpPr>
+          <p:cNvPr id="3" name="Notes Placeholder 2"/>
+          <p:cNvSpPr>
+            <a:spLocks noGrp="1"/>
+          </p:cNvSpPr>
+          <p:nvPr>
+            <p:ph type="body" idx="1"/>
+          </p:nvPr>
+        </p:nvSpPr>
+        <p:spPr/>
+        <p:txBody>
+          <a:bodyPr/>
+          <a:lstStyle/>
+          <a:p>
+            <a:endParaRPr lang="en-US" dirty="0"/>
+          </a:p>
+        </p:txBody>
+      </p:sp>
+      <p:sp>
+        <p:nvSpPr>
+          <p:cNvPr id="4" name="Slide Number Placeholder 3"/>
+          <p:cNvSpPr>
+            <a:spLocks noGrp="1"/>
+          </p:cNvSpPr>
+          <p:nvPr>
+            <p:ph type="sldNum" sz="quarter" idx="10"/>
+          </p:nvPr>
+        </p:nvSpPr>
+        <p:spPr/>
+        <p:txBody>
+          <a:bodyPr/>
+          <a:lstStyle/>
+          <a:p>
+            <a:fld id="{5CFE8131-1A4A-408E-9028-BD879A72127D}" type="slidenum">
+              <a:rPr lang="en-US" smtClean="0"/>
+              <a:t>16</a:t>
+            </a:fld>
+            <a:endParaRPr lang="en-US"/>
+          </a:p>
+        </p:txBody>
+      </p:sp>
+    </p:spTree>
+    <p:extLst>
+      <p:ext uri="{BB962C8B-B14F-4D97-AF65-F5344CB8AC3E}">
+        <p14:creationId xmlns:p14="http://schemas.microsoft.com/office/powerpoint/2010/main" val="1674145566"/>
+      </p:ext>
+    </p:extLst>
+  </p:cSld>
+  <p:clrMapOvr>
+    <a:masterClrMapping/>
+  </p:clrMapOvr>
+</p:notes>
+</file>
+
+<file path=ppt/notesSlides/notesSlide16.xml><?xml version="1.0" encoding="utf-8"?>
+<p:notes xmlns:a="http://schemas.openxmlformats.org/drawingml/2006/main" xmlns:r="http://schemas.openxmlformats.org/officeDocument/2006/relationships" xmlns:p="http://schemas.openxmlformats.org/presentationml/2006/main">
+  <p:cSld>
+    <p:spTree>
+      <p:nvGrpSpPr>
+        <p:cNvPr id="1" name=""/>
+        <p:cNvGrpSpPr/>
+        <p:nvPr/>
+      </p:nvGrpSpPr>
+      <p:grpSpPr>
+        <a:xfrm>
+          <a:off x="0" y="0"/>
+          <a:ext cx="0" cy="0"/>
+          <a:chOff x="0" y="0"/>
+          <a:chExt cx="0" cy="0"/>
+        </a:xfrm>
+      </p:grpSpPr>
+      <p:sp>
+        <p:nvSpPr>
+          <p:cNvPr id="2" name="Slide Image Placeholder 1"/>
+          <p:cNvSpPr>
+            <a:spLocks noGrp="1" noRot="1" noChangeAspect="1"/>
+          </p:cNvSpPr>
+          <p:nvPr>
+            <p:ph type="sldImg"/>
+          </p:nvPr>
+        </p:nvSpPr>
+        <p:spPr/>
+      </p:sp>
+      <p:sp>
+        <p:nvSpPr>
+          <p:cNvPr id="3" name="Notes Placeholder 2"/>
+          <p:cNvSpPr>
+            <a:spLocks noGrp="1"/>
+          </p:cNvSpPr>
+          <p:nvPr>
+            <p:ph type="body" idx="1"/>
+          </p:nvPr>
+        </p:nvSpPr>
+        <p:spPr/>
+        <p:txBody>
+          <a:bodyPr/>
+          <a:lstStyle/>
+          <a:p>
+            <a:r>
+              <a:rPr lang="vi-VN" dirty="0"/>
+              <a:t>Mời thầy nhận xét và vấn đáp với các bạn.</a:t>
+            </a:r>
+            <a:endParaRPr lang="en-US" dirty="0"/>
+          </a:p>
+        </p:txBody>
+      </p:sp>
+      <p:sp>
+        <p:nvSpPr>
+          <p:cNvPr id="4" name="Slide Number Placeholder 3"/>
+          <p:cNvSpPr>
+            <a:spLocks noGrp="1"/>
+          </p:cNvSpPr>
+          <p:nvPr>
+            <p:ph type="sldNum" sz="quarter" idx="10"/>
+          </p:nvPr>
+        </p:nvSpPr>
+        <p:spPr/>
+        <p:txBody>
+          <a:bodyPr/>
+          <a:lstStyle/>
+          <a:p>
+            <a:fld id="{5CFE8131-1A4A-408E-9028-BD879A72127D}" type="slidenum">
+              <a:rPr lang="en-US" smtClean="0"/>
+              <a:t>17</a:t>
             </a:fld>
             <a:endParaRPr lang="en-US"/>
           </a:p>
@@ -2226,7 +3392,15 @@
           <a:p>
             <a:r>
               <a:rPr lang="en-US" dirty="0" err="1"/>
-              <a:t>Trong</a:t>
+              <a:t>Chúng</a:t>
+            </a:r>
+            <a:r>
+              <a:rPr lang="en-US" dirty="0"/>
+              <a:t> ta </a:t>
+            </a:r>
+            <a:r>
+              <a:rPr lang="en-US" dirty="0" err="1"/>
+              <a:t>đến</a:t>
             </a:r>
             <a:r>
               <a:rPr lang="en-US" dirty="0"/>
@@ -2234,7 +3408,15 @@
             </a:r>
             <a:r>
               <a:rPr lang="en-US" dirty="0" err="1"/>
-              <a:t>quá</a:t>
+              <a:t>phần</a:t>
+            </a:r>
+            <a:r>
+              <a:rPr lang="en-US" dirty="0"/>
+              <a:t> 2: </a:t>
+            </a:r>
+            <a:r>
+              <a:rPr lang="en-US" dirty="0" err="1"/>
+              <a:t>đó</a:t>
             </a:r>
             <a:r>
               <a:rPr lang="en-US" dirty="0"/>
@@ -2242,7 +3424,7 @@
             </a:r>
             <a:r>
               <a:rPr lang="en-US" dirty="0" err="1"/>
-              <a:t>trình</a:t>
+              <a:t>là</a:t>
             </a:r>
             <a:r>
               <a:rPr lang="en-US" dirty="0"/>
@@ -2250,7 +3432,7 @@
             </a:r>
             <a:r>
               <a:rPr lang="en-US" dirty="0" err="1"/>
-              <a:t>thực</a:t>
+              <a:t>quá</a:t>
             </a:r>
             <a:r>
               <a:rPr lang="en-US" dirty="0"/>
@@ -2258,7 +3440,7 @@
             </a:r>
             <a:r>
               <a:rPr lang="en-US" dirty="0" err="1"/>
-              <a:t>hiện</a:t>
+              <a:t>trình</a:t>
             </a:r>
             <a:r>
               <a:rPr lang="en-US" dirty="0"/>
@@ -2266,7 +3448,7 @@
             </a:r>
             <a:r>
               <a:rPr lang="en-US" dirty="0" err="1"/>
-              <a:t>xuất</a:t>
+              <a:t>thực</a:t>
             </a:r>
             <a:r>
               <a:rPr lang="en-US" dirty="0"/>
@@ -2282,7 +3464,7 @@
             </a:r>
             <a:r>
               <a:rPr lang="en-US" dirty="0" err="1"/>
-              <a:t>những</a:t>
+              <a:t>đồ</a:t>
             </a:r>
             <a:r>
               <a:rPr lang="en-US" dirty="0"/>
@@ -2290,7 +3472,26 @@
             </a:r>
             <a:r>
               <a:rPr lang="en-US" dirty="0" err="1"/>
-              <a:t>khó</a:t>
+              <a:t>án</a:t>
+            </a:r>
+            <a:endParaRPr lang="en-US" dirty="0"/>
+          </a:p>
+          <a:p>
+            <a:r>
+              <a:rPr lang="en-US" dirty="0" err="1"/>
+              <a:t>Đầu</a:t>
+            </a:r>
+            <a:r>
+              <a:rPr lang="en-US" dirty="0"/>
+              <a:t> t</a:t>
+            </a:r>
+            <a:r>
+              <a:rPr lang="vi-VN" dirty="0"/>
+              <a:t>iên </a:t>
+            </a:r>
+            <a:r>
+              <a:rPr lang="en-US" dirty="0" err="1"/>
+              <a:t>phần</a:t>
             </a:r>
             <a:r>
               <a:rPr lang="en-US" dirty="0"/>
@@ -2298,34 +3499,15 @@
             </a:r>
             <a:r>
               <a:rPr lang="en-US" dirty="0" err="1"/>
-              <a:t>khăn</a:t>
+              <a:t>phân</a:t>
             </a:r>
             <a:r>
               <a:rPr lang="en-US" dirty="0"/>
               <a:t> </a:t>
             </a:r>
-            <a:endParaRPr lang="vi-VN" dirty="0"/>
-          </a:p>
-          <a:p>
-            <a:r>
-              <a:rPr lang="vi-VN" dirty="0"/>
-              <a:t>Không có định hướng kế hoạch thực hiện, c</a:t>
-            </a:r>
-            <a:r>
-              <a:rPr lang="en-US" dirty="0"/>
-              <a:t>h</a:t>
-            </a:r>
-            <a:r>
-              <a:rPr lang="vi-VN" dirty="0"/>
-              <a:t>ư</a:t>
-            </a:r>
-            <a:r>
-              <a:rPr lang="en-US" dirty="0"/>
-              <a:t>a </a:t>
-            </a:r>
-            <a:r>
-              <a:rPr lang="en-US" dirty="0" err="1"/>
-              <a:t>có</a:t>
+            <a:r>
+              <a:rPr lang="en-US" dirty="0" err="1"/>
+              <a:t>công</a:t>
             </a:r>
             <a:r>
               <a:rPr lang="en-US" dirty="0"/>
@@ -2333,15 +3515,7 @@
             </a:r>
             <a:r>
               <a:rPr lang="en-US" dirty="0" err="1"/>
-              <a:t>tr</a:t>
-            </a:r>
-            <a:r>
-              <a:rPr lang="vi-VN" dirty="0"/>
-              <a:t>ư</a:t>
-            </a:r>
-            <a:r>
-              <a:rPr lang="en-US" dirty="0" err="1"/>
-              <a:t>ởng</a:t>
+              <a:t>công</a:t>
             </a:r>
             <a:r>
               <a:rPr lang="en-US" dirty="0"/>
@@ -2349,15 +3523,24 @@
             </a:r>
             <a:r>
               <a:rPr lang="en-US" dirty="0" err="1"/>
-              <a:t>nhóm</a:t>
+              <a:t>việc</a:t>
             </a:r>
             <a:r>
               <a:rPr lang="en-US" dirty="0"/>
-              <a:t>, </a:t>
-            </a:r>
-            <a:r>
-              <a:rPr lang="en-US" dirty="0" err="1"/>
-              <a:t>làm</a:t>
+              <a:t>:</a:t>
+            </a:r>
+          </a:p>
+          <a:p>
+            <a:pPr marL="228600" indent="-228600">
+              <a:buAutoNum type="arabicPeriod"/>
+            </a:pPr>
+            <a:r>
+              <a:rPr lang="en-US" dirty="0"/>
+              <a:t>Crawler do </a:t>
+            </a:r>
+            <a:r>
+              <a:rPr lang="en-US" dirty="0" err="1"/>
+              <a:t>bạn</a:t>
             </a:r>
             <a:r>
               <a:rPr lang="en-US" dirty="0"/>
@@ -2365,7 +3548,7 @@
             </a:r>
             <a:r>
               <a:rPr lang="en-US" dirty="0" err="1"/>
-              <a:t>việc</a:t>
+              <a:t>Phú</a:t>
             </a:r>
             <a:r>
               <a:rPr lang="en-US" dirty="0"/>
@@ -2373,7 +3556,7 @@
             </a:r>
             <a:r>
               <a:rPr lang="en-US" dirty="0" err="1"/>
-              <a:t>nhóm</a:t>
+              <a:t>thực</a:t>
             </a:r>
             <a:r>
               <a:rPr lang="en-US" dirty="0"/>
@@ -2381,19 +3564,17 @@
             </a:r>
             <a:r>
               <a:rPr lang="en-US" dirty="0" err="1"/>
-              <a:t>ch</a:t>
-            </a:r>
-            <a:r>
-              <a:rPr lang="vi-VN" dirty="0"/>
-              <a:t>ư</a:t>
-            </a:r>
-            <a:r>
-              <a:rPr lang="en-US" dirty="0"/>
-              <a:t>a </a:t>
-            </a:r>
-            <a:r>
-              <a:rPr lang="en-US" dirty="0" err="1"/>
-              <a:t>hiệu</a:t>
+              <a:t>hiện</a:t>
+            </a:r>
+            <a:endParaRPr lang="en-US" dirty="0"/>
+          </a:p>
+          <a:p>
+            <a:pPr marL="228600" indent="-228600">
+              <a:buAutoNum type="arabicPeriod"/>
+            </a:pPr>
+            <a:r>
+              <a:rPr lang="en-US" dirty="0" err="1"/>
+              <a:t>Đến</a:t>
             </a:r>
             <a:r>
               <a:rPr lang="en-US" dirty="0"/>
@@ -2401,15 +3582,23 @@
             </a:r>
             <a:r>
               <a:rPr lang="en-US" dirty="0" err="1"/>
-              <a:t>quả</a:t>
+              <a:t>phần</a:t>
             </a:r>
             <a:r>
               <a:rPr lang="en-US" dirty="0"/>
-              <a:t>, </a:t>
-            </a:r>
-            <a:r>
-              <a:rPr lang="en-US" dirty="0" err="1"/>
-              <a:t>khó</a:t>
+              <a:t> database </a:t>
+            </a:r>
+            <a:r>
+              <a:rPr lang="en-US" dirty="0" err="1"/>
+              <a:t>và</a:t>
+            </a:r>
+            <a:r>
+              <a:rPr lang="en-US" dirty="0"/>
+              <a:t> server d</a:t>
+            </a:r>
+            <a:r>
+              <a:rPr lang="vi-VN" dirty="0"/>
+              <a:t>o</a:t>
             </a:r>
             <a:r>
               <a:rPr lang="en-US" dirty="0"/>
@@ -2417,7 +3606,7 @@
             </a:r>
             <a:r>
               <a:rPr lang="en-US" dirty="0" err="1"/>
-              <a:t>khăn</a:t>
+              <a:t>bạn</a:t>
             </a:r>
             <a:r>
               <a:rPr lang="en-US" dirty="0"/>
@@ -2425,7 +3614,7 @@
             </a:r>
             <a:r>
               <a:rPr lang="en-US" dirty="0" err="1"/>
-              <a:t>việc</a:t>
+              <a:t>Bảo</a:t>
             </a:r>
             <a:r>
               <a:rPr lang="en-US" dirty="0"/>
@@ -2433,7 +3622,7 @@
             </a:r>
             <a:r>
               <a:rPr lang="en-US" dirty="0" err="1"/>
-              <a:t>tìm</a:t>
+              <a:t>và</a:t>
             </a:r>
             <a:r>
               <a:rPr lang="en-US" dirty="0"/>
@@ -2441,17 +3630,7 @@
             </a:r>
             <a:r>
               <a:rPr lang="en-US" dirty="0" err="1"/>
-              <a:t>hiểu</a:t>
-            </a:r>
-            <a:r>
-              <a:rPr lang="en-US" dirty="0"/>
-              <a:t> code</a:t>
-            </a:r>
-          </a:p>
-          <a:p>
-            <a:r>
-              <a:rPr lang="en-US" dirty="0" err="1"/>
-              <a:t>Dẫn</a:t>
+              <a:t>Nguyên</a:t>
             </a:r>
             <a:r>
               <a:rPr lang="en-US" dirty="0"/>
@@ -2459,7 +3638,7 @@
             </a:r>
             <a:r>
               <a:rPr lang="en-US" dirty="0" err="1"/>
-              <a:t>đến</a:t>
+              <a:t>thực</a:t>
             </a:r>
             <a:r>
               <a:rPr lang="en-US" dirty="0"/>
@@ -2467,7 +3646,25 @@
             </a:r>
             <a:r>
               <a:rPr lang="en-US" dirty="0" err="1"/>
-              <a:t>tình</a:t>
+              <a:t>hiện</a:t>
+            </a:r>
+            <a:endParaRPr lang="en-US" dirty="0"/>
+          </a:p>
+          <a:p>
+            <a:pPr marL="228600" indent="-228600">
+              <a:buAutoNum type="arabicPeriod"/>
+            </a:pPr>
+            <a:r>
+              <a:rPr lang="en-US" dirty="0" err="1"/>
+              <a:t>Phần</a:t>
+            </a:r>
+            <a:r>
+              <a:rPr lang="en-US" dirty="0"/>
+              <a:t> app android do </a:t>
+            </a:r>
+            <a:r>
+              <a:rPr lang="en-US" dirty="0" err="1"/>
+              <a:t>Trí</a:t>
             </a:r>
             <a:r>
               <a:rPr lang="en-US" dirty="0"/>
@@ -2475,7 +3672,7 @@
             </a:r>
             <a:r>
               <a:rPr lang="en-US" dirty="0" err="1"/>
-              <a:t>trạng</a:t>
+              <a:t>thực</a:t>
             </a:r>
             <a:r>
               <a:rPr lang="en-US" dirty="0"/>
@@ -2483,49 +3680,22 @@
             </a:r>
             <a:r>
               <a:rPr lang="en-US" dirty="0" err="1"/>
-              <a:t>đồ</a:t>
+              <a:t>hiện</a:t>
             </a:r>
             <a:r>
               <a:rPr lang="en-US" dirty="0"/>
-              <a:t> </a:t>
-            </a:r>
-            <a:r>
-              <a:rPr lang="en-US" dirty="0" err="1"/>
-              <a:t>án</a:t>
-            </a:r>
-            <a:r>
-              <a:rPr lang="en-US" dirty="0"/>
-              <a:t> </a:t>
-            </a:r>
-            <a:r>
-              <a:rPr lang="en-US" dirty="0" err="1"/>
-              <a:t>không</a:t>
-            </a:r>
-            <a:r>
-              <a:rPr lang="en-US" dirty="0"/>
-              <a:t> </a:t>
-            </a:r>
-            <a:r>
-              <a:rPr lang="en-US" dirty="0" err="1"/>
-              <a:t>có</a:t>
-            </a:r>
-            <a:r>
-              <a:rPr lang="en-US" dirty="0"/>
-              <a:t> </a:t>
-            </a:r>
-            <a:r>
-              <a:rPr lang="en-US" dirty="0" err="1"/>
-              <a:t>tiến</a:t>
-            </a:r>
-            <a:r>
-              <a:rPr lang="en-US" dirty="0"/>
-              <a:t> </a:t>
-            </a:r>
-            <a:r>
-              <a:rPr lang="en-US" dirty="0" err="1"/>
-              <a:t>triển</a:t>
-            </a:r>
-            <a:endParaRPr lang="en-US" dirty="0"/>
+              <a:t>.	</a:t>
+            </a:r>
+            <a:endParaRPr lang="vi-VN" dirty="0"/>
+          </a:p>
+          <a:p>
+            <a:pPr marL="0" indent="0">
+              <a:buNone/>
+            </a:pPr>
+            <a:r>
+              <a:rPr lang="vi-VN" dirty="0"/>
+              <a:t>Ngoài ra có tham khảo và giúp đỡ từ các nhóm khác</a:t>
+            </a:r>
           </a:p>
         </p:txBody>
       </p:sp>
@@ -2555,7 +3725,7 @@
     </p:spTree>
     <p:extLst>
       <p:ext uri="{BB962C8B-B14F-4D97-AF65-F5344CB8AC3E}">
-        <p14:creationId xmlns:p14="http://schemas.microsoft.com/office/powerpoint/2010/main" val="315855413"/>
+        <p14:creationId xmlns:p14="http://schemas.microsoft.com/office/powerpoint/2010/main" val="2571858572"/>
       </p:ext>
     </p:extLst>
   </p:cSld>
@@ -5915,6 +7085,1059 @@
 </file>
 
 <file path=ppt/slides/slide10.xml><?xml version="1.0" encoding="utf-8"?>
+<p:sld xmlns:a="http://schemas.openxmlformats.org/drawingml/2006/main" xmlns:r="http://schemas.openxmlformats.org/officeDocument/2006/relationships" xmlns:p="http://schemas.openxmlformats.org/presentationml/2006/main">
+  <p:cSld>
+    <p:bg>
+      <p:bgPr>
+        <a:gradFill flip="none" rotWithShape="1">
+          <a:gsLst>
+            <a:gs pos="74000">
+              <a:schemeClr val="bg1"/>
+            </a:gs>
+            <a:gs pos="100000">
+              <a:schemeClr val="accent1">
+                <a:lumMod val="45000"/>
+                <a:lumOff val="55000"/>
+              </a:schemeClr>
+            </a:gs>
+            <a:gs pos="83000">
+              <a:schemeClr val="accent1">
+                <a:lumMod val="45000"/>
+                <a:lumOff val="55000"/>
+              </a:schemeClr>
+            </a:gs>
+            <a:gs pos="100000">
+              <a:schemeClr val="accent1">
+                <a:lumMod val="30000"/>
+                <a:lumOff val="70000"/>
+              </a:schemeClr>
+            </a:gs>
+          </a:gsLst>
+          <a:lin ang="8100000" scaled="1"/>
+          <a:tileRect/>
+        </a:gradFill>
+        <a:effectLst/>
+      </p:bgPr>
+    </p:bg>
+    <p:spTree>
+      <p:nvGrpSpPr>
+        <p:cNvPr id="1" name=""/>
+        <p:cNvGrpSpPr/>
+        <p:nvPr/>
+      </p:nvGrpSpPr>
+      <p:grpSpPr>
+        <a:xfrm>
+          <a:off x="0" y="0"/>
+          <a:ext cx="0" cy="0"/>
+          <a:chOff x="0" y="0"/>
+          <a:chExt cx="0" cy="0"/>
+        </a:xfrm>
+      </p:grpSpPr>
+      <p:sp>
+        <p:nvSpPr>
+          <p:cNvPr id="4" name="Rectangle 3"/>
+          <p:cNvSpPr/>
+          <p:nvPr/>
+        </p:nvSpPr>
+        <p:spPr>
+          <a:xfrm>
+            <a:off x="457198" y="135923"/>
+            <a:ext cx="3101547" cy="1615023"/>
+          </a:xfrm>
+          <a:prstGeom prst="rect">
+            <a:avLst/>
+          </a:prstGeom>
+          <a:noFill/>
+          <a:ln>
+            <a:noFill/>
+          </a:ln>
+        </p:spPr>
+        <p:style>
+          <a:lnRef idx="2">
+            <a:schemeClr val="accent1">
+              <a:shade val="50000"/>
+            </a:schemeClr>
+          </a:lnRef>
+          <a:fillRef idx="1">
+            <a:schemeClr val="accent1"/>
+          </a:fillRef>
+          <a:effectRef idx="0">
+            <a:schemeClr val="accent1"/>
+          </a:effectRef>
+          <a:fontRef idx="minor">
+            <a:schemeClr val="lt1"/>
+          </a:fontRef>
+        </p:style>
+        <p:txBody>
+          <a:bodyPr rtlCol="0" anchor="ctr"/>
+          <a:lstStyle/>
+          <a:p>
+            <a:pPr algn="ctr"/>
+            <a:endParaRPr lang="en-US" sz="4400" dirty="0">
+              <a:solidFill>
+                <a:srgbClr val="8FAADC"/>
+              </a:solidFill>
+              <a:latin typeface="Raleway Black" panose="020B0604020202020204" charset="0"/>
+            </a:endParaRPr>
+          </a:p>
+        </p:txBody>
+      </p:sp>
+      <p:sp>
+        <p:nvSpPr>
+          <p:cNvPr id="16" name="Rectangle 15"/>
+          <p:cNvSpPr/>
+          <p:nvPr/>
+        </p:nvSpPr>
+        <p:spPr>
+          <a:xfrm>
+            <a:off x="11335904" y="6265251"/>
+            <a:ext cx="320922" cy="369332"/>
+          </a:xfrm>
+          <a:prstGeom prst="rect">
+            <a:avLst/>
+          </a:prstGeom>
+        </p:spPr>
+        <p:txBody>
+          <a:bodyPr wrap="none">
+            <a:spAutoFit/>
+          </a:bodyPr>
+          <a:lstStyle/>
+          <a:p>
+            <a:r>
+              <a:rPr lang="en-US" dirty="0">
+                <a:latin typeface=".VnArabia" panose="020B7200000000000000" pitchFamily="34" charset="0"/>
+              </a:rPr>
+              <a:t>6</a:t>
+            </a:r>
+          </a:p>
+        </p:txBody>
+      </p:sp>
+      <p:pic>
+        <p:nvPicPr>
+          <p:cNvPr id="3" name="Picture 2"/>
+          <p:cNvPicPr>
+            <a:picLocks noChangeAspect="1"/>
+          </p:cNvPicPr>
+          <p:nvPr/>
+        </p:nvPicPr>
+        <p:blipFill>
+          <a:blip r:embed="rId3">
+            <a:extLst>
+              <a:ext uri="{28A0092B-C50C-407E-A947-70E740481C1C}">
+                <a14:useLocalDpi xmlns:a14="http://schemas.microsoft.com/office/drawing/2010/main" val="0"/>
+              </a:ext>
+            </a:extLst>
+          </a:blip>
+          <a:stretch>
+            <a:fillRect/>
+          </a:stretch>
+        </p:blipFill>
+        <p:spPr>
+          <a:xfrm>
+            <a:off x="0" y="0"/>
+            <a:ext cx="4228571" cy="1561905"/>
+          </a:xfrm>
+          <a:prstGeom prst="rect">
+            <a:avLst/>
+          </a:prstGeom>
+        </p:spPr>
+      </p:pic>
+      <p:sp>
+        <p:nvSpPr>
+          <p:cNvPr id="18" name="TextBox 17"/>
+          <p:cNvSpPr txBox="1"/>
+          <p:nvPr/>
+        </p:nvSpPr>
+        <p:spPr>
+          <a:xfrm>
+            <a:off x="1718841" y="780952"/>
+            <a:ext cx="2664634" cy="646331"/>
+          </a:xfrm>
+          <a:prstGeom prst="rect">
+            <a:avLst/>
+          </a:prstGeom>
+          <a:noFill/>
+        </p:spPr>
+        <p:txBody>
+          <a:bodyPr wrap="square" rtlCol="0">
+            <a:spAutoFit/>
+          </a:bodyPr>
+          <a:lstStyle/>
+          <a:p>
+            <a:r>
+              <a:rPr lang="en-US" sz="3600" dirty="0" err="1">
+                <a:solidFill>
+                  <a:srgbClr val="FFFAFF"/>
+                </a:solidFill>
+                <a:latin typeface="VNI-Duff" pitchFamily="2" charset="0"/>
+              </a:rPr>
+              <a:t>Quaù</a:t>
+            </a:r>
+            <a:r>
+              <a:rPr lang="en-US" sz="3600" dirty="0">
+                <a:solidFill>
+                  <a:srgbClr val="FFFAFF"/>
+                </a:solidFill>
+                <a:latin typeface="VNI-Duff" pitchFamily="2" charset="0"/>
+              </a:rPr>
+              <a:t> </a:t>
+            </a:r>
+            <a:r>
+              <a:rPr lang="en-US" sz="3600" dirty="0" err="1">
+                <a:solidFill>
+                  <a:srgbClr val="FFFAFF"/>
+                </a:solidFill>
+                <a:latin typeface="VNI-Duff" pitchFamily="2" charset="0"/>
+              </a:rPr>
+              <a:t>trình</a:t>
+            </a:r>
+            <a:endParaRPr lang="en-US" sz="3600" dirty="0">
+              <a:solidFill>
+                <a:srgbClr val="FFFAFF"/>
+              </a:solidFill>
+              <a:latin typeface="VNI-Duff" pitchFamily="2" charset="0"/>
+            </a:endParaRPr>
+          </a:p>
+        </p:txBody>
+      </p:sp>
+      <p:pic>
+        <p:nvPicPr>
+          <p:cNvPr id="20" name="Picture 19"/>
+          <p:cNvPicPr>
+            <a:picLocks noChangeAspect="1"/>
+          </p:cNvPicPr>
+          <p:nvPr/>
+        </p:nvPicPr>
+        <p:blipFill>
+          <a:blip r:embed="rId4">
+            <a:extLst>
+              <a:ext uri="{28A0092B-C50C-407E-A947-70E740481C1C}">
+                <a14:useLocalDpi xmlns:a14="http://schemas.microsoft.com/office/drawing/2010/main" val="0"/>
+              </a:ext>
+            </a:extLst>
+          </a:blip>
+          <a:stretch>
+            <a:fillRect/>
+          </a:stretch>
+        </p:blipFill>
+        <p:spPr>
+          <a:xfrm>
+            <a:off x="4228571" y="2680127"/>
+            <a:ext cx="1090348" cy="1090348"/>
+          </a:xfrm>
+          <a:prstGeom prst="rect">
+            <a:avLst/>
+          </a:prstGeom>
+        </p:spPr>
+      </p:pic>
+      <p:sp>
+        <p:nvSpPr>
+          <p:cNvPr id="21" name="Rectangle 20"/>
+          <p:cNvSpPr/>
+          <p:nvPr/>
+        </p:nvSpPr>
+        <p:spPr>
+          <a:xfrm>
+            <a:off x="4091411" y="2789046"/>
+            <a:ext cx="137160" cy="872509"/>
+          </a:xfrm>
+          <a:prstGeom prst="rect">
+            <a:avLst/>
+          </a:prstGeom>
+          <a:solidFill>
+            <a:schemeClr val="accent1">
+              <a:lumMod val="75000"/>
+            </a:schemeClr>
+          </a:solidFill>
+        </p:spPr>
+        <p:style>
+          <a:lnRef idx="2">
+            <a:schemeClr val="accent1">
+              <a:shade val="50000"/>
+            </a:schemeClr>
+          </a:lnRef>
+          <a:fillRef idx="1">
+            <a:schemeClr val="accent1"/>
+          </a:fillRef>
+          <a:effectRef idx="0">
+            <a:schemeClr val="accent1"/>
+          </a:effectRef>
+          <a:fontRef idx="minor">
+            <a:schemeClr val="lt1"/>
+          </a:fontRef>
+        </p:style>
+        <p:txBody>
+          <a:bodyPr rtlCol="0" anchor="ctr"/>
+          <a:lstStyle/>
+          <a:p>
+            <a:pPr algn="ctr"/>
+            <a:endParaRPr lang="en-US"/>
+          </a:p>
+        </p:txBody>
+      </p:sp>
+      <p:pic>
+        <p:nvPicPr>
+          <p:cNvPr id="5" name="Picture 4"/>
+          <p:cNvPicPr>
+            <a:picLocks noChangeAspect="1"/>
+          </p:cNvPicPr>
+          <p:nvPr/>
+        </p:nvPicPr>
+        <p:blipFill>
+          <a:blip r:embed="rId5">
+            <a:extLst>
+              <a:ext uri="{28A0092B-C50C-407E-A947-70E740481C1C}">
+                <a14:useLocalDpi xmlns:a14="http://schemas.microsoft.com/office/drawing/2010/main" val="0"/>
+              </a:ext>
+            </a:extLst>
+          </a:blip>
+          <a:stretch>
+            <a:fillRect/>
+          </a:stretch>
+        </p:blipFill>
+        <p:spPr>
+          <a:xfrm>
+            <a:off x="7833358" y="405560"/>
+            <a:ext cx="4030453" cy="5639480"/>
+          </a:xfrm>
+          <a:prstGeom prst="rect">
+            <a:avLst/>
+          </a:prstGeom>
+        </p:spPr>
+      </p:pic>
+    </p:spTree>
+    <p:extLst>
+      <p:ext uri="{BB962C8B-B14F-4D97-AF65-F5344CB8AC3E}">
+        <p14:creationId xmlns:p14="http://schemas.microsoft.com/office/powerpoint/2010/main" val="2845471029"/>
+      </p:ext>
+    </p:extLst>
+  </p:cSld>
+  <p:clrMapOvr>
+    <a:masterClrMapping/>
+  </p:clrMapOvr>
+  <mc:AlternateContent xmlns:mc="http://schemas.openxmlformats.org/markup-compatibility/2006">
+    <mc:Choice xmlns:p14="http://schemas.microsoft.com/office/powerpoint/2010/main" Requires="p14">
+      <p:transition spd="slow" p14:dur="800">
+        <p:circle/>
+      </p:transition>
+    </mc:Choice>
+    <mc:Fallback>
+      <p:transition spd="slow">
+        <p:circle/>
+      </p:transition>
+    </mc:Fallback>
+  </mc:AlternateContent>
+</p:sld>
+</file>
+
+<file path=ppt/slides/slide11.xml><?xml version="1.0" encoding="utf-8"?>
+<p:sld xmlns:a="http://schemas.openxmlformats.org/drawingml/2006/main" xmlns:r="http://schemas.openxmlformats.org/officeDocument/2006/relationships" xmlns:p="http://schemas.openxmlformats.org/presentationml/2006/main">
+  <p:cSld>
+    <p:bg>
+      <p:bgPr>
+        <a:gradFill flip="none" rotWithShape="1">
+          <a:gsLst>
+            <a:gs pos="74000">
+              <a:schemeClr val="bg1"/>
+            </a:gs>
+            <a:gs pos="100000">
+              <a:schemeClr val="accent1">
+                <a:lumMod val="45000"/>
+                <a:lumOff val="55000"/>
+              </a:schemeClr>
+            </a:gs>
+            <a:gs pos="83000">
+              <a:schemeClr val="accent1">
+                <a:lumMod val="45000"/>
+                <a:lumOff val="55000"/>
+              </a:schemeClr>
+            </a:gs>
+            <a:gs pos="100000">
+              <a:schemeClr val="accent1">
+                <a:lumMod val="30000"/>
+                <a:lumOff val="70000"/>
+              </a:schemeClr>
+            </a:gs>
+          </a:gsLst>
+          <a:lin ang="8100000" scaled="1"/>
+          <a:tileRect/>
+        </a:gradFill>
+        <a:effectLst/>
+      </p:bgPr>
+    </p:bg>
+    <p:spTree>
+      <p:nvGrpSpPr>
+        <p:cNvPr id="1" name=""/>
+        <p:cNvGrpSpPr/>
+        <p:nvPr/>
+      </p:nvGrpSpPr>
+      <p:grpSpPr>
+        <a:xfrm>
+          <a:off x="0" y="0"/>
+          <a:ext cx="0" cy="0"/>
+          <a:chOff x="0" y="0"/>
+          <a:chExt cx="0" cy="0"/>
+        </a:xfrm>
+      </p:grpSpPr>
+      <p:sp>
+        <p:nvSpPr>
+          <p:cNvPr id="4" name="Rectangle 3"/>
+          <p:cNvSpPr/>
+          <p:nvPr/>
+        </p:nvSpPr>
+        <p:spPr>
+          <a:xfrm>
+            <a:off x="457198" y="135923"/>
+            <a:ext cx="3101547" cy="1615023"/>
+          </a:xfrm>
+          <a:prstGeom prst="rect">
+            <a:avLst/>
+          </a:prstGeom>
+          <a:noFill/>
+          <a:ln>
+            <a:noFill/>
+          </a:ln>
+        </p:spPr>
+        <p:style>
+          <a:lnRef idx="2">
+            <a:schemeClr val="accent1">
+              <a:shade val="50000"/>
+            </a:schemeClr>
+          </a:lnRef>
+          <a:fillRef idx="1">
+            <a:schemeClr val="accent1"/>
+          </a:fillRef>
+          <a:effectRef idx="0">
+            <a:schemeClr val="accent1"/>
+          </a:effectRef>
+          <a:fontRef idx="minor">
+            <a:schemeClr val="lt1"/>
+          </a:fontRef>
+        </p:style>
+        <p:txBody>
+          <a:bodyPr rtlCol="0" anchor="ctr"/>
+          <a:lstStyle/>
+          <a:p>
+            <a:pPr algn="ctr"/>
+            <a:endParaRPr lang="en-US" sz="4400" dirty="0">
+              <a:solidFill>
+                <a:srgbClr val="8FAADC"/>
+              </a:solidFill>
+              <a:latin typeface="Raleway Black" panose="020B0604020202020204" charset="0"/>
+            </a:endParaRPr>
+          </a:p>
+        </p:txBody>
+      </p:sp>
+      <p:sp>
+        <p:nvSpPr>
+          <p:cNvPr id="16" name="Rectangle 15"/>
+          <p:cNvSpPr/>
+          <p:nvPr/>
+        </p:nvSpPr>
+        <p:spPr>
+          <a:xfrm>
+            <a:off x="11335904" y="6265251"/>
+            <a:ext cx="320922" cy="369332"/>
+          </a:xfrm>
+          <a:prstGeom prst="rect">
+            <a:avLst/>
+          </a:prstGeom>
+        </p:spPr>
+        <p:txBody>
+          <a:bodyPr wrap="none">
+            <a:spAutoFit/>
+          </a:bodyPr>
+          <a:lstStyle/>
+          <a:p>
+            <a:r>
+              <a:rPr lang="en-US" dirty="0">
+                <a:latin typeface=".VnArabia" panose="020B7200000000000000" pitchFamily="34" charset="0"/>
+              </a:rPr>
+              <a:t>6</a:t>
+            </a:r>
+          </a:p>
+        </p:txBody>
+      </p:sp>
+      <p:pic>
+        <p:nvPicPr>
+          <p:cNvPr id="3" name="Picture 2"/>
+          <p:cNvPicPr>
+            <a:picLocks noChangeAspect="1"/>
+          </p:cNvPicPr>
+          <p:nvPr/>
+        </p:nvPicPr>
+        <p:blipFill>
+          <a:blip r:embed="rId3">
+            <a:extLst>
+              <a:ext uri="{28A0092B-C50C-407E-A947-70E740481C1C}">
+                <a14:useLocalDpi xmlns:a14="http://schemas.microsoft.com/office/drawing/2010/main" val="0"/>
+              </a:ext>
+            </a:extLst>
+          </a:blip>
+          <a:stretch>
+            <a:fillRect/>
+          </a:stretch>
+        </p:blipFill>
+        <p:spPr>
+          <a:xfrm>
+            <a:off x="0" y="0"/>
+            <a:ext cx="4228571" cy="1561905"/>
+          </a:xfrm>
+          <a:prstGeom prst="rect">
+            <a:avLst/>
+          </a:prstGeom>
+        </p:spPr>
+      </p:pic>
+      <p:sp>
+        <p:nvSpPr>
+          <p:cNvPr id="18" name="TextBox 17"/>
+          <p:cNvSpPr txBox="1"/>
+          <p:nvPr/>
+        </p:nvSpPr>
+        <p:spPr>
+          <a:xfrm>
+            <a:off x="1718841" y="780952"/>
+            <a:ext cx="2664634" cy="646331"/>
+          </a:xfrm>
+          <a:prstGeom prst="rect">
+            <a:avLst/>
+          </a:prstGeom>
+          <a:noFill/>
+        </p:spPr>
+        <p:txBody>
+          <a:bodyPr wrap="square" rtlCol="0">
+            <a:spAutoFit/>
+          </a:bodyPr>
+          <a:lstStyle/>
+          <a:p>
+            <a:r>
+              <a:rPr lang="en-US" sz="3600" dirty="0" err="1">
+                <a:solidFill>
+                  <a:srgbClr val="FFFAFF"/>
+                </a:solidFill>
+                <a:latin typeface="VNI-Duff" pitchFamily="2" charset="0"/>
+              </a:rPr>
+              <a:t>Quaù</a:t>
+            </a:r>
+            <a:r>
+              <a:rPr lang="en-US" sz="3600" dirty="0">
+                <a:solidFill>
+                  <a:srgbClr val="FFFAFF"/>
+                </a:solidFill>
+                <a:latin typeface="VNI-Duff" pitchFamily="2" charset="0"/>
+              </a:rPr>
+              <a:t> </a:t>
+            </a:r>
+            <a:r>
+              <a:rPr lang="en-US" sz="3600" dirty="0" err="1">
+                <a:solidFill>
+                  <a:srgbClr val="FFFAFF"/>
+                </a:solidFill>
+                <a:latin typeface="VNI-Duff" pitchFamily="2" charset="0"/>
+              </a:rPr>
+              <a:t>trình</a:t>
+            </a:r>
+            <a:endParaRPr lang="en-US" sz="3600" dirty="0">
+              <a:solidFill>
+                <a:srgbClr val="FFFAFF"/>
+              </a:solidFill>
+              <a:latin typeface="VNI-Duff" pitchFamily="2" charset="0"/>
+            </a:endParaRPr>
+          </a:p>
+        </p:txBody>
+      </p:sp>
+      <p:pic>
+        <p:nvPicPr>
+          <p:cNvPr id="22" name="Picture 21"/>
+          <p:cNvPicPr>
+            <a:picLocks noChangeAspect="1"/>
+          </p:cNvPicPr>
+          <p:nvPr/>
+        </p:nvPicPr>
+        <p:blipFill>
+          <a:blip r:embed="rId4">
+            <a:extLst>
+              <a:ext uri="{28A0092B-C50C-407E-A947-70E740481C1C}">
+                <a14:useLocalDpi xmlns:a14="http://schemas.microsoft.com/office/drawing/2010/main" val="0"/>
+              </a:ext>
+            </a:extLst>
+          </a:blip>
+          <a:stretch>
+            <a:fillRect/>
+          </a:stretch>
+        </p:blipFill>
+        <p:spPr>
+          <a:xfrm>
+            <a:off x="2529503" y="2627943"/>
+            <a:ext cx="1147147" cy="1147147"/>
+          </a:xfrm>
+          <a:prstGeom prst="rect">
+            <a:avLst/>
+          </a:prstGeom>
+        </p:spPr>
+      </p:pic>
+      <p:pic>
+        <p:nvPicPr>
+          <p:cNvPr id="26" name="Picture 25"/>
+          <p:cNvPicPr>
+            <a:picLocks noChangeAspect="1"/>
+          </p:cNvPicPr>
+          <p:nvPr/>
+        </p:nvPicPr>
+        <p:blipFill>
+          <a:blip r:embed="rId5">
+            <a:extLst>
+              <a:ext uri="{28A0092B-C50C-407E-A947-70E740481C1C}">
+                <a14:useLocalDpi xmlns:a14="http://schemas.microsoft.com/office/drawing/2010/main" val="0"/>
+              </a:ext>
+            </a:extLst>
+          </a:blip>
+          <a:stretch>
+            <a:fillRect/>
+          </a:stretch>
+        </p:blipFill>
+        <p:spPr>
+          <a:xfrm>
+            <a:off x="3745230" y="2746216"/>
+            <a:ext cx="1109055" cy="1109055"/>
+          </a:xfrm>
+          <a:prstGeom prst="rect">
+            <a:avLst/>
+          </a:prstGeom>
+        </p:spPr>
+      </p:pic>
+      <p:sp>
+        <p:nvSpPr>
+          <p:cNvPr id="30" name="Rectangle 29"/>
+          <p:cNvSpPr/>
+          <p:nvPr/>
+        </p:nvSpPr>
+        <p:spPr>
+          <a:xfrm>
+            <a:off x="2460923" y="2746216"/>
+            <a:ext cx="137160" cy="872509"/>
+          </a:xfrm>
+          <a:prstGeom prst="rect">
+            <a:avLst/>
+          </a:prstGeom>
+          <a:solidFill>
+            <a:srgbClr val="53E3B3"/>
+          </a:solidFill>
+          <a:ln>
+            <a:solidFill>
+              <a:srgbClr val="53E3B3"/>
+            </a:solidFill>
+          </a:ln>
+        </p:spPr>
+        <p:style>
+          <a:lnRef idx="2">
+            <a:schemeClr val="accent1">
+              <a:shade val="50000"/>
+            </a:schemeClr>
+          </a:lnRef>
+          <a:fillRef idx="1">
+            <a:schemeClr val="accent1"/>
+          </a:fillRef>
+          <a:effectRef idx="0">
+            <a:schemeClr val="accent1"/>
+          </a:effectRef>
+          <a:fontRef idx="minor">
+            <a:schemeClr val="lt1"/>
+          </a:fontRef>
+        </p:style>
+        <p:txBody>
+          <a:bodyPr rtlCol="0" anchor="ctr"/>
+          <a:lstStyle/>
+          <a:p>
+            <a:pPr algn="ctr"/>
+            <a:endParaRPr lang="en-US" dirty="0"/>
+          </a:p>
+        </p:txBody>
+      </p:sp>
+      <p:pic>
+        <p:nvPicPr>
+          <p:cNvPr id="2" name="Picture 1"/>
+          <p:cNvPicPr>
+            <a:picLocks noChangeAspect="1"/>
+          </p:cNvPicPr>
+          <p:nvPr/>
+        </p:nvPicPr>
+        <p:blipFill>
+          <a:blip r:embed="rId6"/>
+          <a:stretch>
+            <a:fillRect/>
+          </a:stretch>
+        </p:blipFill>
+        <p:spPr>
+          <a:xfrm>
+            <a:off x="6056599" y="86395"/>
+            <a:ext cx="5845842" cy="6230242"/>
+          </a:xfrm>
+          <a:prstGeom prst="rect">
+            <a:avLst/>
+          </a:prstGeom>
+        </p:spPr>
+      </p:pic>
+    </p:spTree>
+    <p:extLst>
+      <p:ext uri="{BB962C8B-B14F-4D97-AF65-F5344CB8AC3E}">
+        <p14:creationId xmlns:p14="http://schemas.microsoft.com/office/powerpoint/2010/main" val="1555522430"/>
+      </p:ext>
+    </p:extLst>
+  </p:cSld>
+  <p:clrMapOvr>
+    <a:masterClrMapping/>
+  </p:clrMapOvr>
+  <p:transition spd="slow">
+    <p:randomBar dir="vert"/>
+  </p:transition>
+</p:sld>
+</file>
+
+<file path=ppt/slides/slide12.xml><?xml version="1.0" encoding="utf-8"?>
+<p:sld xmlns:a="http://schemas.openxmlformats.org/drawingml/2006/main" xmlns:r="http://schemas.openxmlformats.org/officeDocument/2006/relationships" xmlns:p="http://schemas.openxmlformats.org/presentationml/2006/main">
+  <p:cSld>
+    <p:bg>
+      <p:bgPr>
+        <a:gradFill flip="none" rotWithShape="1">
+          <a:gsLst>
+            <a:gs pos="74000">
+              <a:schemeClr val="bg1"/>
+            </a:gs>
+            <a:gs pos="100000">
+              <a:schemeClr val="accent1">
+                <a:lumMod val="45000"/>
+                <a:lumOff val="55000"/>
+              </a:schemeClr>
+            </a:gs>
+            <a:gs pos="83000">
+              <a:schemeClr val="accent1">
+                <a:lumMod val="45000"/>
+                <a:lumOff val="55000"/>
+              </a:schemeClr>
+            </a:gs>
+            <a:gs pos="100000">
+              <a:schemeClr val="accent1">
+                <a:lumMod val="30000"/>
+                <a:lumOff val="70000"/>
+              </a:schemeClr>
+            </a:gs>
+          </a:gsLst>
+          <a:lin ang="8100000" scaled="1"/>
+          <a:tileRect/>
+        </a:gradFill>
+        <a:effectLst/>
+      </p:bgPr>
+    </p:bg>
+    <p:spTree>
+      <p:nvGrpSpPr>
+        <p:cNvPr id="1" name=""/>
+        <p:cNvGrpSpPr/>
+        <p:nvPr/>
+      </p:nvGrpSpPr>
+      <p:grpSpPr>
+        <a:xfrm>
+          <a:off x="0" y="0"/>
+          <a:ext cx="0" cy="0"/>
+          <a:chOff x="0" y="0"/>
+          <a:chExt cx="0" cy="0"/>
+        </a:xfrm>
+      </p:grpSpPr>
+      <p:sp>
+        <p:nvSpPr>
+          <p:cNvPr id="4" name="Rectangle 3"/>
+          <p:cNvSpPr/>
+          <p:nvPr/>
+        </p:nvSpPr>
+        <p:spPr>
+          <a:xfrm>
+            <a:off x="457198" y="135923"/>
+            <a:ext cx="3101547" cy="1615023"/>
+          </a:xfrm>
+          <a:prstGeom prst="rect">
+            <a:avLst/>
+          </a:prstGeom>
+          <a:noFill/>
+          <a:ln>
+            <a:noFill/>
+          </a:ln>
+        </p:spPr>
+        <p:style>
+          <a:lnRef idx="2">
+            <a:schemeClr val="accent1">
+              <a:shade val="50000"/>
+            </a:schemeClr>
+          </a:lnRef>
+          <a:fillRef idx="1">
+            <a:schemeClr val="accent1"/>
+          </a:fillRef>
+          <a:effectRef idx="0">
+            <a:schemeClr val="accent1"/>
+          </a:effectRef>
+          <a:fontRef idx="minor">
+            <a:schemeClr val="lt1"/>
+          </a:fontRef>
+        </p:style>
+        <p:txBody>
+          <a:bodyPr rtlCol="0" anchor="ctr"/>
+          <a:lstStyle/>
+          <a:p>
+            <a:pPr algn="ctr"/>
+            <a:endParaRPr lang="en-US" sz="4400" dirty="0">
+              <a:solidFill>
+                <a:srgbClr val="8FAADC"/>
+              </a:solidFill>
+              <a:latin typeface="Raleway Black" panose="020B0604020202020204" charset="0"/>
+            </a:endParaRPr>
+          </a:p>
+        </p:txBody>
+      </p:sp>
+      <p:sp>
+        <p:nvSpPr>
+          <p:cNvPr id="16" name="Rectangle 15"/>
+          <p:cNvSpPr/>
+          <p:nvPr/>
+        </p:nvSpPr>
+        <p:spPr>
+          <a:xfrm>
+            <a:off x="11335904" y="6265251"/>
+            <a:ext cx="320922" cy="369332"/>
+          </a:xfrm>
+          <a:prstGeom prst="rect">
+            <a:avLst/>
+          </a:prstGeom>
+        </p:spPr>
+        <p:txBody>
+          <a:bodyPr wrap="none">
+            <a:spAutoFit/>
+          </a:bodyPr>
+          <a:lstStyle/>
+          <a:p>
+            <a:r>
+              <a:rPr lang="en-US" dirty="0">
+                <a:latin typeface=".VnArabia" panose="020B7200000000000000" pitchFamily="34" charset="0"/>
+              </a:rPr>
+              <a:t>6</a:t>
+            </a:r>
+          </a:p>
+        </p:txBody>
+      </p:sp>
+      <p:pic>
+        <p:nvPicPr>
+          <p:cNvPr id="3" name="Picture 2"/>
+          <p:cNvPicPr>
+            <a:picLocks noChangeAspect="1"/>
+          </p:cNvPicPr>
+          <p:nvPr/>
+        </p:nvPicPr>
+        <p:blipFill>
+          <a:blip r:embed="rId3">
+            <a:extLst>
+              <a:ext uri="{28A0092B-C50C-407E-A947-70E740481C1C}">
+                <a14:useLocalDpi xmlns:a14="http://schemas.microsoft.com/office/drawing/2010/main" val="0"/>
+              </a:ext>
+            </a:extLst>
+          </a:blip>
+          <a:stretch>
+            <a:fillRect/>
+          </a:stretch>
+        </p:blipFill>
+        <p:spPr>
+          <a:xfrm>
+            <a:off x="0" y="0"/>
+            <a:ext cx="4228571" cy="1561905"/>
+          </a:xfrm>
+          <a:prstGeom prst="rect">
+            <a:avLst/>
+          </a:prstGeom>
+        </p:spPr>
+      </p:pic>
+      <p:sp>
+        <p:nvSpPr>
+          <p:cNvPr id="18" name="TextBox 17"/>
+          <p:cNvSpPr txBox="1"/>
+          <p:nvPr/>
+        </p:nvSpPr>
+        <p:spPr>
+          <a:xfrm>
+            <a:off x="1718841" y="780952"/>
+            <a:ext cx="2664634" cy="646331"/>
+          </a:xfrm>
+          <a:prstGeom prst="rect">
+            <a:avLst/>
+          </a:prstGeom>
+          <a:noFill/>
+        </p:spPr>
+        <p:txBody>
+          <a:bodyPr wrap="square" rtlCol="0">
+            <a:spAutoFit/>
+          </a:bodyPr>
+          <a:lstStyle/>
+          <a:p>
+            <a:r>
+              <a:rPr lang="en-US" sz="3600" dirty="0" err="1">
+                <a:solidFill>
+                  <a:srgbClr val="FFFAFF"/>
+                </a:solidFill>
+                <a:latin typeface="VNI-Duff" pitchFamily="2" charset="0"/>
+              </a:rPr>
+              <a:t>Quaù</a:t>
+            </a:r>
+            <a:r>
+              <a:rPr lang="en-US" sz="3600" dirty="0">
+                <a:solidFill>
+                  <a:srgbClr val="FFFAFF"/>
+                </a:solidFill>
+                <a:latin typeface="VNI-Duff" pitchFamily="2" charset="0"/>
+              </a:rPr>
+              <a:t> </a:t>
+            </a:r>
+            <a:r>
+              <a:rPr lang="en-US" sz="3600" dirty="0" err="1">
+                <a:solidFill>
+                  <a:srgbClr val="FFFAFF"/>
+                </a:solidFill>
+                <a:latin typeface="VNI-Duff" pitchFamily="2" charset="0"/>
+              </a:rPr>
+              <a:t>trình</a:t>
+            </a:r>
+            <a:endParaRPr lang="en-US" sz="3600" dirty="0">
+              <a:solidFill>
+                <a:srgbClr val="FFFAFF"/>
+              </a:solidFill>
+              <a:latin typeface="VNI-Duff" pitchFamily="2" charset="0"/>
+            </a:endParaRPr>
+          </a:p>
+        </p:txBody>
+      </p:sp>
+      <p:pic>
+        <p:nvPicPr>
+          <p:cNvPr id="23" name="Picture 22"/>
+          <p:cNvPicPr>
+            <a:picLocks noChangeAspect="1"/>
+          </p:cNvPicPr>
+          <p:nvPr/>
+        </p:nvPicPr>
+        <p:blipFill>
+          <a:blip r:embed="rId4">
+            <a:extLst>
+              <a:ext uri="{28A0092B-C50C-407E-A947-70E740481C1C}">
+                <a14:useLocalDpi xmlns:a14="http://schemas.microsoft.com/office/drawing/2010/main" val="0"/>
+              </a:ext>
+            </a:extLst>
+          </a:blip>
+          <a:stretch>
+            <a:fillRect/>
+          </a:stretch>
+        </p:blipFill>
+        <p:spPr>
+          <a:xfrm>
+            <a:off x="2821480" y="2627281"/>
+            <a:ext cx="1139511" cy="1139511"/>
+          </a:xfrm>
+          <a:prstGeom prst="rect">
+            <a:avLst/>
+          </a:prstGeom>
+        </p:spPr>
+      </p:pic>
+      <p:sp>
+        <p:nvSpPr>
+          <p:cNvPr id="29" name="Rectangle 28"/>
+          <p:cNvSpPr/>
+          <p:nvPr/>
+        </p:nvSpPr>
+        <p:spPr>
+          <a:xfrm>
+            <a:off x="2684320" y="2760783"/>
+            <a:ext cx="137160" cy="872509"/>
+          </a:xfrm>
+          <a:prstGeom prst="rect">
+            <a:avLst/>
+          </a:prstGeom>
+          <a:solidFill>
+            <a:srgbClr val="92D050"/>
+          </a:solidFill>
+          <a:ln>
+            <a:solidFill>
+              <a:srgbClr val="92D050"/>
+            </a:solidFill>
+          </a:ln>
+        </p:spPr>
+        <p:style>
+          <a:lnRef idx="2">
+            <a:schemeClr val="accent1">
+              <a:shade val="50000"/>
+            </a:schemeClr>
+          </a:lnRef>
+          <a:fillRef idx="1">
+            <a:schemeClr val="accent1"/>
+          </a:fillRef>
+          <a:effectRef idx="0">
+            <a:schemeClr val="accent1"/>
+          </a:effectRef>
+          <a:fontRef idx="minor">
+            <a:schemeClr val="lt1"/>
+          </a:fontRef>
+        </p:style>
+        <p:txBody>
+          <a:bodyPr rtlCol="0" anchor="ctr"/>
+          <a:lstStyle/>
+          <a:p>
+            <a:pPr algn="ctr"/>
+            <a:endParaRPr lang="en-US"/>
+          </a:p>
+        </p:txBody>
+      </p:sp>
+      <p:pic>
+        <p:nvPicPr>
+          <p:cNvPr id="2" name="Picture 1"/>
+          <p:cNvPicPr>
+            <a:picLocks noChangeAspect="1"/>
+          </p:cNvPicPr>
+          <p:nvPr/>
+        </p:nvPicPr>
+        <p:blipFill>
+          <a:blip r:embed="rId5"/>
+          <a:stretch>
+            <a:fillRect/>
+          </a:stretch>
+        </p:blipFill>
+        <p:spPr>
+          <a:xfrm>
+            <a:off x="5253038" y="451931"/>
+            <a:ext cx="6608880" cy="5490210"/>
+          </a:xfrm>
+          <a:prstGeom prst="rect">
+            <a:avLst/>
+          </a:prstGeom>
+        </p:spPr>
+      </p:pic>
+    </p:spTree>
+    <p:extLst>
+      <p:ext uri="{BB962C8B-B14F-4D97-AF65-F5344CB8AC3E}">
+        <p14:creationId xmlns:p14="http://schemas.microsoft.com/office/powerpoint/2010/main" val="117368839"/>
+      </p:ext>
+    </p:extLst>
+  </p:cSld>
+  <p:clrMapOvr>
+    <a:masterClrMapping/>
+  </p:clrMapOvr>
+  <mc:AlternateContent xmlns:mc="http://schemas.openxmlformats.org/markup-compatibility/2006">
+    <mc:Choice xmlns:p14="http://schemas.microsoft.com/office/powerpoint/2010/main" Requires="p14">
+      <p:transition spd="slow" p14:dur="1500">
+        <p:split orient="vert"/>
+      </p:transition>
+    </mc:Choice>
+    <mc:Fallback>
+      <p:transition spd="slow">
+        <p:split orient="vert"/>
+      </p:transition>
+    </mc:Fallback>
+  </mc:AlternateContent>
+</p:sld>
+</file>
+
+<file path=ppt/slides/slide13.xml><?xml version="1.0" encoding="utf-8"?>
 <p:sld xmlns:a="http://schemas.openxmlformats.org/drawingml/2006/main" xmlns:r="http://schemas.openxmlformats.org/officeDocument/2006/relationships" xmlns:p="http://schemas.openxmlformats.org/presentationml/2006/main">
   <p:cSld>
     <p:bg>
@@ -6699,7 +8922,7 @@
 </p:sld>
 </file>
 
-<file path=ppt/slides/slide11.xml><?xml version="1.0" encoding="utf-8"?>
+<file path=ppt/slides/slide14.xml><?xml version="1.0" encoding="utf-8"?>
 <p:sld xmlns:a="http://schemas.openxmlformats.org/drawingml/2006/main" xmlns:r="http://schemas.openxmlformats.org/officeDocument/2006/relationships" xmlns:p="http://schemas.openxmlformats.org/presentationml/2006/main">
   <p:cSld>
     <p:spTree>
@@ -7355,7 +9578,7 @@
 </p:sld>
 </file>
 
-<file path=ppt/slides/slide12.xml><?xml version="1.0" encoding="utf-8"?>
+<file path=ppt/slides/slide15.xml><?xml version="1.0" encoding="utf-8"?>
 <p:sld xmlns:a="http://schemas.openxmlformats.org/drawingml/2006/main" xmlns:r="http://schemas.openxmlformats.org/officeDocument/2006/relationships" xmlns:p="http://schemas.openxmlformats.org/presentationml/2006/main">
   <p:cSld>
     <p:bg>
@@ -7587,7 +9810,7 @@
 </p:sld>
 </file>
 
-<file path=ppt/slides/slide13.xml><?xml version="1.0" encoding="utf-8"?>
+<file path=ppt/slides/slide16.xml><?xml version="1.0" encoding="utf-8"?>
 <p:sld xmlns:a="http://schemas.openxmlformats.org/drawingml/2006/main" xmlns:r="http://schemas.openxmlformats.org/officeDocument/2006/relationships" xmlns:p="http://schemas.openxmlformats.org/presentationml/2006/main">
   <p:cSld>
     <p:spTree>
@@ -8243,7 +10466,7 @@
 </p:sld>
 </file>
 
-<file path=ppt/slides/slide14.xml><?xml version="1.0" encoding="utf-8"?>
+<file path=ppt/slides/slide17.xml><?xml version="1.0" encoding="utf-8"?>
 <p:sld xmlns:a="http://schemas.openxmlformats.org/drawingml/2006/main" xmlns:r="http://schemas.openxmlformats.org/officeDocument/2006/relationships" xmlns:p="http://schemas.openxmlformats.org/presentationml/2006/main">
   <p:cSld>
     <p:bg>
@@ -8457,7 +10680,7 @@
 </p:sld>
 </file>
 
-<file path=ppt/slides/slide15.xml><?xml version="1.0" encoding="utf-8"?>
+<file path=ppt/slides/slide18.xml><?xml version="1.0" encoding="utf-8"?>
 <p:sld xmlns:a="http://schemas.openxmlformats.org/drawingml/2006/main" xmlns:r="http://schemas.openxmlformats.org/officeDocument/2006/relationships" xmlns:p="http://schemas.openxmlformats.org/presentationml/2006/main">
   <p:cSld>
     <p:spTree>
@@ -17779,96 +20002,6 @@
           </a:p>
         </p:txBody>
       </p:sp>
-      <p:pic>
-        <p:nvPicPr>
-          <p:cNvPr id="5" name="Picture 4"/>
-          <p:cNvPicPr>
-            <a:picLocks noChangeAspect="1"/>
-          </p:cNvPicPr>
-          <p:nvPr/>
-        </p:nvPicPr>
-        <p:blipFill>
-          <a:blip r:embed="rId8">
-            <a:extLst>
-              <a:ext uri="{28A0092B-C50C-407E-A947-70E740481C1C}">
-                <a14:useLocalDpi xmlns:a14="http://schemas.microsoft.com/office/drawing/2010/main" val="0"/>
-              </a:ext>
-            </a:extLst>
-          </a:blip>
-          <a:stretch>
-            <a:fillRect/>
-          </a:stretch>
-        </p:blipFill>
-        <p:spPr>
-          <a:xfrm>
-            <a:off x="198118" y="3197038"/>
-            <a:ext cx="2204909" cy="3085147"/>
-          </a:xfrm>
-          <a:prstGeom prst="rect">
-            <a:avLst/>
-          </a:prstGeom>
-        </p:spPr>
-      </p:pic>
-      <p:pic>
-        <p:nvPicPr>
-          <p:cNvPr id="7" name="Picture 6"/>
-          <p:cNvPicPr>
-            <a:picLocks noChangeAspect="1"/>
-          </p:cNvPicPr>
-          <p:nvPr/>
-        </p:nvPicPr>
-        <p:blipFill>
-          <a:blip r:embed="rId9">
-            <a:extLst>
-              <a:ext uri="{28A0092B-C50C-407E-A947-70E740481C1C}">
-                <a14:useLocalDpi xmlns:a14="http://schemas.microsoft.com/office/drawing/2010/main" val="0"/>
-              </a:ext>
-            </a:extLst>
-          </a:blip>
-          <a:stretch>
-            <a:fillRect/>
-          </a:stretch>
-        </p:blipFill>
-        <p:spPr>
-          <a:xfrm>
-            <a:off x="5251148" y="3264533"/>
-            <a:ext cx="2204909" cy="3082780"/>
-          </a:xfrm>
-          <a:prstGeom prst="rect">
-            <a:avLst/>
-          </a:prstGeom>
-        </p:spPr>
-      </p:pic>
-      <p:pic>
-        <p:nvPicPr>
-          <p:cNvPr id="9" name="Picture 8"/>
-          <p:cNvPicPr>
-            <a:picLocks noChangeAspect="1"/>
-          </p:cNvPicPr>
-          <p:nvPr/>
-        </p:nvPicPr>
-        <p:blipFill>
-          <a:blip r:embed="rId10">
-            <a:extLst>
-              <a:ext uri="{28A0092B-C50C-407E-A947-70E740481C1C}">
-                <a14:useLocalDpi xmlns:a14="http://schemas.microsoft.com/office/drawing/2010/main" val="0"/>
-              </a:ext>
-            </a:extLst>
-          </a:blip>
-          <a:stretch>
-            <a:fillRect/>
-          </a:stretch>
-        </p:blipFill>
-        <p:spPr>
-          <a:xfrm>
-            <a:off x="9450602" y="3182471"/>
-            <a:ext cx="2206224" cy="3130126"/>
-          </a:xfrm>
-          <a:prstGeom prst="rect">
-            <a:avLst/>
-          </a:prstGeom>
-        </p:spPr>
-      </p:pic>
     </p:spTree>
     <p:extLst>
       <p:ext uri="{BB962C8B-B14F-4D97-AF65-F5344CB8AC3E}">
@@ -17988,7 +20121,7 @@
                             </p:stCondLst>
                             <p:childTnLst>
                               <p:par>
-                                <p:cTn id="13" presetID="2" presetClass="entr" presetSubtype="4" fill="hold" nodeType="clickEffect">
+                                <p:cTn id="13" presetID="22" presetClass="entr" presetSubtype="4" fill="hold" grpId="0" nodeType="clickEffect">
                                   <p:stCondLst>
                                     <p:cond delay="0"/>
                                   </p:stCondLst>
@@ -17996,97 +20129,6 @@
                                     <p:set>
                                       <p:cBhvr>
                                         <p:cTn id="14" dur="1" fill="hold">
-                                          <p:stCondLst>
-                                            <p:cond delay="0"/>
-                                          </p:stCondLst>
-                                        </p:cTn>
-                                        <p:tgtEl>
-                                          <p:spTgt spid="5"/>
-                                        </p:tgtEl>
-                                        <p:attrNameLst>
-                                          <p:attrName>style.visibility</p:attrName>
-                                        </p:attrNameLst>
-                                      </p:cBhvr>
-                                      <p:to>
-                                        <p:strVal val="visible"/>
-                                      </p:to>
-                                    </p:set>
-                                    <p:anim calcmode="lin" valueType="num">
-                                      <p:cBhvr additive="base">
-                                        <p:cTn id="15" dur="500" fill="hold"/>
-                                        <p:tgtEl>
-                                          <p:spTgt spid="5"/>
-                                        </p:tgtEl>
-                                        <p:attrNameLst>
-                                          <p:attrName>ppt_x</p:attrName>
-                                        </p:attrNameLst>
-                                      </p:cBhvr>
-                                      <p:tavLst>
-                                        <p:tav tm="0">
-                                          <p:val>
-                                            <p:strVal val="#ppt_x"/>
-                                          </p:val>
-                                        </p:tav>
-                                        <p:tav tm="100000">
-                                          <p:val>
-                                            <p:strVal val="#ppt_x"/>
-                                          </p:val>
-                                        </p:tav>
-                                      </p:tavLst>
-                                    </p:anim>
-                                    <p:anim calcmode="lin" valueType="num">
-                                      <p:cBhvr additive="base">
-                                        <p:cTn id="16" dur="500" fill="hold"/>
-                                        <p:tgtEl>
-                                          <p:spTgt spid="5"/>
-                                        </p:tgtEl>
-                                        <p:attrNameLst>
-                                          <p:attrName>ppt_y</p:attrName>
-                                        </p:attrNameLst>
-                                      </p:cBhvr>
-                                      <p:tavLst>
-                                        <p:tav tm="0">
-                                          <p:val>
-                                            <p:strVal val="1+#ppt_h/2"/>
-                                          </p:val>
-                                        </p:tav>
-                                        <p:tav tm="100000">
-                                          <p:val>
-                                            <p:strVal val="#ppt_y"/>
-                                          </p:val>
-                                        </p:tav>
-                                      </p:tavLst>
-                                    </p:anim>
-                                  </p:childTnLst>
-                                </p:cTn>
-                              </p:par>
-                            </p:childTnLst>
-                          </p:cTn>
-                        </p:par>
-                      </p:childTnLst>
-                    </p:cTn>
-                  </p:par>
-                  <p:par>
-                    <p:cTn id="17" fill="hold">
-                      <p:stCondLst>
-                        <p:cond delay="indefinite"/>
-                      </p:stCondLst>
-                      <p:childTnLst>
-                        <p:par>
-                          <p:cTn id="18" fill="hold">
-                            <p:stCondLst>
-                              <p:cond delay="0"/>
-                            </p:stCondLst>
-                            <p:childTnLst>
-                              <p:par>
-                                <p:cTn id="19" presetID="22" presetClass="entr" presetSubtype="4" fill="hold" grpId="0" nodeType="clickEffect">
-                                  <p:stCondLst>
-                                    <p:cond delay="0"/>
-                                  </p:stCondLst>
-                                  <p:childTnLst>
-                                    <p:set>
-                                      <p:cBhvr>
-                                        <p:cTn id="20" dur="1" fill="hold">
                                           <p:stCondLst>
                                             <p:cond delay="0"/>
                                           </p:stCondLst>
@@ -18104,7 +20146,7 @@
                                     </p:set>
                                     <p:animEffect transition="in" filter="wipe(down)">
                                       <p:cBhvr>
-                                        <p:cTn id="21" dur="500"/>
+                                        <p:cTn id="15" dur="500"/>
                                         <p:tgtEl>
                                           <p:spTgt spid="30"/>
                                         </p:tgtEl>
@@ -18114,14 +20156,14 @@
                                 </p:cTn>
                               </p:par>
                               <p:par>
-                                <p:cTn id="22" presetID="22" presetClass="entr" presetSubtype="4" fill="hold" nodeType="withEffect">
+                                <p:cTn id="16" presetID="22" presetClass="entr" presetSubtype="4" fill="hold" nodeType="withEffect">
                                   <p:stCondLst>
                                     <p:cond delay="0"/>
                                   </p:stCondLst>
                                   <p:childTnLst>
                                     <p:set>
                                       <p:cBhvr>
-                                        <p:cTn id="23" dur="1" fill="hold">
+                                        <p:cTn id="17" dur="1" fill="hold">
                                           <p:stCondLst>
                                             <p:cond delay="0"/>
                                           </p:stCondLst>
@@ -18139,7 +20181,7 @@
                                     </p:set>
                                     <p:animEffect transition="in" filter="wipe(down)">
                                       <p:cBhvr>
-                                        <p:cTn id="24" dur="500"/>
+                                        <p:cTn id="18" dur="500"/>
                                         <p:tgtEl>
                                           <p:spTgt spid="22"/>
                                         </p:tgtEl>
@@ -18149,14 +20191,14 @@
                                 </p:cTn>
                               </p:par>
                               <p:par>
-                                <p:cTn id="25" presetID="22" presetClass="entr" presetSubtype="4" fill="hold" nodeType="withEffect">
+                                <p:cTn id="19" presetID="22" presetClass="entr" presetSubtype="4" fill="hold" nodeType="withEffect">
                                   <p:stCondLst>
                                     <p:cond delay="0"/>
                                   </p:stCondLst>
                                   <p:childTnLst>
                                     <p:set>
                                       <p:cBhvr>
-                                        <p:cTn id="26" dur="1" fill="hold">
+                                        <p:cTn id="20" dur="1" fill="hold">
                                           <p:stCondLst>
                                             <p:cond delay="0"/>
                                           </p:stCondLst>
@@ -18174,7 +20216,7 @@
                                     </p:set>
                                     <p:animEffect transition="in" filter="wipe(down)">
                                       <p:cBhvr>
-                                        <p:cTn id="27" dur="500"/>
+                                        <p:cTn id="21" dur="500"/>
                                         <p:tgtEl>
                                           <p:spTgt spid="26"/>
                                         </p:tgtEl>
@@ -18190,117 +20232,26 @@
                     </p:cTn>
                   </p:par>
                   <p:par>
-                    <p:cTn id="28" fill="hold">
+                    <p:cTn id="22" fill="hold">
                       <p:stCondLst>
                         <p:cond delay="indefinite"/>
                       </p:stCondLst>
                       <p:childTnLst>
                         <p:par>
-                          <p:cTn id="29" fill="hold">
+                          <p:cTn id="23" fill="hold">
                             <p:stCondLst>
                               <p:cond delay="0"/>
                             </p:stCondLst>
                             <p:childTnLst>
                               <p:par>
-                                <p:cTn id="30" presetID="2" presetClass="entr" presetSubtype="4" fill="hold" nodeType="clickEffect">
+                                <p:cTn id="24" presetID="6" presetClass="entr" presetSubtype="16" fill="hold" grpId="0" nodeType="clickEffect">
                                   <p:stCondLst>
                                     <p:cond delay="0"/>
                                   </p:stCondLst>
                                   <p:childTnLst>
                                     <p:set>
                                       <p:cBhvr>
-                                        <p:cTn id="31" dur="1" fill="hold">
-                                          <p:stCondLst>
-                                            <p:cond delay="0"/>
-                                          </p:stCondLst>
-                                        </p:cTn>
-                                        <p:tgtEl>
-                                          <p:spTgt spid="7"/>
-                                        </p:tgtEl>
-                                        <p:attrNameLst>
-                                          <p:attrName>style.visibility</p:attrName>
-                                        </p:attrNameLst>
-                                      </p:cBhvr>
-                                      <p:to>
-                                        <p:strVal val="visible"/>
-                                      </p:to>
-                                    </p:set>
-                                    <p:anim calcmode="lin" valueType="num">
-                                      <p:cBhvr additive="base">
-                                        <p:cTn id="32" dur="500" fill="hold"/>
-                                        <p:tgtEl>
-                                          <p:spTgt spid="7"/>
-                                        </p:tgtEl>
-                                        <p:attrNameLst>
-                                          <p:attrName>ppt_x</p:attrName>
-                                        </p:attrNameLst>
-                                      </p:cBhvr>
-                                      <p:tavLst>
-                                        <p:tav tm="0">
-                                          <p:val>
-                                            <p:strVal val="#ppt_x"/>
-                                          </p:val>
-                                        </p:tav>
-                                        <p:tav tm="100000">
-                                          <p:val>
-                                            <p:strVal val="#ppt_x"/>
-                                          </p:val>
-                                        </p:tav>
-                                      </p:tavLst>
-                                    </p:anim>
-                                    <p:anim calcmode="lin" valueType="num">
-                                      <p:cBhvr additive="base">
-                                        <p:cTn id="33" dur="500" fill="hold"/>
-                                        <p:tgtEl>
-                                          <p:spTgt spid="7"/>
-                                        </p:tgtEl>
-                                        <p:attrNameLst>
-                                          <p:attrName>ppt_y</p:attrName>
-                                        </p:attrNameLst>
-                                      </p:cBhvr>
-                                      <p:tavLst>
-                                        <p:tav tm="0">
-                                          <p:val>
-                                            <p:strVal val="1+#ppt_h/2"/>
-                                          </p:val>
-                                        </p:tav>
-                                        <p:tav tm="100000">
-                                          <p:val>
-                                            <p:strVal val="#ppt_y"/>
-                                          </p:val>
-                                        </p:tav>
-                                      </p:tavLst>
-                                    </p:anim>
-                                  </p:childTnLst>
-                                </p:cTn>
-                              </p:par>
-                            </p:childTnLst>
-                          </p:cTn>
-                        </p:par>
-                      </p:childTnLst>
-                    </p:cTn>
-                  </p:par>
-                  <p:par>
-                    <p:cTn id="34" fill="hold">
-                      <p:stCondLst>
-                        <p:cond delay="indefinite"/>
-                      </p:stCondLst>
-                      <p:childTnLst>
-                        <p:par>
-                          <p:cTn id="35" fill="hold">
-                            <p:stCondLst>
-                              <p:cond delay="0"/>
-                            </p:stCondLst>
-                            <p:childTnLst>
-                              <p:par>
-                                <p:cTn id="36" presetID="6" presetClass="entr" presetSubtype="16" fill="hold" grpId="0" nodeType="clickEffect">
-                                  <p:stCondLst>
-                                    <p:cond delay="0"/>
-                                  </p:stCondLst>
-                                  <p:childTnLst>
-                                    <p:set>
-                                      <p:cBhvr>
-                                        <p:cTn id="37" dur="1" fill="hold">
+                                        <p:cTn id="25" dur="1" fill="hold">
                                           <p:stCondLst>
                                             <p:cond delay="0"/>
                                           </p:stCondLst>
@@ -18318,7 +20269,7 @@
                                     </p:set>
                                     <p:animEffect transition="in" filter="circle(in)">
                                       <p:cBhvr>
-                                        <p:cTn id="38" dur="2000"/>
+                                        <p:cTn id="26" dur="2000"/>
                                         <p:tgtEl>
                                           <p:spTgt spid="29"/>
                                         </p:tgtEl>
@@ -18328,14 +20279,14 @@
                                 </p:cTn>
                               </p:par>
                               <p:par>
-                                <p:cTn id="39" presetID="6" presetClass="entr" presetSubtype="16" fill="hold" nodeType="withEffect">
+                                <p:cTn id="27" presetID="6" presetClass="entr" presetSubtype="16" fill="hold" nodeType="withEffect">
                                   <p:stCondLst>
                                     <p:cond delay="0"/>
                                   </p:stCondLst>
                                   <p:childTnLst>
                                     <p:set>
                                       <p:cBhvr>
-                                        <p:cTn id="40" dur="1" fill="hold">
+                                        <p:cTn id="28" dur="1" fill="hold">
                                           <p:stCondLst>
                                             <p:cond delay="0"/>
                                           </p:stCondLst>
@@ -18353,103 +20304,12 @@
                                     </p:set>
                                     <p:animEffect transition="in" filter="circle(in)">
                                       <p:cBhvr>
-                                        <p:cTn id="41" dur="2000"/>
+                                        <p:cTn id="29" dur="2000"/>
                                         <p:tgtEl>
                                           <p:spTgt spid="23"/>
                                         </p:tgtEl>
                                       </p:cBhvr>
                                     </p:animEffect>
-                                  </p:childTnLst>
-                                </p:cTn>
-                              </p:par>
-                            </p:childTnLst>
-                          </p:cTn>
-                        </p:par>
-                      </p:childTnLst>
-                    </p:cTn>
-                  </p:par>
-                  <p:par>
-                    <p:cTn id="42" fill="hold">
-                      <p:stCondLst>
-                        <p:cond delay="indefinite"/>
-                      </p:stCondLst>
-                      <p:childTnLst>
-                        <p:par>
-                          <p:cTn id="43" fill="hold">
-                            <p:stCondLst>
-                              <p:cond delay="0"/>
-                            </p:stCondLst>
-                            <p:childTnLst>
-                              <p:par>
-                                <p:cTn id="44" presetID="2" presetClass="entr" presetSubtype="4" fill="hold" nodeType="clickEffect">
-                                  <p:stCondLst>
-                                    <p:cond delay="0"/>
-                                  </p:stCondLst>
-                                  <p:childTnLst>
-                                    <p:set>
-                                      <p:cBhvr>
-                                        <p:cTn id="45" dur="1" fill="hold">
-                                          <p:stCondLst>
-                                            <p:cond delay="0"/>
-                                          </p:stCondLst>
-                                        </p:cTn>
-                                        <p:tgtEl>
-                                          <p:spTgt spid="9"/>
-                                        </p:tgtEl>
-                                        <p:attrNameLst>
-                                          <p:attrName>style.visibility</p:attrName>
-                                        </p:attrNameLst>
-                                      </p:cBhvr>
-                                      <p:to>
-                                        <p:strVal val="visible"/>
-                                      </p:to>
-                                    </p:set>
-                                    <p:anim calcmode="lin" valueType="num">
-                                      <p:cBhvr additive="base">
-                                        <p:cTn id="46" dur="500" fill="hold"/>
-                                        <p:tgtEl>
-                                          <p:spTgt spid="9"/>
-                                        </p:tgtEl>
-                                        <p:attrNameLst>
-                                          <p:attrName>ppt_x</p:attrName>
-                                        </p:attrNameLst>
-                                      </p:cBhvr>
-                                      <p:tavLst>
-                                        <p:tav tm="0">
-                                          <p:val>
-                                            <p:strVal val="#ppt_x"/>
-                                          </p:val>
-                                        </p:tav>
-                                        <p:tav tm="100000">
-                                          <p:val>
-                                            <p:strVal val="#ppt_x"/>
-                                          </p:val>
-                                        </p:tav>
-                                      </p:tavLst>
-                                    </p:anim>
-                                    <p:anim calcmode="lin" valueType="num">
-                                      <p:cBhvr additive="base">
-                                        <p:cTn id="47" dur="500" fill="hold"/>
-                                        <p:tgtEl>
-                                          <p:spTgt spid="9"/>
-                                        </p:tgtEl>
-                                        <p:attrNameLst>
-                                          <p:attrName>ppt_y</p:attrName>
-                                        </p:attrNameLst>
-                                      </p:cBhvr>
-                                      <p:tavLst>
-                                        <p:tav tm="0">
-                                          <p:val>
-                                            <p:strVal val="1+#ppt_h/2"/>
-                                          </p:val>
-                                        </p:tav>
-                                        <p:tav tm="100000">
-                                          <p:val>
-                                            <p:strVal val="#ppt_y"/>
-                                          </p:val>
-                                        </p:tav>
-                                      </p:tavLst>
-                                    </p:anim>
                                   </p:childTnLst>
                                 </p:cTn>
                               </p:par>

--- a/Slide/Presentation_final.pptx
+++ b/Slide/Presentation_final.pptx
@@ -5,7 +5,7 @@
     <p:sldMasterId id="2147483648" r:id="rId1"/>
   </p:sldMasterIdLst>
   <p:notesMasterIdLst>
-    <p:notesMasterId r:id="rId20"/>
+    <p:notesMasterId r:id="rId21"/>
   </p:notesMasterIdLst>
   <p:sldIdLst>
     <p:sldId id="259" r:id="rId2"/>
@@ -21,11 +21,12 @@
     <p:sldId id="276" r:id="rId12"/>
     <p:sldId id="277" r:id="rId13"/>
     <p:sldId id="265" r:id="rId14"/>
-    <p:sldId id="271" r:id="rId15"/>
-    <p:sldId id="270" r:id="rId16"/>
-    <p:sldId id="272" r:id="rId17"/>
-    <p:sldId id="273" r:id="rId18"/>
-    <p:sldId id="274" r:id="rId19"/>
+    <p:sldId id="278" r:id="rId15"/>
+    <p:sldId id="271" r:id="rId16"/>
+    <p:sldId id="270" r:id="rId17"/>
+    <p:sldId id="272" r:id="rId18"/>
+    <p:sldId id="273" r:id="rId19"/>
+    <p:sldId id="274" r:id="rId20"/>
   </p:sldIdLst>
   <p:sldSz cx="12192000" cy="6858000"/>
   <p:notesSz cx="6858000" cy="9144000"/>
@@ -214,7 +215,7 @@
           <a:p>
             <a:fld id="{AB52EBAF-9F3E-4D8D-B1A9-BFA7E38357EC}" type="datetimeFigureOut">
               <a:rPr lang="en-US" smtClean="0"/>
-              <a:t>4/27/2017</a:t>
+              <a:t>4/28/2017</a:t>
             </a:fld>
             <a:endParaRPr lang="en-US"/>
           </a:p>
@@ -1814,7 +1815,7 @@
     </p:spTree>
     <p:extLst>
       <p:ext uri="{BB962C8B-B14F-4D97-AF65-F5344CB8AC3E}">
-        <p14:creationId xmlns:p14="http://schemas.microsoft.com/office/powerpoint/2010/main" val="2597249374"/>
+        <p14:creationId xmlns:p14="http://schemas.microsoft.com/office/powerpoint/2010/main" val="3827743362"/>
       </p:ext>
     </p:extLst>
   </p:cSld>
@@ -1898,7 +1899,7 @@
     </p:spTree>
     <p:extLst>
       <p:ext uri="{BB962C8B-B14F-4D97-AF65-F5344CB8AC3E}">
-        <p14:creationId xmlns:p14="http://schemas.microsoft.com/office/powerpoint/2010/main" val="2722232752"/>
+        <p14:creationId xmlns:p14="http://schemas.microsoft.com/office/powerpoint/2010/main" val="2597249374"/>
       </p:ext>
     </p:extLst>
   </p:cSld>
@@ -1982,7 +1983,7 @@
     </p:spTree>
     <p:extLst>
       <p:ext uri="{BB962C8B-B14F-4D97-AF65-F5344CB8AC3E}">
-        <p14:creationId xmlns:p14="http://schemas.microsoft.com/office/powerpoint/2010/main" val="1674145566"/>
+        <p14:creationId xmlns:p14="http://schemas.microsoft.com/office/powerpoint/2010/main" val="2722232752"/>
       </p:ext>
     </p:extLst>
   </p:cSld>
@@ -2036,10 +2037,6 @@
           <a:bodyPr/>
           <a:lstStyle/>
           <a:p>
-            <a:r>
-              <a:rPr lang="vi-VN" dirty="0"/>
-              <a:t>Mời thầy nhận xét và vấn đáp với các bạn.</a:t>
-            </a:r>
             <a:endParaRPr lang="en-US" dirty="0"/>
           </a:p>
         </p:txBody>
@@ -2062,6 +2059,94 @@
             <a:fld id="{5CFE8131-1A4A-408E-9028-BD879A72127D}" type="slidenum">
               <a:rPr lang="en-US" smtClean="0"/>
               <a:t>17</a:t>
+            </a:fld>
+            <a:endParaRPr lang="en-US"/>
+          </a:p>
+        </p:txBody>
+      </p:sp>
+    </p:spTree>
+    <p:extLst>
+      <p:ext uri="{BB962C8B-B14F-4D97-AF65-F5344CB8AC3E}">
+        <p14:creationId xmlns:p14="http://schemas.microsoft.com/office/powerpoint/2010/main" val="1674145566"/>
+      </p:ext>
+    </p:extLst>
+  </p:cSld>
+  <p:clrMapOvr>
+    <a:masterClrMapping/>
+  </p:clrMapOvr>
+</p:notes>
+</file>
+
+<file path=ppt/notesSlides/notesSlide17.xml><?xml version="1.0" encoding="utf-8"?>
+<p:notes xmlns:a="http://schemas.openxmlformats.org/drawingml/2006/main" xmlns:r="http://schemas.openxmlformats.org/officeDocument/2006/relationships" xmlns:p="http://schemas.openxmlformats.org/presentationml/2006/main">
+  <p:cSld>
+    <p:spTree>
+      <p:nvGrpSpPr>
+        <p:cNvPr id="1" name=""/>
+        <p:cNvGrpSpPr/>
+        <p:nvPr/>
+      </p:nvGrpSpPr>
+      <p:grpSpPr>
+        <a:xfrm>
+          <a:off x="0" y="0"/>
+          <a:ext cx="0" cy="0"/>
+          <a:chOff x="0" y="0"/>
+          <a:chExt cx="0" cy="0"/>
+        </a:xfrm>
+      </p:grpSpPr>
+      <p:sp>
+        <p:nvSpPr>
+          <p:cNvPr id="2" name="Slide Image Placeholder 1"/>
+          <p:cNvSpPr>
+            <a:spLocks noGrp="1" noRot="1" noChangeAspect="1"/>
+          </p:cNvSpPr>
+          <p:nvPr>
+            <p:ph type="sldImg"/>
+          </p:nvPr>
+        </p:nvSpPr>
+        <p:spPr/>
+      </p:sp>
+      <p:sp>
+        <p:nvSpPr>
+          <p:cNvPr id="3" name="Notes Placeholder 2"/>
+          <p:cNvSpPr>
+            <a:spLocks noGrp="1"/>
+          </p:cNvSpPr>
+          <p:nvPr>
+            <p:ph type="body" idx="1"/>
+          </p:nvPr>
+        </p:nvSpPr>
+        <p:spPr/>
+        <p:txBody>
+          <a:bodyPr/>
+          <a:lstStyle/>
+          <a:p>
+            <a:r>
+              <a:rPr lang="vi-VN" dirty="0"/>
+              <a:t>Mời thầy nhận xét và vấn đáp với các bạn.</a:t>
+            </a:r>
+            <a:endParaRPr lang="en-US" dirty="0"/>
+          </a:p>
+        </p:txBody>
+      </p:sp>
+      <p:sp>
+        <p:nvSpPr>
+          <p:cNvPr id="4" name="Slide Number Placeholder 3"/>
+          <p:cNvSpPr>
+            <a:spLocks noGrp="1"/>
+          </p:cNvSpPr>
+          <p:nvPr>
+            <p:ph type="sldNum" sz="quarter" idx="10"/>
+          </p:nvPr>
+        </p:nvSpPr>
+        <p:spPr/>
+        <p:txBody>
+          <a:bodyPr/>
+          <a:lstStyle/>
+          <a:p>
+            <a:fld id="{5CFE8131-1A4A-408E-9028-BD879A72127D}" type="slidenum">
+              <a:rPr lang="en-US" smtClean="0"/>
+              <a:t>18</a:t>
             </a:fld>
             <a:endParaRPr lang="en-US"/>
           </a:p>
@@ -3864,7 +3949,7 @@
           <a:p>
             <a:fld id="{7817B827-49C9-486B-B72A-BDA248A00130}" type="datetimeFigureOut">
               <a:rPr lang="en-US" smtClean="0"/>
-              <a:t>4/27/2017</a:t>
+              <a:t>4/28/2017</a:t>
             </a:fld>
             <a:endParaRPr lang="en-US"/>
           </a:p>
@@ -4032,7 +4117,7 @@
           <a:p>
             <a:fld id="{7817B827-49C9-486B-B72A-BDA248A00130}" type="datetimeFigureOut">
               <a:rPr lang="en-US" smtClean="0"/>
-              <a:t>4/27/2017</a:t>
+              <a:t>4/28/2017</a:t>
             </a:fld>
             <a:endParaRPr lang="en-US"/>
           </a:p>
@@ -4210,7 +4295,7 @@
           <a:p>
             <a:fld id="{7817B827-49C9-486B-B72A-BDA248A00130}" type="datetimeFigureOut">
               <a:rPr lang="en-US" smtClean="0"/>
-              <a:t>4/27/2017</a:t>
+              <a:t>4/28/2017</a:t>
             </a:fld>
             <a:endParaRPr lang="en-US"/>
           </a:p>
@@ -4378,7 +4463,7 @@
           <a:p>
             <a:fld id="{7817B827-49C9-486B-B72A-BDA248A00130}" type="datetimeFigureOut">
               <a:rPr lang="en-US" smtClean="0"/>
-              <a:t>4/27/2017</a:t>
+              <a:t>4/28/2017</a:t>
             </a:fld>
             <a:endParaRPr lang="en-US"/>
           </a:p>
@@ -4623,7 +4708,7 @@
           <a:p>
             <a:fld id="{7817B827-49C9-486B-B72A-BDA248A00130}" type="datetimeFigureOut">
               <a:rPr lang="en-US" smtClean="0"/>
-              <a:t>4/27/2017</a:t>
+              <a:t>4/28/2017</a:t>
             </a:fld>
             <a:endParaRPr lang="en-US"/>
           </a:p>
@@ -4852,7 +4937,7 @@
           <a:p>
             <a:fld id="{7817B827-49C9-486B-B72A-BDA248A00130}" type="datetimeFigureOut">
               <a:rPr lang="en-US" smtClean="0"/>
-              <a:t>4/27/2017</a:t>
+              <a:t>4/28/2017</a:t>
             </a:fld>
             <a:endParaRPr lang="en-US"/>
           </a:p>
@@ -5216,7 +5301,7 @@
           <a:p>
             <a:fld id="{7817B827-49C9-486B-B72A-BDA248A00130}" type="datetimeFigureOut">
               <a:rPr lang="en-US" smtClean="0"/>
-              <a:t>4/27/2017</a:t>
+              <a:t>4/28/2017</a:t>
             </a:fld>
             <a:endParaRPr lang="en-US"/>
           </a:p>
@@ -5333,7 +5418,7 @@
           <a:p>
             <a:fld id="{7817B827-49C9-486B-B72A-BDA248A00130}" type="datetimeFigureOut">
               <a:rPr lang="en-US" smtClean="0"/>
-              <a:t>4/27/2017</a:t>
+              <a:t>4/28/2017</a:t>
             </a:fld>
             <a:endParaRPr lang="en-US"/>
           </a:p>
@@ -5428,7 +5513,7 @@
           <a:p>
             <a:fld id="{7817B827-49C9-486B-B72A-BDA248A00130}" type="datetimeFigureOut">
               <a:rPr lang="en-US" smtClean="0"/>
-              <a:t>4/27/2017</a:t>
+              <a:t>4/28/2017</a:t>
             </a:fld>
             <a:endParaRPr lang="en-US"/>
           </a:p>
@@ -5703,7 +5788,7 @@
           <a:p>
             <a:fld id="{7817B827-49C9-486B-B72A-BDA248A00130}" type="datetimeFigureOut">
               <a:rPr lang="en-US" smtClean="0"/>
-              <a:t>4/27/2017</a:t>
+              <a:t>4/28/2017</a:t>
             </a:fld>
             <a:endParaRPr lang="en-US"/>
           </a:p>
@@ -5955,7 +6040,7 @@
           <a:p>
             <a:fld id="{7817B827-49C9-486B-B72A-BDA248A00130}" type="datetimeFigureOut">
               <a:rPr lang="en-US" smtClean="0"/>
-              <a:t>4/27/2017</a:t>
+              <a:t>4/28/2017</a:t>
             </a:fld>
             <a:endParaRPr lang="en-US"/>
           </a:p>
@@ -6166,7 +6251,7 @@
           <a:p>
             <a:fld id="{7817B827-49C9-486B-B72A-BDA248A00130}" type="datetimeFigureOut">
               <a:rPr lang="en-US" smtClean="0"/>
-              <a:t>4/27/2017</a:t>
+              <a:t>4/28/2017</a:t>
             </a:fld>
             <a:endParaRPr lang="en-US"/>
           </a:p>
@@ -6610,7 +6695,7 @@
         </p:nvSpPr>
         <p:spPr>
           <a:xfrm>
-            <a:off x="2213000" y="2636063"/>
+            <a:off x="2091080" y="2683804"/>
             <a:ext cx="7216726" cy="1200329"/>
           </a:xfrm>
           <a:prstGeom prst="rect">
@@ -6642,7 +6727,7 @@
                 </a:effectLst>
                 <a:latin typeface="Eras Bold ITC" panose="020B0907030504020204" pitchFamily="34" charset="0"/>
               </a:rPr>
-              <a:t>hecquyn</a:t>
+              <a:t> hercules</a:t>
             </a:r>
             <a:endParaRPr lang="en-US" sz="7200" i="1" spc="-300" dirty="0">
               <a:solidFill>
@@ -6963,6 +7048,9 @@
   <p:clrMapOvr>
     <a:masterClrMapping/>
   </p:clrMapOvr>
+  <p:transition spd="slow">
+    <p:randomBar dir="vert"/>
+  </p:transition>
   <p:timing>
     <p:tnLst>
       <p:par>
@@ -7405,6 +7493,104 @@
           </a:prstGeom>
         </p:spPr>
       </p:pic>
+      <p:sp>
+        <p:nvSpPr>
+          <p:cNvPr id="9" name="Rectangle 8"/>
+          <p:cNvSpPr/>
+          <p:nvPr/>
+        </p:nvSpPr>
+        <p:spPr>
+          <a:xfrm rot="5400000">
+            <a:off x="-2596683" y="3163669"/>
+            <a:ext cx="6096000" cy="1292662"/>
+          </a:xfrm>
+          <a:prstGeom prst="rect">
+            <a:avLst/>
+          </a:prstGeom>
+        </p:spPr>
+        <p:txBody>
+          <a:bodyPr>
+            <a:spAutoFit/>
+          </a:bodyPr>
+          <a:lstStyle/>
+          <a:p>
+            <a:pPr algn="r"/>
+            <a:r>
+              <a:rPr lang="vi-VN" sz="3200" spc="600" dirty="0">
+                <a:solidFill>
+                  <a:srgbClr val="8FAADC"/>
+                </a:solidFill>
+                <a:effectLst>
+                  <a:outerShdw blurRad="38100" dist="38100" dir="2700000" algn="tl">
+                    <a:srgbClr val="000000">
+                      <a:alpha val="43137"/>
+                    </a:srgbClr>
+                  </a:outerShdw>
+                </a:effectLst>
+                <a:latin typeface=".VnCooper" panose="020B7200000000000000" pitchFamily="34" charset="0"/>
+                <a:ea typeface="Raleway Black" charset="0"/>
+                <a:cs typeface="Raleway Black" charset="0"/>
+              </a:rPr>
+              <a:t>Java</a:t>
+            </a:r>
+            <a:endParaRPr lang="es-ES_tradnl" sz="3200" spc="600" dirty="0">
+              <a:solidFill>
+                <a:srgbClr val="8FAADC"/>
+              </a:solidFill>
+              <a:effectLst>
+                <a:outerShdw blurRad="38100" dist="38100" dir="2700000" algn="tl">
+                  <a:srgbClr val="000000">
+                    <a:alpha val="43137"/>
+                  </a:srgbClr>
+                </a:outerShdw>
+              </a:effectLst>
+              <a:latin typeface=".VnCooper" panose="020B7200000000000000" pitchFamily="34" charset="0"/>
+              <a:ea typeface="Raleway Black" charset="0"/>
+              <a:cs typeface="Raleway Black" charset="0"/>
+            </a:endParaRPr>
+          </a:p>
+          <a:p>
+            <a:pPr algn="r"/>
+            <a:r>
+              <a:rPr lang="vi-VN" sz="3200" dirty="0">
+                <a:solidFill>
+                  <a:schemeClr val="bg1">
+                    <a:lumMod val="50000"/>
+                  </a:schemeClr>
+                </a:solidFill>
+                <a:latin typeface=".VnCourier" panose="020B7200000000000000" pitchFamily="34" charset="0"/>
+              </a:rPr>
+              <a:t>Lap trinh he thong </a:t>
+            </a:r>
+            <a:endParaRPr lang="es-ES_tradnl" sz="3200" dirty="0">
+              <a:solidFill>
+                <a:schemeClr val="bg1">
+                  <a:lumMod val="50000"/>
+                </a:schemeClr>
+              </a:solidFill>
+              <a:latin typeface=".VnCourier" panose="020B7200000000000000" pitchFamily="34" charset="0"/>
+            </a:endParaRPr>
+          </a:p>
+          <a:p>
+            <a:pPr algn="r"/>
+            <a:endParaRPr lang="es-ES_tradnl" sz="1400" spc="600" dirty="0">
+              <a:solidFill>
+                <a:srgbClr val="8FAADC"/>
+              </a:solidFill>
+              <a:effectLst>
+                <a:outerShdw blurRad="38100" dist="38100" dir="2700000" algn="tl">
+                  <a:srgbClr val="000000">
+                    <a:alpha val="43137"/>
+                  </a:srgbClr>
+                </a:outerShdw>
+              </a:effectLst>
+              <a:latin typeface=".VnCooper" panose="020B7200000000000000" pitchFamily="34" charset="0"/>
+              <a:ea typeface="Raleway Black" charset="0"/>
+              <a:cs typeface="Raleway Black" charset="0"/>
+            </a:endParaRPr>
+          </a:p>
+        </p:txBody>
+      </p:sp>
     </p:spTree>
     <p:extLst>
       <p:ext uri="{BB962C8B-B14F-4D97-AF65-F5344CB8AC3E}">
@@ -7415,13 +7601,13 @@
   <p:clrMapOvr>
     <a:masterClrMapping/>
   </p:clrMapOvr>
-  <mc:AlternateContent xmlns:mc="http://schemas.openxmlformats.org/markup-compatibility/2006">
-    <mc:Choice xmlns:p14="http://schemas.microsoft.com/office/powerpoint/2010/main" Requires="p14">
+  <mc:AlternateContent xmlns:mc="http://schemas.openxmlformats.org/markup-compatibility/2006" xmlns:p14="http://schemas.microsoft.com/office/powerpoint/2010/main">
+    <mc:Choice Requires="p14">
       <p:transition spd="slow" p14:dur="800">
         <p:circle/>
       </p:transition>
     </mc:Choice>
-    <mc:Fallback>
+    <mc:Fallback xmlns="">
       <p:transition spd="slow">
         <p:circle/>
       </p:transition>
@@ -7778,6 +7964,104 @@
           </a:prstGeom>
         </p:spPr>
       </p:pic>
+      <p:sp>
+        <p:nvSpPr>
+          <p:cNvPr id="10" name="Rectangle 9"/>
+          <p:cNvSpPr/>
+          <p:nvPr/>
+        </p:nvSpPr>
+        <p:spPr>
+          <a:xfrm rot="5400000">
+            <a:off x="-2596683" y="3163669"/>
+            <a:ext cx="6096000" cy="1292662"/>
+          </a:xfrm>
+          <a:prstGeom prst="rect">
+            <a:avLst/>
+          </a:prstGeom>
+        </p:spPr>
+        <p:txBody>
+          <a:bodyPr>
+            <a:spAutoFit/>
+          </a:bodyPr>
+          <a:lstStyle/>
+          <a:p>
+            <a:pPr algn="r"/>
+            <a:r>
+              <a:rPr lang="vi-VN" sz="3200" spc="600" dirty="0">
+                <a:solidFill>
+                  <a:srgbClr val="8FAADC"/>
+                </a:solidFill>
+                <a:effectLst>
+                  <a:outerShdw blurRad="38100" dist="38100" dir="2700000" algn="tl">
+                    <a:srgbClr val="000000">
+                      <a:alpha val="43137"/>
+                    </a:srgbClr>
+                  </a:outerShdw>
+                </a:effectLst>
+                <a:latin typeface=".VnCooper" panose="020B7200000000000000" pitchFamily="34" charset="0"/>
+                <a:ea typeface="Raleway Black" charset="0"/>
+                <a:cs typeface="Raleway Black" charset="0"/>
+              </a:rPr>
+              <a:t>Java</a:t>
+            </a:r>
+            <a:endParaRPr lang="es-ES_tradnl" sz="3200" spc="600" dirty="0">
+              <a:solidFill>
+                <a:srgbClr val="8FAADC"/>
+              </a:solidFill>
+              <a:effectLst>
+                <a:outerShdw blurRad="38100" dist="38100" dir="2700000" algn="tl">
+                  <a:srgbClr val="000000">
+                    <a:alpha val="43137"/>
+                  </a:srgbClr>
+                </a:outerShdw>
+              </a:effectLst>
+              <a:latin typeface=".VnCooper" panose="020B7200000000000000" pitchFamily="34" charset="0"/>
+              <a:ea typeface="Raleway Black" charset="0"/>
+              <a:cs typeface="Raleway Black" charset="0"/>
+            </a:endParaRPr>
+          </a:p>
+          <a:p>
+            <a:pPr algn="r"/>
+            <a:r>
+              <a:rPr lang="vi-VN" sz="3200" dirty="0">
+                <a:solidFill>
+                  <a:schemeClr val="bg1">
+                    <a:lumMod val="50000"/>
+                  </a:schemeClr>
+                </a:solidFill>
+                <a:latin typeface=".VnCourier" panose="020B7200000000000000" pitchFamily="34" charset="0"/>
+              </a:rPr>
+              <a:t>Lap trinh he thong </a:t>
+            </a:r>
+            <a:endParaRPr lang="es-ES_tradnl" sz="3200" dirty="0">
+              <a:solidFill>
+                <a:schemeClr val="bg1">
+                  <a:lumMod val="50000"/>
+                </a:schemeClr>
+              </a:solidFill>
+              <a:latin typeface=".VnCourier" panose="020B7200000000000000" pitchFamily="34" charset="0"/>
+            </a:endParaRPr>
+          </a:p>
+          <a:p>
+            <a:pPr algn="r"/>
+            <a:endParaRPr lang="es-ES_tradnl" sz="1400" spc="600" dirty="0">
+              <a:solidFill>
+                <a:srgbClr val="8FAADC"/>
+              </a:solidFill>
+              <a:effectLst>
+                <a:outerShdw blurRad="38100" dist="38100" dir="2700000" algn="tl">
+                  <a:srgbClr val="000000">
+                    <a:alpha val="43137"/>
+                  </a:srgbClr>
+                </a:outerShdw>
+              </a:effectLst>
+              <a:latin typeface=".VnCooper" panose="020B7200000000000000" pitchFamily="34" charset="0"/>
+              <a:ea typeface="Raleway Black" charset="0"/>
+              <a:cs typeface="Raleway Black" charset="0"/>
+            </a:endParaRPr>
+          </a:p>
+        </p:txBody>
+      </p:sp>
     </p:spTree>
     <p:extLst>
       <p:ext uri="{BB962C8B-B14F-4D97-AF65-F5344CB8AC3E}">
@@ -8112,6 +8396,104 @@
           </a:prstGeom>
         </p:spPr>
       </p:pic>
+      <p:sp>
+        <p:nvSpPr>
+          <p:cNvPr id="9" name="Rectangle 8"/>
+          <p:cNvSpPr/>
+          <p:nvPr/>
+        </p:nvSpPr>
+        <p:spPr>
+          <a:xfrm rot="5400000">
+            <a:off x="-2596683" y="3163669"/>
+            <a:ext cx="6096000" cy="1292662"/>
+          </a:xfrm>
+          <a:prstGeom prst="rect">
+            <a:avLst/>
+          </a:prstGeom>
+        </p:spPr>
+        <p:txBody>
+          <a:bodyPr>
+            <a:spAutoFit/>
+          </a:bodyPr>
+          <a:lstStyle/>
+          <a:p>
+            <a:pPr algn="r"/>
+            <a:r>
+              <a:rPr lang="vi-VN" sz="3200" spc="600" dirty="0">
+                <a:solidFill>
+                  <a:srgbClr val="8FAADC"/>
+                </a:solidFill>
+                <a:effectLst>
+                  <a:outerShdw blurRad="38100" dist="38100" dir="2700000" algn="tl">
+                    <a:srgbClr val="000000">
+                      <a:alpha val="43137"/>
+                    </a:srgbClr>
+                  </a:outerShdw>
+                </a:effectLst>
+                <a:latin typeface=".VnCooper" panose="020B7200000000000000" pitchFamily="34" charset="0"/>
+                <a:ea typeface="Raleway Black" charset="0"/>
+                <a:cs typeface="Raleway Black" charset="0"/>
+              </a:rPr>
+              <a:t>Java</a:t>
+            </a:r>
+            <a:endParaRPr lang="es-ES_tradnl" sz="3200" spc="600" dirty="0">
+              <a:solidFill>
+                <a:srgbClr val="8FAADC"/>
+              </a:solidFill>
+              <a:effectLst>
+                <a:outerShdw blurRad="38100" dist="38100" dir="2700000" algn="tl">
+                  <a:srgbClr val="000000">
+                    <a:alpha val="43137"/>
+                  </a:srgbClr>
+                </a:outerShdw>
+              </a:effectLst>
+              <a:latin typeface=".VnCooper" panose="020B7200000000000000" pitchFamily="34" charset="0"/>
+              <a:ea typeface="Raleway Black" charset="0"/>
+              <a:cs typeface="Raleway Black" charset="0"/>
+            </a:endParaRPr>
+          </a:p>
+          <a:p>
+            <a:pPr algn="r"/>
+            <a:r>
+              <a:rPr lang="vi-VN" sz="3200" dirty="0">
+                <a:solidFill>
+                  <a:schemeClr val="bg1">
+                    <a:lumMod val="50000"/>
+                  </a:schemeClr>
+                </a:solidFill>
+                <a:latin typeface=".VnCourier" panose="020B7200000000000000" pitchFamily="34" charset="0"/>
+              </a:rPr>
+              <a:t>Lap trinh he thong </a:t>
+            </a:r>
+            <a:endParaRPr lang="es-ES_tradnl" sz="3200" dirty="0">
+              <a:solidFill>
+                <a:schemeClr val="bg1">
+                  <a:lumMod val="50000"/>
+                </a:schemeClr>
+              </a:solidFill>
+              <a:latin typeface=".VnCourier" panose="020B7200000000000000" pitchFamily="34" charset="0"/>
+            </a:endParaRPr>
+          </a:p>
+          <a:p>
+            <a:pPr algn="r"/>
+            <a:endParaRPr lang="es-ES_tradnl" sz="1400" spc="600" dirty="0">
+              <a:solidFill>
+                <a:srgbClr val="8FAADC"/>
+              </a:solidFill>
+              <a:effectLst>
+                <a:outerShdw blurRad="38100" dist="38100" dir="2700000" algn="tl">
+                  <a:srgbClr val="000000">
+                    <a:alpha val="43137"/>
+                  </a:srgbClr>
+                </a:outerShdw>
+              </a:effectLst>
+              <a:latin typeface=".VnCooper" panose="020B7200000000000000" pitchFamily="34" charset="0"/>
+              <a:ea typeface="Raleway Black" charset="0"/>
+              <a:cs typeface="Raleway Black" charset="0"/>
+            </a:endParaRPr>
+          </a:p>
+        </p:txBody>
+      </p:sp>
     </p:spTree>
     <p:extLst>
       <p:ext uri="{BB962C8B-B14F-4D97-AF65-F5344CB8AC3E}">
@@ -8122,13 +8504,13 @@
   <p:clrMapOvr>
     <a:masterClrMapping/>
   </p:clrMapOvr>
-  <mc:AlternateContent xmlns:mc="http://schemas.openxmlformats.org/markup-compatibility/2006">
-    <mc:Choice xmlns:p14="http://schemas.microsoft.com/office/powerpoint/2010/main" Requires="p14">
+  <mc:AlternateContent xmlns:mc="http://schemas.openxmlformats.org/markup-compatibility/2006" xmlns:p14="http://schemas.microsoft.com/office/powerpoint/2010/main">
+    <mc:Choice Requires="p14">
       <p:transition spd="slow" p14:dur="1500">
         <p:split orient="vert"/>
       </p:transition>
     </mc:Choice>
-    <mc:Fallback>
+    <mc:Fallback xmlns="">
       <p:transition spd="slow">
         <p:split orient="vert"/>
       </p:transition>
@@ -8533,6 +8915,104 @@
           </a:prstGeom>
         </p:spPr>
       </p:pic>
+      <p:sp>
+        <p:nvSpPr>
+          <p:cNvPr id="12" name="Rectangle 11"/>
+          <p:cNvSpPr/>
+          <p:nvPr/>
+        </p:nvSpPr>
+        <p:spPr>
+          <a:xfrm rot="5400000">
+            <a:off x="-2596683" y="3163669"/>
+            <a:ext cx="6096000" cy="1292662"/>
+          </a:xfrm>
+          <a:prstGeom prst="rect">
+            <a:avLst/>
+          </a:prstGeom>
+        </p:spPr>
+        <p:txBody>
+          <a:bodyPr>
+            <a:spAutoFit/>
+          </a:bodyPr>
+          <a:lstStyle/>
+          <a:p>
+            <a:pPr algn="r"/>
+            <a:r>
+              <a:rPr lang="vi-VN" sz="3200" spc="600" dirty="0">
+                <a:solidFill>
+                  <a:srgbClr val="8FAADC"/>
+                </a:solidFill>
+                <a:effectLst>
+                  <a:outerShdw blurRad="38100" dist="38100" dir="2700000" algn="tl">
+                    <a:srgbClr val="000000">
+                      <a:alpha val="43137"/>
+                    </a:srgbClr>
+                  </a:outerShdw>
+                </a:effectLst>
+                <a:latin typeface=".VnCooper" panose="020B7200000000000000" pitchFamily="34" charset="0"/>
+                <a:ea typeface="Raleway Black" charset="0"/>
+                <a:cs typeface="Raleway Black" charset="0"/>
+              </a:rPr>
+              <a:t>Java</a:t>
+            </a:r>
+            <a:endParaRPr lang="es-ES_tradnl" sz="3200" spc="600" dirty="0">
+              <a:solidFill>
+                <a:srgbClr val="8FAADC"/>
+              </a:solidFill>
+              <a:effectLst>
+                <a:outerShdw blurRad="38100" dist="38100" dir="2700000" algn="tl">
+                  <a:srgbClr val="000000">
+                    <a:alpha val="43137"/>
+                  </a:srgbClr>
+                </a:outerShdw>
+              </a:effectLst>
+              <a:latin typeface=".VnCooper" panose="020B7200000000000000" pitchFamily="34" charset="0"/>
+              <a:ea typeface="Raleway Black" charset="0"/>
+              <a:cs typeface="Raleway Black" charset="0"/>
+            </a:endParaRPr>
+          </a:p>
+          <a:p>
+            <a:pPr algn="r"/>
+            <a:r>
+              <a:rPr lang="vi-VN" sz="3200" dirty="0">
+                <a:solidFill>
+                  <a:schemeClr val="bg1">
+                    <a:lumMod val="50000"/>
+                  </a:schemeClr>
+                </a:solidFill>
+                <a:latin typeface=".VnCourier" panose="020B7200000000000000" pitchFamily="34" charset="0"/>
+              </a:rPr>
+              <a:t>Lap trinh he thong </a:t>
+            </a:r>
+            <a:endParaRPr lang="es-ES_tradnl" sz="3200" dirty="0">
+              <a:solidFill>
+                <a:schemeClr val="bg1">
+                  <a:lumMod val="50000"/>
+                </a:schemeClr>
+              </a:solidFill>
+              <a:latin typeface=".VnCourier" panose="020B7200000000000000" pitchFamily="34" charset="0"/>
+            </a:endParaRPr>
+          </a:p>
+          <a:p>
+            <a:pPr algn="r"/>
+            <a:endParaRPr lang="es-ES_tradnl" sz="1400" spc="600" dirty="0">
+              <a:solidFill>
+                <a:srgbClr val="8FAADC"/>
+              </a:solidFill>
+              <a:effectLst>
+                <a:outerShdw blurRad="38100" dist="38100" dir="2700000" algn="tl">
+                  <a:srgbClr val="000000">
+                    <a:alpha val="43137"/>
+                  </a:srgbClr>
+                </a:outerShdw>
+              </a:effectLst>
+              <a:latin typeface=".VnCooper" panose="020B7200000000000000" pitchFamily="34" charset="0"/>
+              <a:ea typeface="Raleway Black" charset="0"/>
+              <a:cs typeface="Raleway Black" charset="0"/>
+            </a:endParaRPr>
+          </a:p>
+        </p:txBody>
+      </p:sp>
     </p:spTree>
     <p:extLst>
       <p:ext uri="{BB962C8B-B14F-4D97-AF65-F5344CB8AC3E}">
@@ -8925,6 +9405,333 @@
 <file path=ppt/slides/slide14.xml><?xml version="1.0" encoding="utf-8"?>
 <p:sld xmlns:a="http://schemas.openxmlformats.org/drawingml/2006/main" xmlns:r="http://schemas.openxmlformats.org/officeDocument/2006/relationships" xmlns:p="http://schemas.openxmlformats.org/presentationml/2006/main">
   <p:cSld>
+    <p:bg>
+      <p:bgPr>
+        <a:gradFill flip="none" rotWithShape="1">
+          <a:gsLst>
+            <a:gs pos="74000">
+              <a:schemeClr val="bg1"/>
+            </a:gs>
+            <a:gs pos="100000">
+              <a:schemeClr val="accent1">
+                <a:lumMod val="45000"/>
+                <a:lumOff val="55000"/>
+              </a:schemeClr>
+            </a:gs>
+            <a:gs pos="83000">
+              <a:schemeClr val="accent1">
+                <a:lumMod val="45000"/>
+                <a:lumOff val="55000"/>
+              </a:schemeClr>
+            </a:gs>
+            <a:gs pos="100000">
+              <a:schemeClr val="accent1">
+                <a:lumMod val="30000"/>
+                <a:lumOff val="70000"/>
+              </a:schemeClr>
+            </a:gs>
+          </a:gsLst>
+          <a:lin ang="8100000" scaled="1"/>
+          <a:tileRect/>
+        </a:gradFill>
+        <a:effectLst/>
+      </p:bgPr>
+    </p:bg>
+    <p:spTree>
+      <p:nvGrpSpPr>
+        <p:cNvPr id="1" name=""/>
+        <p:cNvGrpSpPr/>
+        <p:nvPr/>
+      </p:nvGrpSpPr>
+      <p:grpSpPr>
+        <a:xfrm>
+          <a:off x="0" y="0"/>
+          <a:ext cx="0" cy="0"/>
+          <a:chOff x="0" y="0"/>
+          <a:chExt cx="0" cy="0"/>
+        </a:xfrm>
+      </p:grpSpPr>
+      <p:sp>
+        <p:nvSpPr>
+          <p:cNvPr id="4" name="Rectangle 3"/>
+          <p:cNvSpPr/>
+          <p:nvPr/>
+        </p:nvSpPr>
+        <p:spPr>
+          <a:xfrm>
+            <a:off x="457198" y="135923"/>
+            <a:ext cx="3101547" cy="1615023"/>
+          </a:xfrm>
+          <a:prstGeom prst="rect">
+            <a:avLst/>
+          </a:prstGeom>
+          <a:noFill/>
+          <a:ln>
+            <a:noFill/>
+          </a:ln>
+        </p:spPr>
+        <p:style>
+          <a:lnRef idx="2">
+            <a:schemeClr val="accent1">
+              <a:shade val="50000"/>
+            </a:schemeClr>
+          </a:lnRef>
+          <a:fillRef idx="1">
+            <a:schemeClr val="accent1"/>
+          </a:fillRef>
+          <a:effectRef idx="0">
+            <a:schemeClr val="accent1"/>
+          </a:effectRef>
+          <a:fontRef idx="minor">
+            <a:schemeClr val="lt1"/>
+          </a:fontRef>
+        </p:style>
+        <p:txBody>
+          <a:bodyPr rtlCol="0" anchor="ctr"/>
+          <a:lstStyle/>
+          <a:p>
+            <a:pPr algn="ctr"/>
+            <a:endParaRPr lang="en-US" sz="4400" dirty="0">
+              <a:solidFill>
+                <a:srgbClr val="8FAADC"/>
+              </a:solidFill>
+              <a:latin typeface="Raleway Black" panose="020B0604020202020204" charset="0"/>
+            </a:endParaRPr>
+          </a:p>
+        </p:txBody>
+      </p:sp>
+      <p:sp>
+        <p:nvSpPr>
+          <p:cNvPr id="16" name="Rectangle 15"/>
+          <p:cNvSpPr/>
+          <p:nvPr/>
+        </p:nvSpPr>
+        <p:spPr>
+          <a:xfrm>
+            <a:off x="11335904" y="6265251"/>
+            <a:ext cx="308098" cy="369332"/>
+          </a:xfrm>
+          <a:prstGeom prst="rect">
+            <a:avLst/>
+          </a:prstGeom>
+        </p:spPr>
+        <p:txBody>
+          <a:bodyPr wrap="none">
+            <a:spAutoFit/>
+          </a:bodyPr>
+          <a:lstStyle/>
+          <a:p>
+            <a:r>
+              <a:rPr lang="en-US" dirty="0">
+                <a:latin typeface=".VnArabia" panose="020B7200000000000000" pitchFamily="34" charset="0"/>
+              </a:rPr>
+              <a:t>7</a:t>
+            </a:r>
+          </a:p>
+        </p:txBody>
+      </p:sp>
+      <p:pic>
+        <p:nvPicPr>
+          <p:cNvPr id="3" name="Picture 2"/>
+          <p:cNvPicPr>
+            <a:picLocks noChangeAspect="1"/>
+          </p:cNvPicPr>
+          <p:nvPr/>
+        </p:nvPicPr>
+        <p:blipFill>
+          <a:blip r:embed="rId3">
+            <a:extLst>
+              <a:ext uri="{28A0092B-C50C-407E-A947-70E740481C1C}">
+                <a14:useLocalDpi xmlns:a14="http://schemas.microsoft.com/office/drawing/2010/main" val="0"/>
+              </a:ext>
+            </a:extLst>
+          </a:blip>
+          <a:stretch>
+            <a:fillRect/>
+          </a:stretch>
+        </p:blipFill>
+        <p:spPr>
+          <a:xfrm>
+            <a:off x="0" y="0"/>
+            <a:ext cx="4228571" cy="1561905"/>
+          </a:xfrm>
+          <a:prstGeom prst="rect">
+            <a:avLst/>
+          </a:prstGeom>
+        </p:spPr>
+      </p:pic>
+      <p:sp>
+        <p:nvSpPr>
+          <p:cNvPr id="18" name="TextBox 17"/>
+          <p:cNvSpPr txBox="1"/>
+          <p:nvPr/>
+        </p:nvSpPr>
+        <p:spPr>
+          <a:xfrm>
+            <a:off x="1718841" y="780952"/>
+            <a:ext cx="2664634" cy="646331"/>
+          </a:xfrm>
+          <a:prstGeom prst="rect">
+            <a:avLst/>
+          </a:prstGeom>
+          <a:noFill/>
+        </p:spPr>
+        <p:txBody>
+          <a:bodyPr wrap="square" rtlCol="0">
+            <a:spAutoFit/>
+          </a:bodyPr>
+          <a:lstStyle/>
+          <a:p>
+            <a:r>
+              <a:rPr lang="en-US" sz="3600" dirty="0" err="1">
+                <a:solidFill>
+                  <a:srgbClr val="FFFAFF"/>
+                </a:solidFill>
+                <a:latin typeface="VNI-Duff" pitchFamily="2" charset="0"/>
+              </a:rPr>
+              <a:t>Quaù</a:t>
+            </a:r>
+            <a:r>
+              <a:rPr lang="en-US" sz="3600" dirty="0">
+                <a:solidFill>
+                  <a:srgbClr val="FFFAFF"/>
+                </a:solidFill>
+                <a:latin typeface="VNI-Duff" pitchFamily="2" charset="0"/>
+              </a:rPr>
+              <a:t> </a:t>
+            </a:r>
+            <a:r>
+              <a:rPr lang="en-US" sz="3600" dirty="0" err="1">
+                <a:solidFill>
+                  <a:srgbClr val="FFFAFF"/>
+                </a:solidFill>
+                <a:latin typeface="VNI-Duff" pitchFamily="2" charset="0"/>
+              </a:rPr>
+              <a:t>trình</a:t>
+            </a:r>
+            <a:endParaRPr lang="en-US" sz="3600" dirty="0">
+              <a:solidFill>
+                <a:srgbClr val="FFFAFF"/>
+              </a:solidFill>
+              <a:latin typeface="VNI-Duff" pitchFamily="2" charset="0"/>
+            </a:endParaRPr>
+          </a:p>
+        </p:txBody>
+      </p:sp>
+      <p:sp>
+        <p:nvSpPr>
+          <p:cNvPr id="12" name="Rectangle 11"/>
+          <p:cNvSpPr/>
+          <p:nvPr/>
+        </p:nvSpPr>
+        <p:spPr>
+          <a:xfrm rot="5400000">
+            <a:off x="-2596683" y="3163669"/>
+            <a:ext cx="6096000" cy="1292662"/>
+          </a:xfrm>
+          <a:prstGeom prst="rect">
+            <a:avLst/>
+          </a:prstGeom>
+        </p:spPr>
+        <p:txBody>
+          <a:bodyPr>
+            <a:spAutoFit/>
+          </a:bodyPr>
+          <a:lstStyle/>
+          <a:p>
+            <a:pPr algn="r"/>
+            <a:r>
+              <a:rPr lang="vi-VN" sz="3200" spc="600" dirty="0">
+                <a:solidFill>
+                  <a:srgbClr val="8FAADC"/>
+                </a:solidFill>
+                <a:effectLst>
+                  <a:outerShdw blurRad="38100" dist="38100" dir="2700000" algn="tl">
+                    <a:srgbClr val="000000">
+                      <a:alpha val="43137"/>
+                    </a:srgbClr>
+                  </a:outerShdw>
+                </a:effectLst>
+                <a:latin typeface=".VnCooper" panose="020B7200000000000000" pitchFamily="34" charset="0"/>
+                <a:ea typeface="Raleway Black" charset="0"/>
+                <a:cs typeface="Raleway Black" charset="0"/>
+              </a:rPr>
+              <a:t>Java</a:t>
+            </a:r>
+            <a:endParaRPr lang="es-ES_tradnl" sz="3200" spc="600" dirty="0">
+              <a:solidFill>
+                <a:srgbClr val="8FAADC"/>
+              </a:solidFill>
+              <a:effectLst>
+                <a:outerShdw blurRad="38100" dist="38100" dir="2700000" algn="tl">
+                  <a:srgbClr val="000000">
+                    <a:alpha val="43137"/>
+                  </a:srgbClr>
+                </a:outerShdw>
+              </a:effectLst>
+              <a:latin typeface=".VnCooper" panose="020B7200000000000000" pitchFamily="34" charset="0"/>
+              <a:ea typeface="Raleway Black" charset="0"/>
+              <a:cs typeface="Raleway Black" charset="0"/>
+            </a:endParaRPr>
+          </a:p>
+          <a:p>
+            <a:pPr algn="r"/>
+            <a:r>
+              <a:rPr lang="vi-VN" sz="3200" dirty="0">
+                <a:solidFill>
+                  <a:schemeClr val="bg1">
+                    <a:lumMod val="50000"/>
+                  </a:schemeClr>
+                </a:solidFill>
+                <a:latin typeface=".VnCourier" panose="020B7200000000000000" pitchFamily="34" charset="0"/>
+              </a:rPr>
+              <a:t>Lap trinh he thong </a:t>
+            </a:r>
+            <a:endParaRPr lang="es-ES_tradnl" sz="3200" dirty="0">
+              <a:solidFill>
+                <a:schemeClr val="bg1">
+                  <a:lumMod val="50000"/>
+                </a:schemeClr>
+              </a:solidFill>
+              <a:latin typeface=".VnCourier" panose="020B7200000000000000" pitchFamily="34" charset="0"/>
+            </a:endParaRPr>
+          </a:p>
+          <a:p>
+            <a:pPr algn="r"/>
+            <a:endParaRPr lang="es-ES_tradnl" sz="1400" spc="600" dirty="0">
+              <a:solidFill>
+                <a:srgbClr val="8FAADC"/>
+              </a:solidFill>
+              <a:effectLst>
+                <a:outerShdw blurRad="38100" dist="38100" dir="2700000" algn="tl">
+                  <a:srgbClr val="000000">
+                    <a:alpha val="43137"/>
+                  </a:srgbClr>
+                </a:outerShdw>
+              </a:effectLst>
+              <a:latin typeface=".VnCooper" panose="020B7200000000000000" pitchFamily="34" charset="0"/>
+              <a:ea typeface="Raleway Black" charset="0"/>
+              <a:cs typeface="Raleway Black" charset="0"/>
+            </a:endParaRPr>
+          </a:p>
+        </p:txBody>
+      </p:sp>
+    </p:spTree>
+    <p:extLst>
+      <p:ext uri="{BB962C8B-B14F-4D97-AF65-F5344CB8AC3E}">
+        <p14:creationId xmlns:p14="http://schemas.microsoft.com/office/powerpoint/2010/main" val="256126735"/>
+      </p:ext>
+    </p:extLst>
+  </p:cSld>
+  <p:clrMapOvr>
+    <a:masterClrMapping/>
+  </p:clrMapOvr>
+</p:sld>
+</file>
+
+<file path=ppt/slides/slide15.xml><?xml version="1.0" encoding="utf-8"?>
+<p:sld xmlns:a="http://schemas.openxmlformats.org/drawingml/2006/main" xmlns:r="http://schemas.openxmlformats.org/officeDocument/2006/relationships" xmlns:p="http://schemas.openxmlformats.org/presentationml/2006/main">
+  <p:cSld>
     <p:spTree>
       <p:nvGrpSpPr>
         <p:cNvPr id="1" name=""/>
@@ -9575,10 +10382,13 @@
   <p:clrMapOvr>
     <a:masterClrMapping/>
   </p:clrMapOvr>
+  <p:transition spd="slow">
+    <p:randomBar dir="vert"/>
+  </p:transition>
 </p:sld>
 </file>
 
-<file path=ppt/slides/slide15.xml><?xml version="1.0" encoding="utf-8"?>
+<file path=ppt/slides/slide16.xml><?xml version="1.0" encoding="utf-8"?>
 <p:sld xmlns:a="http://schemas.openxmlformats.org/drawingml/2006/main" xmlns:r="http://schemas.openxmlformats.org/officeDocument/2006/relationships" xmlns:p="http://schemas.openxmlformats.org/presentationml/2006/main">
   <p:cSld>
     <p:bg>
@@ -9797,6 +10607,104 @@
           </a:p>
         </p:txBody>
       </p:sp>
+      <p:sp>
+        <p:nvSpPr>
+          <p:cNvPr id="9" name="Rectangle 8"/>
+          <p:cNvSpPr/>
+          <p:nvPr/>
+        </p:nvSpPr>
+        <p:spPr>
+          <a:xfrm rot="5400000">
+            <a:off x="-2596683" y="3163669"/>
+            <a:ext cx="6096000" cy="1292662"/>
+          </a:xfrm>
+          <a:prstGeom prst="rect">
+            <a:avLst/>
+          </a:prstGeom>
+        </p:spPr>
+        <p:txBody>
+          <a:bodyPr>
+            <a:spAutoFit/>
+          </a:bodyPr>
+          <a:lstStyle/>
+          <a:p>
+            <a:pPr algn="r"/>
+            <a:r>
+              <a:rPr lang="vi-VN" sz="3200" spc="600" dirty="0">
+                <a:solidFill>
+                  <a:srgbClr val="8FAADC"/>
+                </a:solidFill>
+                <a:effectLst>
+                  <a:outerShdw blurRad="38100" dist="38100" dir="2700000" algn="tl">
+                    <a:srgbClr val="000000">
+                      <a:alpha val="43137"/>
+                    </a:srgbClr>
+                  </a:outerShdw>
+                </a:effectLst>
+                <a:latin typeface=".VnCooper" panose="020B7200000000000000" pitchFamily="34" charset="0"/>
+                <a:ea typeface="Raleway Black" charset="0"/>
+                <a:cs typeface="Raleway Black" charset="0"/>
+              </a:rPr>
+              <a:t>Java</a:t>
+            </a:r>
+            <a:endParaRPr lang="es-ES_tradnl" sz="3200" spc="600" dirty="0">
+              <a:solidFill>
+                <a:srgbClr val="8FAADC"/>
+              </a:solidFill>
+              <a:effectLst>
+                <a:outerShdw blurRad="38100" dist="38100" dir="2700000" algn="tl">
+                  <a:srgbClr val="000000">
+                    <a:alpha val="43137"/>
+                  </a:srgbClr>
+                </a:outerShdw>
+              </a:effectLst>
+              <a:latin typeface=".VnCooper" panose="020B7200000000000000" pitchFamily="34" charset="0"/>
+              <a:ea typeface="Raleway Black" charset="0"/>
+              <a:cs typeface="Raleway Black" charset="0"/>
+            </a:endParaRPr>
+          </a:p>
+          <a:p>
+            <a:pPr algn="r"/>
+            <a:r>
+              <a:rPr lang="vi-VN" sz="3200" dirty="0">
+                <a:solidFill>
+                  <a:schemeClr val="bg1">
+                    <a:lumMod val="50000"/>
+                  </a:schemeClr>
+                </a:solidFill>
+                <a:latin typeface=".VnCourier" panose="020B7200000000000000" pitchFamily="34" charset="0"/>
+              </a:rPr>
+              <a:t>Lap trinh he thong </a:t>
+            </a:r>
+            <a:endParaRPr lang="es-ES_tradnl" sz="3200" dirty="0">
+              <a:solidFill>
+                <a:schemeClr val="bg1">
+                  <a:lumMod val="50000"/>
+                </a:schemeClr>
+              </a:solidFill>
+              <a:latin typeface=".VnCourier" panose="020B7200000000000000" pitchFamily="34" charset="0"/>
+            </a:endParaRPr>
+          </a:p>
+          <a:p>
+            <a:pPr algn="r"/>
+            <a:endParaRPr lang="es-ES_tradnl" sz="1400" spc="600" dirty="0">
+              <a:solidFill>
+                <a:srgbClr val="8FAADC"/>
+              </a:solidFill>
+              <a:effectLst>
+                <a:outerShdw blurRad="38100" dist="38100" dir="2700000" algn="tl">
+                  <a:srgbClr val="000000">
+                    <a:alpha val="43137"/>
+                  </a:srgbClr>
+                </a:outerShdw>
+              </a:effectLst>
+              <a:latin typeface=".VnCooper" panose="020B7200000000000000" pitchFamily="34" charset="0"/>
+              <a:ea typeface="Raleway Black" charset="0"/>
+              <a:cs typeface="Raleway Black" charset="0"/>
+            </a:endParaRPr>
+          </a:p>
+        </p:txBody>
+      </p:sp>
     </p:spTree>
     <p:extLst>
       <p:ext uri="{BB962C8B-B14F-4D97-AF65-F5344CB8AC3E}">
@@ -9810,7 +10718,7 @@
 </p:sld>
 </file>
 
-<file path=ppt/slides/slide16.xml><?xml version="1.0" encoding="utf-8"?>
+<file path=ppt/slides/slide17.xml><?xml version="1.0" encoding="utf-8"?>
 <p:sld xmlns:a="http://schemas.openxmlformats.org/drawingml/2006/main" xmlns:r="http://schemas.openxmlformats.org/officeDocument/2006/relationships" xmlns:p="http://schemas.openxmlformats.org/presentationml/2006/main">
   <p:cSld>
     <p:spTree>
@@ -10463,10 +11371,13 @@
   <p:clrMapOvr>
     <a:masterClrMapping/>
   </p:clrMapOvr>
+  <p:transition spd="slow">
+    <p:randomBar dir="vert"/>
+  </p:transition>
 </p:sld>
 </file>
 
-<file path=ppt/slides/slide17.xml><?xml version="1.0" encoding="utf-8"?>
+<file path=ppt/slides/slide18.xml><?xml version="1.0" encoding="utf-8"?>
 <p:sld xmlns:a="http://schemas.openxmlformats.org/drawingml/2006/main" xmlns:r="http://schemas.openxmlformats.org/officeDocument/2006/relationships" xmlns:p="http://schemas.openxmlformats.org/presentationml/2006/main">
   <p:cSld>
     <p:bg>
@@ -10597,9 +11508,52 @@
           </a:p>
         </p:txBody>
       </p:sp>
+      <p:sp>
+        <p:nvSpPr>
+          <p:cNvPr id="11" name="Rectangle 10"/>
+          <p:cNvSpPr/>
+          <p:nvPr/>
+        </p:nvSpPr>
+        <p:spPr>
+          <a:xfrm>
+            <a:off x="8473440" y="0"/>
+            <a:ext cx="3718560" cy="6858000"/>
+          </a:xfrm>
+          <a:prstGeom prst="rect">
+            <a:avLst/>
+          </a:prstGeom>
+          <a:solidFill>
+            <a:srgbClr val="1D9099"/>
+          </a:solidFill>
+        </p:spPr>
+        <p:style>
+          <a:lnRef idx="2">
+            <a:schemeClr val="accent1">
+              <a:shade val="50000"/>
+            </a:schemeClr>
+          </a:lnRef>
+          <a:fillRef idx="1">
+            <a:schemeClr val="accent1"/>
+          </a:fillRef>
+          <a:effectRef idx="0">
+            <a:schemeClr val="accent1"/>
+          </a:effectRef>
+          <a:fontRef idx="minor">
+            <a:schemeClr val="lt1"/>
+          </a:fontRef>
+        </p:style>
+        <p:txBody>
+          <a:bodyPr rtlCol="0" anchor="ctr"/>
+          <a:lstStyle/>
+          <a:p>
+            <a:pPr algn="ctr"/>
+            <a:endParaRPr lang="en-US"/>
+          </a:p>
+        </p:txBody>
+      </p:sp>
       <p:pic>
         <p:nvPicPr>
-          <p:cNvPr id="3" name="Picture 2"/>
+          <p:cNvPr id="19" name="Picture 18"/>
           <p:cNvPicPr>
             <a:picLocks noChangeAspect="1"/>
           </p:cNvPicPr>
@@ -10619,7 +11573,72 @@
         </p:blipFill>
         <p:spPr>
           <a:xfrm>
-            <a:off x="7963429" y="0"/>
+            <a:off x="8781740" y="2000250"/>
+            <a:ext cx="5429250" cy="2857500"/>
+          </a:xfrm>
+          <a:prstGeom prst="rect">
+            <a:avLst/>
+          </a:prstGeom>
+        </p:spPr>
+      </p:pic>
+      <p:pic>
+        <p:nvPicPr>
+          <p:cNvPr id="20" name="Picture 19"/>
+          <p:cNvPicPr>
+            <a:picLocks noChangeAspect="1"/>
+          </p:cNvPicPr>
+          <p:nvPr/>
+        </p:nvPicPr>
+        <p:blipFill>
+          <a:blip r:embed="rId4">
+            <a:extLst>
+              <a:ext uri="{28A0092B-C50C-407E-A947-70E740481C1C}">
+                <a14:useLocalDpi xmlns:a14="http://schemas.microsoft.com/office/drawing/2010/main" val="0"/>
+              </a:ext>
+            </a:extLst>
+          </a:blip>
+          <a:stretch>
+            <a:fillRect/>
+          </a:stretch>
+        </p:blipFill>
+        <p:spPr>
+          <a:xfrm>
+            <a:off x="-1" y="0"/>
+            <a:ext cx="10904221" cy="6858000"/>
+          </a:xfrm>
+          <a:prstGeom prst="rect">
+            <a:avLst/>
+          </a:prstGeom>
+          <a:solidFill>
+            <a:schemeClr val="accent2">
+              <a:lumMod val="50000"/>
+            </a:schemeClr>
+          </a:solidFill>
+        </p:spPr>
+      </p:pic>
+      <p:pic>
+        <p:nvPicPr>
+          <p:cNvPr id="21" name="Picture 20"/>
+          <p:cNvPicPr>
+            <a:picLocks noChangeAspect="1"/>
+          </p:cNvPicPr>
+          <p:nvPr/>
+        </p:nvPicPr>
+        <p:blipFill>
+          <a:blip r:embed="rId5">
+            <a:extLst>
+              <a:ext uri="{28A0092B-C50C-407E-A947-70E740481C1C}">
+                <a14:useLocalDpi xmlns:a14="http://schemas.microsoft.com/office/drawing/2010/main" val="0"/>
+              </a:ext>
+            </a:extLst>
+          </a:blip>
+          <a:stretch>
+            <a:fillRect/>
+          </a:stretch>
+        </p:blipFill>
+        <p:spPr>
+          <a:xfrm>
+            <a:off x="-1" y="0"/>
             <a:ext cx="4228571" cy="1561905"/>
           </a:xfrm>
           <a:prstGeom prst="rect">
@@ -10629,13 +11648,13 @@
       </p:pic>
       <p:sp>
         <p:nvSpPr>
-          <p:cNvPr id="9" name="TextBox 8"/>
+          <p:cNvPr id="22" name="TextBox 21"/>
           <p:cNvSpPr txBox="1"/>
           <p:nvPr/>
         </p:nvSpPr>
         <p:spPr>
           <a:xfrm>
-            <a:off x="9711695" y="780952"/>
+            <a:off x="1779778" y="780952"/>
             <a:ext cx="2664634" cy="646331"/>
           </a:xfrm>
           <a:prstGeom prst="rect">
@@ -10663,6 +11682,104 @@
                 <a:srgbClr val="FFFAFF"/>
               </a:solidFill>
               <a:latin typeface="VNI-Duff" pitchFamily="2" charset="0"/>
+            </a:endParaRPr>
+          </a:p>
+        </p:txBody>
+      </p:sp>
+      <p:sp>
+        <p:nvSpPr>
+          <p:cNvPr id="23" name="Rectangle 22"/>
+          <p:cNvSpPr/>
+          <p:nvPr/>
+        </p:nvSpPr>
+        <p:spPr>
+          <a:xfrm rot="5400000">
+            <a:off x="-2596683" y="3163669"/>
+            <a:ext cx="6096000" cy="1292662"/>
+          </a:xfrm>
+          <a:prstGeom prst="rect">
+            <a:avLst/>
+          </a:prstGeom>
+        </p:spPr>
+        <p:txBody>
+          <a:bodyPr>
+            <a:spAutoFit/>
+          </a:bodyPr>
+          <a:lstStyle/>
+          <a:p>
+            <a:pPr algn="r"/>
+            <a:r>
+              <a:rPr lang="vi-VN" sz="3200" spc="600" dirty="0">
+                <a:solidFill>
+                  <a:srgbClr val="D53A33"/>
+                </a:solidFill>
+                <a:effectLst>
+                  <a:outerShdw blurRad="38100" dist="38100" dir="2700000" algn="tl">
+                    <a:srgbClr val="000000">
+                      <a:alpha val="43137"/>
+                    </a:srgbClr>
+                  </a:outerShdw>
+                </a:effectLst>
+                <a:latin typeface=".VnCooper" panose="020B7200000000000000" pitchFamily="34" charset="0"/>
+                <a:ea typeface="Raleway Black" charset="0"/>
+                <a:cs typeface="Raleway Black" charset="0"/>
+              </a:rPr>
+              <a:t>Java</a:t>
+            </a:r>
+            <a:endParaRPr lang="es-ES_tradnl" sz="3200" spc="600" dirty="0">
+              <a:solidFill>
+                <a:srgbClr val="D53A33"/>
+              </a:solidFill>
+              <a:effectLst>
+                <a:outerShdw blurRad="38100" dist="38100" dir="2700000" algn="tl">
+                  <a:srgbClr val="000000">
+                    <a:alpha val="43137"/>
+                  </a:srgbClr>
+                </a:outerShdw>
+              </a:effectLst>
+              <a:latin typeface=".VnCooper" panose="020B7200000000000000" pitchFamily="34" charset="0"/>
+              <a:ea typeface="Raleway Black" charset="0"/>
+              <a:cs typeface="Raleway Black" charset="0"/>
+            </a:endParaRPr>
+          </a:p>
+          <a:p>
+            <a:pPr algn="r"/>
+            <a:r>
+              <a:rPr lang="vi-VN" sz="3200" dirty="0">
+                <a:solidFill>
+                  <a:schemeClr val="bg1">
+                    <a:lumMod val="50000"/>
+                  </a:schemeClr>
+                </a:solidFill>
+                <a:latin typeface=".VnCourier" panose="020B7200000000000000" pitchFamily="34" charset="0"/>
+              </a:rPr>
+              <a:t>Lap trinh he thong </a:t>
+            </a:r>
+            <a:endParaRPr lang="es-ES_tradnl" sz="3200" dirty="0">
+              <a:solidFill>
+                <a:schemeClr val="bg1">
+                  <a:lumMod val="50000"/>
+                </a:schemeClr>
+              </a:solidFill>
+              <a:latin typeface=".VnCourier" panose="020B7200000000000000" pitchFamily="34" charset="0"/>
+            </a:endParaRPr>
+          </a:p>
+          <a:p>
+            <a:pPr algn="r"/>
+            <a:endParaRPr lang="es-ES_tradnl" sz="1400" spc="600" dirty="0">
+              <a:solidFill>
+                <a:srgbClr val="8FAADC"/>
+              </a:solidFill>
+              <a:effectLst>
+                <a:outerShdw blurRad="38100" dist="38100" dir="2700000" algn="tl">
+                  <a:srgbClr val="000000">
+                    <a:alpha val="43137"/>
+                  </a:srgbClr>
+                </a:outerShdw>
+              </a:effectLst>
+              <a:latin typeface=".VnCooper" panose="020B7200000000000000" pitchFamily="34" charset="0"/>
+              <a:ea typeface="Raleway Black" charset="0"/>
+              <a:cs typeface="Raleway Black" charset="0"/>
             </a:endParaRPr>
           </a:p>
         </p:txBody>
@@ -10680,7 +11797,7 @@
 </p:sld>
 </file>
 
-<file path=ppt/slides/slide18.xml><?xml version="1.0" encoding="utf-8"?>
+<file path=ppt/slides/slide19.xml><?xml version="1.0" encoding="utf-8"?>
 <p:sld xmlns:a="http://schemas.openxmlformats.org/drawingml/2006/main" xmlns:r="http://schemas.openxmlformats.org/officeDocument/2006/relationships" xmlns:p="http://schemas.openxmlformats.org/presentationml/2006/main">
   <p:cSld>
     <p:spTree>
@@ -10823,6 +11940,36 @@
           </a:p>
         </p:txBody>
       </p:sp>
+      <p:pic>
+        <p:nvPicPr>
+          <p:cNvPr id="3" name="Picture 2"/>
+          <p:cNvPicPr>
+            <a:picLocks noChangeAspect="1"/>
+          </p:cNvPicPr>
+          <p:nvPr/>
+        </p:nvPicPr>
+        <p:blipFill>
+          <a:blip r:embed="rId2">
+            <a:extLst>
+              <a:ext uri="{28A0092B-C50C-407E-A947-70E740481C1C}">
+                <a14:useLocalDpi xmlns:a14="http://schemas.microsoft.com/office/drawing/2010/main" val="0"/>
+              </a:ext>
+            </a:extLst>
+          </a:blip>
+          <a:stretch>
+            <a:fillRect/>
+          </a:stretch>
+        </p:blipFill>
+        <p:spPr>
+          <a:xfrm>
+            <a:off x="5265420" y="3599736"/>
+            <a:ext cx="3810000" cy="2857500"/>
+          </a:xfrm>
+          <a:prstGeom prst="rect">
+            <a:avLst/>
+          </a:prstGeom>
+        </p:spPr>
+      </p:pic>
     </p:spTree>
     <p:extLst>
       <p:ext uri="{BB962C8B-B14F-4D97-AF65-F5344CB8AC3E}">
@@ -10833,6 +11980,18 @@
   <p:clrMapOvr>
     <a:masterClrMapping/>
   </p:clrMapOvr>
+  <mc:AlternateContent xmlns:mc="http://schemas.openxmlformats.org/markup-compatibility/2006">
+    <mc:Choice xmlns:p14="http://schemas.microsoft.com/office/powerpoint/2010/main" Requires="p14">
+      <p:transition spd="slow" p14:dur="1600">
+        <p14:prism isContent="1" isInverted="1"/>
+      </p:transition>
+    </mc:Choice>
+    <mc:Fallback>
+      <p:transition spd="slow">
+        <p:fade/>
+      </p:transition>
+    </mc:Fallback>
+  </mc:AlternateContent>
 </p:sld>
 </file>
 
@@ -11600,6 +12759,9 @@
   <p:clrMapOvr>
     <a:masterClrMapping/>
   </p:clrMapOvr>
+  <p:transition spd="slow">
+    <p:push dir="u"/>
+  </p:transition>
   <p:timing>
     <p:tnLst>
       <p:par>
@@ -12851,6 +14013,104 @@
           </a:p>
         </p:txBody>
       </p:sp>
+      <p:sp>
+        <p:nvSpPr>
+          <p:cNvPr id="22" name="Rectangle 21"/>
+          <p:cNvSpPr/>
+          <p:nvPr/>
+        </p:nvSpPr>
+        <p:spPr>
+          <a:xfrm rot="5400000">
+            <a:off x="-2596683" y="3163669"/>
+            <a:ext cx="6096000" cy="1292662"/>
+          </a:xfrm>
+          <a:prstGeom prst="rect">
+            <a:avLst/>
+          </a:prstGeom>
+        </p:spPr>
+        <p:txBody>
+          <a:bodyPr>
+            <a:spAutoFit/>
+          </a:bodyPr>
+          <a:lstStyle/>
+          <a:p>
+            <a:pPr algn="r"/>
+            <a:r>
+              <a:rPr lang="vi-VN" sz="3200" spc="600" dirty="0">
+                <a:solidFill>
+                  <a:srgbClr val="8FAADC"/>
+                </a:solidFill>
+                <a:effectLst>
+                  <a:outerShdw blurRad="38100" dist="38100" dir="2700000" algn="tl">
+                    <a:srgbClr val="000000">
+                      <a:alpha val="43137"/>
+                    </a:srgbClr>
+                  </a:outerShdw>
+                </a:effectLst>
+                <a:latin typeface=".VnCooper" panose="020B7200000000000000" pitchFamily="34" charset="0"/>
+                <a:ea typeface="Raleway Black" charset="0"/>
+                <a:cs typeface="Raleway Black" charset="0"/>
+              </a:rPr>
+              <a:t>Java</a:t>
+            </a:r>
+            <a:endParaRPr lang="es-ES_tradnl" sz="3200" spc="600" dirty="0">
+              <a:solidFill>
+                <a:srgbClr val="8FAADC"/>
+              </a:solidFill>
+              <a:effectLst>
+                <a:outerShdw blurRad="38100" dist="38100" dir="2700000" algn="tl">
+                  <a:srgbClr val="000000">
+                    <a:alpha val="43137"/>
+                  </a:srgbClr>
+                </a:outerShdw>
+              </a:effectLst>
+              <a:latin typeface=".VnCooper" panose="020B7200000000000000" pitchFamily="34" charset="0"/>
+              <a:ea typeface="Raleway Black" charset="0"/>
+              <a:cs typeface="Raleway Black" charset="0"/>
+            </a:endParaRPr>
+          </a:p>
+          <a:p>
+            <a:pPr algn="r"/>
+            <a:r>
+              <a:rPr lang="vi-VN" sz="3200" dirty="0">
+                <a:solidFill>
+                  <a:schemeClr val="bg1">
+                    <a:lumMod val="50000"/>
+                  </a:schemeClr>
+                </a:solidFill>
+                <a:latin typeface=".VnCourier" panose="020B7200000000000000" pitchFamily="34" charset="0"/>
+              </a:rPr>
+              <a:t>Lap trinh he thong </a:t>
+            </a:r>
+            <a:endParaRPr lang="es-ES_tradnl" sz="3200" dirty="0">
+              <a:solidFill>
+                <a:schemeClr val="bg1">
+                  <a:lumMod val="50000"/>
+                </a:schemeClr>
+              </a:solidFill>
+              <a:latin typeface=".VnCourier" panose="020B7200000000000000" pitchFamily="34" charset="0"/>
+            </a:endParaRPr>
+          </a:p>
+          <a:p>
+            <a:pPr algn="r"/>
+            <a:endParaRPr lang="es-ES_tradnl" sz="1400" spc="600" dirty="0">
+              <a:solidFill>
+                <a:srgbClr val="8FAADC"/>
+              </a:solidFill>
+              <a:effectLst>
+                <a:outerShdw blurRad="38100" dist="38100" dir="2700000" algn="tl">
+                  <a:srgbClr val="000000">
+                    <a:alpha val="43137"/>
+                  </a:srgbClr>
+                </a:outerShdw>
+              </a:effectLst>
+              <a:latin typeface=".VnCooper" panose="020B7200000000000000" pitchFamily="34" charset="0"/>
+              <a:ea typeface="Raleway Black" charset="0"/>
+              <a:cs typeface="Raleway Black" charset="0"/>
+            </a:endParaRPr>
+          </a:p>
+        </p:txBody>
+      </p:sp>
     </p:spTree>
     <p:extLst>
       <p:ext uri="{BB962C8B-B14F-4D97-AF65-F5344CB8AC3E}">
@@ -12861,6 +14121,9 @@
   <p:clrMapOvr>
     <a:masterClrMapping/>
   </p:clrMapOvr>
+  <p:transition spd="slow">
+    <p:wipe/>
+  </p:transition>
   <p:timing>
     <p:tnLst>
       <p:par>
@@ -14079,6 +15342,104 @@
           </a:p>
         </p:txBody>
       </p:sp>
+      <p:sp>
+        <p:nvSpPr>
+          <p:cNvPr id="23" name="Rectangle 22"/>
+          <p:cNvSpPr/>
+          <p:nvPr/>
+        </p:nvSpPr>
+        <p:spPr>
+          <a:xfrm rot="5400000">
+            <a:off x="-2596683" y="3163669"/>
+            <a:ext cx="6096000" cy="1292662"/>
+          </a:xfrm>
+          <a:prstGeom prst="rect">
+            <a:avLst/>
+          </a:prstGeom>
+        </p:spPr>
+        <p:txBody>
+          <a:bodyPr>
+            <a:spAutoFit/>
+          </a:bodyPr>
+          <a:lstStyle/>
+          <a:p>
+            <a:pPr algn="r"/>
+            <a:r>
+              <a:rPr lang="vi-VN" sz="3200" spc="600" dirty="0">
+                <a:solidFill>
+                  <a:srgbClr val="8FAADC"/>
+                </a:solidFill>
+                <a:effectLst>
+                  <a:outerShdw blurRad="38100" dist="38100" dir="2700000" algn="tl">
+                    <a:srgbClr val="000000">
+                      <a:alpha val="43137"/>
+                    </a:srgbClr>
+                  </a:outerShdw>
+                </a:effectLst>
+                <a:latin typeface=".VnCooper" panose="020B7200000000000000" pitchFamily="34" charset="0"/>
+                <a:ea typeface="Raleway Black" charset="0"/>
+                <a:cs typeface="Raleway Black" charset="0"/>
+              </a:rPr>
+              <a:t>Java</a:t>
+            </a:r>
+            <a:endParaRPr lang="es-ES_tradnl" sz="3200" spc="600" dirty="0">
+              <a:solidFill>
+                <a:srgbClr val="8FAADC"/>
+              </a:solidFill>
+              <a:effectLst>
+                <a:outerShdw blurRad="38100" dist="38100" dir="2700000" algn="tl">
+                  <a:srgbClr val="000000">
+                    <a:alpha val="43137"/>
+                  </a:srgbClr>
+                </a:outerShdw>
+              </a:effectLst>
+              <a:latin typeface=".VnCooper" panose="020B7200000000000000" pitchFamily="34" charset="0"/>
+              <a:ea typeface="Raleway Black" charset="0"/>
+              <a:cs typeface="Raleway Black" charset="0"/>
+            </a:endParaRPr>
+          </a:p>
+          <a:p>
+            <a:pPr algn="r"/>
+            <a:r>
+              <a:rPr lang="vi-VN" sz="3200" dirty="0">
+                <a:solidFill>
+                  <a:schemeClr val="bg1">
+                    <a:lumMod val="50000"/>
+                  </a:schemeClr>
+                </a:solidFill>
+                <a:latin typeface=".VnCourier" panose="020B7200000000000000" pitchFamily="34" charset="0"/>
+              </a:rPr>
+              <a:t>Lap trinh he thong </a:t>
+            </a:r>
+            <a:endParaRPr lang="es-ES_tradnl" sz="3200" dirty="0">
+              <a:solidFill>
+                <a:schemeClr val="bg1">
+                  <a:lumMod val="50000"/>
+                </a:schemeClr>
+              </a:solidFill>
+              <a:latin typeface=".VnCourier" panose="020B7200000000000000" pitchFamily="34" charset="0"/>
+            </a:endParaRPr>
+          </a:p>
+          <a:p>
+            <a:pPr algn="r"/>
+            <a:endParaRPr lang="es-ES_tradnl" sz="1400" spc="600" dirty="0">
+              <a:solidFill>
+                <a:srgbClr val="8FAADC"/>
+              </a:solidFill>
+              <a:effectLst>
+                <a:outerShdw blurRad="38100" dist="38100" dir="2700000" algn="tl">
+                  <a:srgbClr val="000000">
+                    <a:alpha val="43137"/>
+                  </a:srgbClr>
+                </a:outerShdw>
+              </a:effectLst>
+              <a:latin typeface=".VnCooper" panose="020B7200000000000000" pitchFamily="34" charset="0"/>
+              <a:ea typeface="Raleway Black" charset="0"/>
+              <a:cs typeface="Raleway Black" charset="0"/>
+            </a:endParaRPr>
+          </a:p>
+        </p:txBody>
+      </p:sp>
     </p:spTree>
     <p:extLst>
       <p:ext uri="{BB962C8B-B14F-4D97-AF65-F5344CB8AC3E}">
@@ -14089,6 +15450,18 @@
   <p:clrMapOvr>
     <a:masterClrMapping/>
   </p:clrMapOvr>
+  <mc:AlternateContent xmlns:mc="http://schemas.openxmlformats.org/markup-compatibility/2006">
+    <mc:Choice xmlns:p14="http://schemas.microsoft.com/office/powerpoint/2010/main" Requires="p14">
+      <p:transition spd="slow" p14:dur="800">
+        <p:circle/>
+      </p:transition>
+    </mc:Choice>
+    <mc:Fallback>
+      <p:transition spd="slow">
+        <p:circle/>
+      </p:transition>
+    </mc:Fallback>
+  </mc:AlternateContent>
   <p:timing>
     <p:tnLst>
       <p:par>
@@ -14859,6 +16232,9 @@
   <p:clrMapOvr>
     <a:masterClrMapping/>
   </p:clrMapOvr>
+  <p:transition spd="slow">
+    <p:randomBar dir="vert"/>
+  </p:transition>
 </p:sld>
 </file>
 
@@ -15213,6 +16589,104 @@
           </a:prstGeom>
         </p:spPr>
       </p:pic>
+      <p:sp>
+        <p:nvSpPr>
+          <p:cNvPr id="11" name="Rectangle 10"/>
+          <p:cNvSpPr/>
+          <p:nvPr/>
+        </p:nvSpPr>
+        <p:spPr>
+          <a:xfrm rot="5400000">
+            <a:off x="-2596683" y="3163669"/>
+            <a:ext cx="6096000" cy="1292662"/>
+          </a:xfrm>
+          <a:prstGeom prst="rect">
+            <a:avLst/>
+          </a:prstGeom>
+        </p:spPr>
+        <p:txBody>
+          <a:bodyPr>
+            <a:spAutoFit/>
+          </a:bodyPr>
+          <a:lstStyle/>
+          <a:p>
+            <a:pPr algn="r"/>
+            <a:r>
+              <a:rPr lang="vi-VN" sz="3200" spc="600" dirty="0">
+                <a:solidFill>
+                  <a:srgbClr val="8FAADC"/>
+                </a:solidFill>
+                <a:effectLst>
+                  <a:outerShdw blurRad="38100" dist="38100" dir="2700000" algn="tl">
+                    <a:srgbClr val="000000">
+                      <a:alpha val="43137"/>
+                    </a:srgbClr>
+                  </a:outerShdw>
+                </a:effectLst>
+                <a:latin typeface=".VnCooper" panose="020B7200000000000000" pitchFamily="34" charset="0"/>
+                <a:ea typeface="Raleway Black" charset="0"/>
+                <a:cs typeface="Raleway Black" charset="0"/>
+              </a:rPr>
+              <a:t>Java</a:t>
+            </a:r>
+            <a:endParaRPr lang="es-ES_tradnl" sz="3200" spc="600" dirty="0">
+              <a:solidFill>
+                <a:srgbClr val="8FAADC"/>
+              </a:solidFill>
+              <a:effectLst>
+                <a:outerShdw blurRad="38100" dist="38100" dir="2700000" algn="tl">
+                  <a:srgbClr val="000000">
+                    <a:alpha val="43137"/>
+                  </a:srgbClr>
+                </a:outerShdw>
+              </a:effectLst>
+              <a:latin typeface=".VnCooper" panose="020B7200000000000000" pitchFamily="34" charset="0"/>
+              <a:ea typeface="Raleway Black" charset="0"/>
+              <a:cs typeface="Raleway Black" charset="0"/>
+            </a:endParaRPr>
+          </a:p>
+          <a:p>
+            <a:pPr algn="r"/>
+            <a:r>
+              <a:rPr lang="vi-VN" sz="3200" dirty="0">
+                <a:solidFill>
+                  <a:schemeClr val="bg1">
+                    <a:lumMod val="50000"/>
+                  </a:schemeClr>
+                </a:solidFill>
+                <a:latin typeface=".VnCourier" panose="020B7200000000000000" pitchFamily="34" charset="0"/>
+              </a:rPr>
+              <a:t>Lap trinh he thong </a:t>
+            </a:r>
+            <a:endParaRPr lang="es-ES_tradnl" sz="3200" dirty="0">
+              <a:solidFill>
+                <a:schemeClr val="bg1">
+                  <a:lumMod val="50000"/>
+                </a:schemeClr>
+              </a:solidFill>
+              <a:latin typeface=".VnCourier" panose="020B7200000000000000" pitchFamily="34" charset="0"/>
+            </a:endParaRPr>
+          </a:p>
+          <a:p>
+            <a:pPr algn="r"/>
+            <a:endParaRPr lang="es-ES_tradnl" sz="1400" spc="600" dirty="0">
+              <a:solidFill>
+                <a:srgbClr val="8FAADC"/>
+              </a:solidFill>
+              <a:effectLst>
+                <a:outerShdw blurRad="38100" dist="38100" dir="2700000" algn="tl">
+                  <a:srgbClr val="000000">
+                    <a:alpha val="43137"/>
+                  </a:srgbClr>
+                </a:outerShdw>
+              </a:effectLst>
+              <a:latin typeface=".VnCooper" panose="020B7200000000000000" pitchFamily="34" charset="0"/>
+              <a:ea typeface="Raleway Black" charset="0"/>
+              <a:cs typeface="Raleway Black" charset="0"/>
+            </a:endParaRPr>
+          </a:p>
+        </p:txBody>
+      </p:sp>
     </p:spTree>
     <p:extLst>
       <p:ext uri="{BB962C8B-B14F-4D97-AF65-F5344CB8AC3E}">
@@ -16713,14 +18187,14 @@
           <a:effectLst/>
           <a:extLst>
             <a:ext uri="{909E8E84-426E-40dd-AFC4-6F175D3DCCD1}">
-              <a14:hiddenFill xmlns="" xmlns:a14="http://schemas.microsoft.com/office/drawing/2010/main">
+              <a14:hiddenFill xmlns:a14="http://schemas.microsoft.com/office/drawing/2010/main" xmlns="">
                 <a:solidFill>
                   <a:srgbClr val="FFFFFF"/>
                 </a:solidFill>
               </a14:hiddenFill>
             </a:ext>
             <a:ext uri="{91240B29-F687-4f45-9708-019B960494DF}">
-              <a14:hiddenLine xmlns="" xmlns:a14="http://schemas.microsoft.com/office/drawing/2010/main" w="12700" cap="flat" cmpd="sng">
+              <a14:hiddenLine xmlns:a14="http://schemas.microsoft.com/office/drawing/2010/main" xmlns="" w="12700" cap="flat" cmpd="sng">
                 <a:solidFill>
                   <a:srgbClr val="000000"/>
                 </a:solidFill>
@@ -16731,7 +18205,7 @@
               </a14:hiddenLine>
             </a:ext>
             <a:ext uri="{AF507438-7753-43e0-B8FC-AC1667EBCBE1}">
-              <a14:hiddenEffects xmlns="" xmlns:a14="http://schemas.microsoft.com/office/drawing/2010/main">
+              <a14:hiddenEffects xmlns:a14="http://schemas.microsoft.com/office/drawing/2010/main" xmlns="">
                 <a:effectLst>
                   <a:outerShdw blurRad="63500" dist="38099" dir="2700000" algn="ctr" rotWithShape="0">
                     <a:srgbClr val="000000">
@@ -16842,14 +18316,14 @@
           <a:effectLst/>
           <a:extLst>
             <a:ext uri="{909E8E84-426E-40dd-AFC4-6F175D3DCCD1}">
-              <a14:hiddenFill xmlns="" xmlns:a14="http://schemas.microsoft.com/office/drawing/2010/main">
+              <a14:hiddenFill xmlns:a14="http://schemas.microsoft.com/office/drawing/2010/main" xmlns="">
                 <a:solidFill>
                   <a:srgbClr val="FFFFFF"/>
                 </a:solidFill>
               </a14:hiddenFill>
             </a:ext>
             <a:ext uri="{91240B29-F687-4f45-9708-019B960494DF}">
-              <a14:hiddenLine xmlns="" xmlns:a14="http://schemas.microsoft.com/office/drawing/2010/main" w="12700" cap="flat" cmpd="sng">
+              <a14:hiddenLine xmlns:a14="http://schemas.microsoft.com/office/drawing/2010/main" xmlns="" w="12700" cap="flat" cmpd="sng">
                 <a:solidFill>
                   <a:srgbClr val="000000"/>
                 </a:solidFill>
@@ -16860,7 +18334,7 @@
               </a14:hiddenLine>
             </a:ext>
             <a:ext uri="{AF507438-7753-43e0-B8FC-AC1667EBCBE1}">
-              <a14:hiddenEffects xmlns="" xmlns:a14="http://schemas.microsoft.com/office/drawing/2010/main">
+              <a14:hiddenEffects xmlns:a14="http://schemas.microsoft.com/office/drawing/2010/main" xmlns="">
                 <a:effectLst>
                   <a:outerShdw blurRad="63500" dist="38099" dir="2700000" algn="ctr" rotWithShape="0">
                     <a:srgbClr val="000000">
@@ -16971,14 +18445,14 @@
           <a:effectLst/>
           <a:extLst>
             <a:ext uri="{909E8E84-426E-40dd-AFC4-6F175D3DCCD1}">
-              <a14:hiddenFill xmlns="" xmlns:a14="http://schemas.microsoft.com/office/drawing/2010/main">
+              <a14:hiddenFill xmlns:a14="http://schemas.microsoft.com/office/drawing/2010/main" xmlns="">
                 <a:solidFill>
                   <a:srgbClr val="FFFFFF"/>
                 </a:solidFill>
               </a14:hiddenFill>
             </a:ext>
             <a:ext uri="{91240B29-F687-4f45-9708-019B960494DF}">
-              <a14:hiddenLine xmlns="" xmlns:a14="http://schemas.microsoft.com/office/drawing/2010/main" w="12700" cap="flat" cmpd="sng">
+              <a14:hiddenLine xmlns:a14="http://schemas.microsoft.com/office/drawing/2010/main" xmlns="" w="12700" cap="flat" cmpd="sng">
                 <a:solidFill>
                   <a:srgbClr val="000000"/>
                 </a:solidFill>
@@ -16989,7 +18463,7 @@
               </a14:hiddenLine>
             </a:ext>
             <a:ext uri="{AF507438-7753-43e0-B8FC-AC1667EBCBE1}">
-              <a14:hiddenEffects xmlns="" xmlns:a14="http://schemas.microsoft.com/office/drawing/2010/main">
+              <a14:hiddenEffects xmlns:a14="http://schemas.microsoft.com/office/drawing/2010/main" xmlns="">
                 <a:effectLst>
                   <a:outerShdw blurRad="63500" dist="38099" dir="2700000" algn="ctr" rotWithShape="0">
                     <a:srgbClr val="000000">
@@ -17829,14 +19303,14 @@
           <a:effectLst/>
           <a:extLst>
             <a:ext uri="{909E8E84-426E-40dd-AFC4-6F175D3DCCD1}">
-              <a14:hiddenFill xmlns:a14="http://schemas.microsoft.com/office/drawing/2010/main" xmlns="">
+              <a14:hiddenFill xmlns="" xmlns:a14="http://schemas.microsoft.com/office/drawing/2010/main">
                 <a:solidFill>
                   <a:srgbClr val="FFFFFF"/>
                 </a:solidFill>
               </a14:hiddenFill>
             </a:ext>
             <a:ext uri="{91240B29-F687-4f45-9708-019B960494DF}">
-              <a14:hiddenLine xmlns:a14="http://schemas.microsoft.com/office/drawing/2010/main" xmlns="" w="12700" cap="flat" cmpd="sng">
+              <a14:hiddenLine xmlns="" xmlns:a14="http://schemas.microsoft.com/office/drawing/2010/main" w="12700" cap="flat" cmpd="sng">
                 <a:solidFill>
                   <a:srgbClr val="000000"/>
                 </a:solidFill>
@@ -17847,7 +19321,7 @@
               </a14:hiddenLine>
             </a:ext>
             <a:ext uri="{AF507438-7753-43e0-B8FC-AC1667EBCBE1}">
-              <a14:hiddenEffects xmlns:a14="http://schemas.microsoft.com/office/drawing/2010/main" xmlns="">
+              <a14:hiddenEffects xmlns="" xmlns:a14="http://schemas.microsoft.com/office/drawing/2010/main">
                 <a:effectLst>
                   <a:outerShdw blurRad="63500" dist="38099" dir="2700000" algn="ctr" rotWithShape="0">
                     <a:srgbClr val="000000">
@@ -17958,14 +19432,14 @@
           <a:effectLst/>
           <a:extLst>
             <a:ext uri="{909E8E84-426E-40dd-AFC4-6F175D3DCCD1}">
-              <a14:hiddenFill xmlns:a14="http://schemas.microsoft.com/office/drawing/2010/main" xmlns="">
+              <a14:hiddenFill xmlns="" xmlns:a14="http://schemas.microsoft.com/office/drawing/2010/main">
                 <a:solidFill>
                   <a:srgbClr val="FFFFFF"/>
                 </a:solidFill>
               </a14:hiddenFill>
             </a:ext>
             <a:ext uri="{91240B29-F687-4f45-9708-019B960494DF}">
-              <a14:hiddenLine xmlns:a14="http://schemas.microsoft.com/office/drawing/2010/main" xmlns="" w="12700" cap="flat" cmpd="sng">
+              <a14:hiddenLine xmlns="" xmlns:a14="http://schemas.microsoft.com/office/drawing/2010/main" w="12700" cap="flat" cmpd="sng">
                 <a:solidFill>
                   <a:srgbClr val="000000"/>
                 </a:solidFill>
@@ -17976,7 +19450,7 @@
               </a14:hiddenLine>
             </a:ext>
             <a:ext uri="{AF507438-7753-43e0-B8FC-AC1667EBCBE1}">
-              <a14:hiddenEffects xmlns:a14="http://schemas.microsoft.com/office/drawing/2010/main" xmlns="">
+              <a14:hiddenEffects xmlns="" xmlns:a14="http://schemas.microsoft.com/office/drawing/2010/main">
                 <a:effectLst>
                   <a:outerShdw blurRad="63500" dist="38099" dir="2700000" algn="ctr" rotWithShape="0">
                     <a:srgbClr val="000000">
@@ -18081,6 +19555,104 @@
           </a:prstGeom>
         </p:spPr>
       </p:pic>
+      <p:sp>
+        <p:nvSpPr>
+          <p:cNvPr id="26" name="Rectangle 25"/>
+          <p:cNvSpPr/>
+          <p:nvPr/>
+        </p:nvSpPr>
+        <p:spPr>
+          <a:xfrm rot="5400000">
+            <a:off x="-2596683" y="3163669"/>
+            <a:ext cx="6096000" cy="1292662"/>
+          </a:xfrm>
+          <a:prstGeom prst="rect">
+            <a:avLst/>
+          </a:prstGeom>
+        </p:spPr>
+        <p:txBody>
+          <a:bodyPr>
+            <a:spAutoFit/>
+          </a:bodyPr>
+          <a:lstStyle/>
+          <a:p>
+            <a:pPr algn="r"/>
+            <a:r>
+              <a:rPr lang="vi-VN" sz="3200" spc="600" dirty="0">
+                <a:solidFill>
+                  <a:srgbClr val="8FAADC"/>
+                </a:solidFill>
+                <a:effectLst>
+                  <a:outerShdw blurRad="38100" dist="38100" dir="2700000" algn="tl">
+                    <a:srgbClr val="000000">
+                      <a:alpha val="43137"/>
+                    </a:srgbClr>
+                  </a:outerShdw>
+                </a:effectLst>
+                <a:latin typeface=".VnCooper" panose="020B7200000000000000" pitchFamily="34" charset="0"/>
+                <a:ea typeface="Raleway Black" charset="0"/>
+                <a:cs typeface="Raleway Black" charset="0"/>
+              </a:rPr>
+              <a:t>Java</a:t>
+            </a:r>
+            <a:endParaRPr lang="es-ES_tradnl" sz="3200" spc="600" dirty="0">
+              <a:solidFill>
+                <a:srgbClr val="8FAADC"/>
+              </a:solidFill>
+              <a:effectLst>
+                <a:outerShdw blurRad="38100" dist="38100" dir="2700000" algn="tl">
+                  <a:srgbClr val="000000">
+                    <a:alpha val="43137"/>
+                  </a:srgbClr>
+                </a:outerShdw>
+              </a:effectLst>
+              <a:latin typeface=".VnCooper" panose="020B7200000000000000" pitchFamily="34" charset="0"/>
+              <a:ea typeface="Raleway Black" charset="0"/>
+              <a:cs typeface="Raleway Black" charset="0"/>
+            </a:endParaRPr>
+          </a:p>
+          <a:p>
+            <a:pPr algn="r"/>
+            <a:r>
+              <a:rPr lang="vi-VN" sz="3200" dirty="0">
+                <a:solidFill>
+                  <a:schemeClr val="bg1">
+                    <a:lumMod val="50000"/>
+                  </a:schemeClr>
+                </a:solidFill>
+                <a:latin typeface=".VnCourier" panose="020B7200000000000000" pitchFamily="34" charset="0"/>
+              </a:rPr>
+              <a:t>Lap trinh he thong </a:t>
+            </a:r>
+            <a:endParaRPr lang="es-ES_tradnl" sz="3200" dirty="0">
+              <a:solidFill>
+                <a:schemeClr val="bg1">
+                  <a:lumMod val="50000"/>
+                </a:schemeClr>
+              </a:solidFill>
+              <a:latin typeface=".VnCourier" panose="020B7200000000000000" pitchFamily="34" charset="0"/>
+            </a:endParaRPr>
+          </a:p>
+          <a:p>
+            <a:pPr algn="r"/>
+            <a:endParaRPr lang="es-ES_tradnl" sz="1400" spc="600" dirty="0">
+              <a:solidFill>
+                <a:srgbClr val="8FAADC"/>
+              </a:solidFill>
+              <a:effectLst>
+                <a:outerShdw blurRad="38100" dist="38100" dir="2700000" algn="tl">
+                  <a:srgbClr val="000000">
+                    <a:alpha val="43137"/>
+                  </a:srgbClr>
+                </a:outerShdw>
+              </a:effectLst>
+              <a:latin typeface=".VnCooper" panose="020B7200000000000000" pitchFamily="34" charset="0"/>
+              <a:ea typeface="Raleway Black" charset="0"/>
+              <a:cs typeface="Raleway Black" charset="0"/>
+            </a:endParaRPr>
+          </a:p>
+        </p:txBody>
+      </p:sp>
     </p:spTree>
     <p:extLst>
       <p:ext uri="{BB962C8B-B14F-4D97-AF65-F5344CB8AC3E}">
@@ -19522,6 +21094,9 @@
   <p:clrMapOvr>
     <a:masterClrMapping/>
   </p:clrMapOvr>
+  <p:transition spd="slow">
+    <p:randomBar dir="vert"/>
+  </p:transition>
 </p:sld>
 </file>
 
@@ -19763,7 +21338,7 @@
         </p:blipFill>
         <p:spPr>
           <a:xfrm>
-            <a:off x="628493" y="1948607"/>
+            <a:off x="1607398" y="1986724"/>
             <a:ext cx="1090348" cy="1090348"/>
           </a:xfrm>
           <a:prstGeom prst="rect">
@@ -19869,7 +21444,7 @@
         </p:nvSpPr>
         <p:spPr>
           <a:xfrm>
-            <a:off x="388618" y="2057527"/>
+            <a:off x="1431081" y="2073416"/>
             <a:ext cx="137160" cy="872509"/>
           </a:xfrm>
           <a:prstGeom prst="rect">
@@ -19999,6 +21574,104 @@
           <a:p>
             <a:pPr algn="ctr"/>
             <a:endParaRPr lang="en-US"/>
+          </a:p>
+        </p:txBody>
+      </p:sp>
+      <p:sp>
+        <p:nvSpPr>
+          <p:cNvPr id="13" name="Rectangle 12"/>
+          <p:cNvSpPr/>
+          <p:nvPr/>
+        </p:nvSpPr>
+        <p:spPr>
+          <a:xfrm rot="5400000">
+            <a:off x="-2596683" y="3163669"/>
+            <a:ext cx="6096000" cy="1292662"/>
+          </a:xfrm>
+          <a:prstGeom prst="rect">
+            <a:avLst/>
+          </a:prstGeom>
+        </p:spPr>
+        <p:txBody>
+          <a:bodyPr>
+            <a:spAutoFit/>
+          </a:bodyPr>
+          <a:lstStyle/>
+          <a:p>
+            <a:pPr algn="r"/>
+            <a:r>
+              <a:rPr lang="vi-VN" sz="3200" spc="600" dirty="0">
+                <a:solidFill>
+                  <a:srgbClr val="8FAADC"/>
+                </a:solidFill>
+                <a:effectLst>
+                  <a:outerShdw blurRad="38100" dist="38100" dir="2700000" algn="tl">
+                    <a:srgbClr val="000000">
+                      <a:alpha val="43137"/>
+                    </a:srgbClr>
+                  </a:outerShdw>
+                </a:effectLst>
+                <a:latin typeface=".VnCooper" panose="020B7200000000000000" pitchFamily="34" charset="0"/>
+                <a:ea typeface="Raleway Black" charset="0"/>
+                <a:cs typeface="Raleway Black" charset="0"/>
+              </a:rPr>
+              <a:t>Java</a:t>
+            </a:r>
+            <a:endParaRPr lang="es-ES_tradnl" sz="3200" spc="600" dirty="0">
+              <a:solidFill>
+                <a:srgbClr val="8FAADC"/>
+              </a:solidFill>
+              <a:effectLst>
+                <a:outerShdw blurRad="38100" dist="38100" dir="2700000" algn="tl">
+                  <a:srgbClr val="000000">
+                    <a:alpha val="43137"/>
+                  </a:srgbClr>
+                </a:outerShdw>
+              </a:effectLst>
+              <a:latin typeface=".VnCooper" panose="020B7200000000000000" pitchFamily="34" charset="0"/>
+              <a:ea typeface="Raleway Black" charset="0"/>
+              <a:cs typeface="Raleway Black" charset="0"/>
+            </a:endParaRPr>
+          </a:p>
+          <a:p>
+            <a:pPr algn="r"/>
+            <a:r>
+              <a:rPr lang="vi-VN" sz="3200" dirty="0">
+                <a:solidFill>
+                  <a:schemeClr val="bg1">
+                    <a:lumMod val="50000"/>
+                  </a:schemeClr>
+                </a:solidFill>
+                <a:latin typeface=".VnCourier" panose="020B7200000000000000" pitchFamily="34" charset="0"/>
+              </a:rPr>
+              <a:t>Lap trinh he thong </a:t>
+            </a:r>
+            <a:endParaRPr lang="es-ES_tradnl" sz="3200" dirty="0">
+              <a:solidFill>
+                <a:schemeClr val="bg1">
+                  <a:lumMod val="50000"/>
+                </a:schemeClr>
+              </a:solidFill>
+              <a:latin typeface=".VnCourier" panose="020B7200000000000000" pitchFamily="34" charset="0"/>
+            </a:endParaRPr>
+          </a:p>
+          <a:p>
+            <a:pPr algn="r"/>
+            <a:endParaRPr lang="es-ES_tradnl" sz="1400" spc="600" dirty="0">
+              <a:solidFill>
+                <a:srgbClr val="8FAADC"/>
+              </a:solidFill>
+              <a:effectLst>
+                <a:outerShdw blurRad="38100" dist="38100" dir="2700000" algn="tl">
+                  <a:srgbClr val="000000">
+                    <a:alpha val="43137"/>
+                  </a:srgbClr>
+                </a:outerShdw>
+              </a:effectLst>
+              <a:latin typeface=".VnCooper" panose="020B7200000000000000" pitchFamily="34" charset="0"/>
+              <a:ea typeface="Raleway Black" charset="0"/>
+              <a:cs typeface="Raleway Black" charset="0"/>
+            </a:endParaRPr>
           </a:p>
         </p:txBody>
       </p:sp>

--- a/Slide/Presentation_final.pptx
+++ b/Slide/Presentation_final.pptx
@@ -5,7 +5,7 @@
     <p:sldMasterId id="2147483648" r:id="rId1"/>
   </p:sldMasterIdLst>
   <p:notesMasterIdLst>
-    <p:notesMasterId r:id="rId21"/>
+    <p:notesMasterId r:id="rId22"/>
   </p:notesMasterIdLst>
   <p:sldIdLst>
     <p:sldId id="259" r:id="rId2"/>
@@ -21,12 +21,13 @@
     <p:sldId id="276" r:id="rId12"/>
     <p:sldId id="277" r:id="rId13"/>
     <p:sldId id="265" r:id="rId14"/>
-    <p:sldId id="278" r:id="rId15"/>
-    <p:sldId id="271" r:id="rId16"/>
-    <p:sldId id="270" r:id="rId17"/>
-    <p:sldId id="272" r:id="rId18"/>
-    <p:sldId id="273" r:id="rId19"/>
-    <p:sldId id="274" r:id="rId20"/>
+    <p:sldId id="271" r:id="rId15"/>
+    <p:sldId id="270" r:id="rId16"/>
+    <p:sldId id="278" r:id="rId17"/>
+    <p:sldId id="279" r:id="rId18"/>
+    <p:sldId id="272" r:id="rId19"/>
+    <p:sldId id="273" r:id="rId20"/>
+    <p:sldId id="274" r:id="rId21"/>
   </p:sldIdLst>
   <p:sldSz cx="12192000" cy="6858000"/>
   <p:notesSz cx="6858000" cy="9144000"/>
@@ -1785,6 +1786,10 @@
           <a:bodyPr/>
           <a:lstStyle/>
           <a:p>
+            <a:r>
+              <a:rPr lang="vi-VN" dirty="0"/>
+              <a:t>Sau khi phân công công việc cụ thể hơn thì đồ án có tiến triển hơn, với sự hỗ trợ từ các khác</a:t>
+            </a:r>
             <a:endParaRPr lang="en-US" dirty="0"/>
           </a:p>
         </p:txBody>
@@ -1815,7 +1820,7 @@
     </p:spTree>
     <p:extLst>
       <p:ext uri="{BB962C8B-B14F-4D97-AF65-F5344CB8AC3E}">
-        <p14:creationId xmlns:p14="http://schemas.microsoft.com/office/powerpoint/2010/main" val="3827743362"/>
+        <p14:creationId xmlns:p14="http://schemas.microsoft.com/office/powerpoint/2010/main" val="2597249374"/>
       </p:ext>
     </p:extLst>
   </p:cSld>
@@ -1869,6 +1874,10 @@
           <a:bodyPr/>
           <a:lstStyle/>
           <a:p>
+            <a:r>
+              <a:rPr lang="vi-VN" dirty="0"/>
+              <a:t>Đây là kết quả của app android nhóm build, sau khi client kết nối </a:t>
+            </a:r>
             <a:endParaRPr lang="en-US" dirty="0"/>
           </a:p>
         </p:txBody>
@@ -1899,7 +1908,7 @@
     </p:spTree>
     <p:extLst>
       <p:ext uri="{BB962C8B-B14F-4D97-AF65-F5344CB8AC3E}">
-        <p14:creationId xmlns:p14="http://schemas.microsoft.com/office/powerpoint/2010/main" val="2597249374"/>
+        <p14:creationId xmlns:p14="http://schemas.microsoft.com/office/powerpoint/2010/main" val="2722232752"/>
       </p:ext>
     </p:extLst>
   </p:cSld>
@@ -1953,6 +1962,10 @@
           <a:bodyPr/>
           <a:lstStyle/>
           <a:p>
+            <a:r>
+              <a:rPr lang="vi-VN" dirty="0"/>
+              <a:t>Đây là kết quả của app android nhóm build, sau khi client kết nối </a:t>
+            </a:r>
             <a:endParaRPr lang="en-US" dirty="0"/>
           </a:p>
         </p:txBody>
@@ -1983,7 +1996,7 @@
     </p:spTree>
     <p:extLst>
       <p:ext uri="{BB962C8B-B14F-4D97-AF65-F5344CB8AC3E}">
-        <p14:creationId xmlns:p14="http://schemas.microsoft.com/office/powerpoint/2010/main" val="2722232752"/>
+        <p14:creationId xmlns:p14="http://schemas.microsoft.com/office/powerpoint/2010/main" val="2095475704"/>
       </p:ext>
     </p:extLst>
   </p:cSld>
@@ -2037,6 +2050,10 @@
           <a:bodyPr/>
           <a:lstStyle/>
           <a:p>
+            <a:r>
+              <a:rPr lang="vi-VN" dirty="0"/>
+              <a:t>Đây là kết quả của app android nhóm build, sau khi client kết nối </a:t>
+            </a:r>
             <a:endParaRPr lang="en-US" dirty="0"/>
           </a:p>
         </p:txBody>
@@ -2067,7 +2084,7 @@
     </p:spTree>
     <p:extLst>
       <p:ext uri="{BB962C8B-B14F-4D97-AF65-F5344CB8AC3E}">
-        <p14:creationId xmlns:p14="http://schemas.microsoft.com/office/powerpoint/2010/main" val="1674145566"/>
+        <p14:creationId xmlns:p14="http://schemas.microsoft.com/office/powerpoint/2010/main" val="3405097036"/>
       </p:ext>
     </p:extLst>
   </p:cSld>
@@ -2121,10 +2138,6 @@
           <a:bodyPr/>
           <a:lstStyle/>
           <a:p>
-            <a:r>
-              <a:rPr lang="vi-VN" dirty="0"/>
-              <a:t>Mời thầy nhận xét và vấn đáp với các bạn.</a:t>
-            </a:r>
             <a:endParaRPr lang="en-US" dirty="0"/>
           </a:p>
         </p:txBody>
@@ -2147,6 +2160,94 @@
             <a:fld id="{5CFE8131-1A4A-408E-9028-BD879A72127D}" type="slidenum">
               <a:rPr lang="en-US" smtClean="0"/>
               <a:t>18</a:t>
+            </a:fld>
+            <a:endParaRPr lang="en-US"/>
+          </a:p>
+        </p:txBody>
+      </p:sp>
+    </p:spTree>
+    <p:extLst>
+      <p:ext uri="{BB962C8B-B14F-4D97-AF65-F5344CB8AC3E}">
+        <p14:creationId xmlns:p14="http://schemas.microsoft.com/office/powerpoint/2010/main" val="1674145566"/>
+      </p:ext>
+    </p:extLst>
+  </p:cSld>
+  <p:clrMapOvr>
+    <a:masterClrMapping/>
+  </p:clrMapOvr>
+</p:notes>
+</file>
+
+<file path=ppt/notesSlides/notesSlide18.xml><?xml version="1.0" encoding="utf-8"?>
+<p:notes xmlns:a="http://schemas.openxmlformats.org/drawingml/2006/main" xmlns:r="http://schemas.openxmlformats.org/officeDocument/2006/relationships" xmlns:p="http://schemas.openxmlformats.org/presentationml/2006/main">
+  <p:cSld>
+    <p:spTree>
+      <p:nvGrpSpPr>
+        <p:cNvPr id="1" name=""/>
+        <p:cNvGrpSpPr/>
+        <p:nvPr/>
+      </p:nvGrpSpPr>
+      <p:grpSpPr>
+        <a:xfrm>
+          <a:off x="0" y="0"/>
+          <a:ext cx="0" cy="0"/>
+          <a:chOff x="0" y="0"/>
+          <a:chExt cx="0" cy="0"/>
+        </a:xfrm>
+      </p:grpSpPr>
+      <p:sp>
+        <p:nvSpPr>
+          <p:cNvPr id="2" name="Slide Image Placeholder 1"/>
+          <p:cNvSpPr>
+            <a:spLocks noGrp="1" noRot="1" noChangeAspect="1"/>
+          </p:cNvSpPr>
+          <p:nvPr>
+            <p:ph type="sldImg"/>
+          </p:nvPr>
+        </p:nvSpPr>
+        <p:spPr/>
+      </p:sp>
+      <p:sp>
+        <p:nvSpPr>
+          <p:cNvPr id="3" name="Notes Placeholder 2"/>
+          <p:cNvSpPr>
+            <a:spLocks noGrp="1"/>
+          </p:cNvSpPr>
+          <p:nvPr>
+            <p:ph type="body" idx="1"/>
+          </p:nvPr>
+        </p:nvSpPr>
+        <p:spPr/>
+        <p:txBody>
+          <a:bodyPr/>
+          <a:lstStyle/>
+          <a:p>
+            <a:r>
+              <a:rPr lang="vi-VN" dirty="0"/>
+              <a:t>Mời thầy nhận xét và vấn đáp với các bạn.</a:t>
+            </a:r>
+            <a:endParaRPr lang="en-US" dirty="0"/>
+          </a:p>
+        </p:txBody>
+      </p:sp>
+      <p:sp>
+        <p:nvSpPr>
+          <p:cNvPr id="4" name="Slide Number Placeholder 3"/>
+          <p:cNvSpPr>
+            <a:spLocks noGrp="1"/>
+          </p:cNvSpPr>
+          <p:nvPr>
+            <p:ph type="sldNum" sz="quarter" idx="10"/>
+          </p:nvPr>
+        </p:nvSpPr>
+        <p:spPr/>
+        <p:txBody>
+          <a:bodyPr/>
+          <a:lstStyle/>
+          <a:p>
+            <a:fld id="{5CFE8131-1A4A-408E-9028-BD879A72127D}" type="slidenum">
+              <a:rPr lang="en-US" smtClean="0"/>
+              <a:t>19</a:t>
             </a:fld>
             <a:endParaRPr lang="en-US"/>
           </a:p>
@@ -6727,7 +6828,45 @@
                 </a:effectLst>
                 <a:latin typeface="Eras Bold ITC" panose="020B0907030504020204" pitchFamily="34" charset="0"/>
               </a:rPr>
-              <a:t> hercules</a:t>
+              <a:t> </a:t>
+            </a:r>
+            <a:r>
+              <a:rPr lang="en-US" sz="7200" i="1" spc="-300" dirty="0">
+                <a:solidFill>
+                  <a:schemeClr val="accent1">
+                    <a:lumMod val="60000"/>
+                    <a:lumOff val="40000"/>
+                  </a:schemeClr>
+                </a:solidFill>
+                <a:effectLst>
+                  <a:outerShdw blurRad="38100" dist="38100" dir="2700000" algn="tl">
+                    <a:srgbClr val="000000">
+                      <a:alpha val="43137"/>
+                    </a:srgbClr>
+                  </a:outerShdw>
+                </a:effectLst>
+                <a:latin typeface="Eras Bold ITC" panose="020B0907030504020204" pitchFamily="34" charset="0"/>
+              </a:rPr>
+              <a:t>H</a:t>
+            </a:r>
+            <a:r>
+              <a:rPr lang="vi-VN" sz="7200" i="1" spc="-300" dirty="0">
+                <a:solidFill>
+                  <a:schemeClr val="accent1">
+                    <a:lumMod val="60000"/>
+                    <a:lumOff val="40000"/>
+                  </a:schemeClr>
+                </a:solidFill>
+                <a:effectLst>
+                  <a:outerShdw blurRad="38100" dist="38100" dir="2700000" algn="tl">
+                    <a:srgbClr val="000000">
+                      <a:alpha val="43137"/>
+                    </a:srgbClr>
+                  </a:outerShdw>
+                </a:effectLst>
+                <a:latin typeface="Eras Bold ITC" panose="020B0907030504020204" pitchFamily="34" charset="0"/>
+              </a:rPr>
+              <a:t>ercules</a:t>
             </a:r>
             <a:endParaRPr lang="en-US" sz="7200" i="1" spc="-300" dirty="0">
               <a:solidFill>
@@ -7112,16 +7251,24 @@
                             </p:stCondLst>
                             <p:childTnLst>
                               <p:par>
-                                <p:cTn id="9" presetID="1" presetClass="exit" presetSubtype="0" fill="hold" grpId="0" nodeType="clickEffect">
+                                <p:cTn id="9" presetID="10" presetClass="exit" presetSubtype="0" fill="hold" grpId="0" nodeType="clickEffect">
                                   <p:stCondLst>
                                     <p:cond delay="0"/>
                                   </p:stCondLst>
                                   <p:childTnLst>
+                                    <p:animEffect transition="out" filter="fade">
+                                      <p:cBhvr>
+                                        <p:cTn id="10" dur="500"/>
+                                        <p:tgtEl>
+                                          <p:spTgt spid="5"/>
+                                        </p:tgtEl>
+                                      </p:cBhvr>
+                                    </p:animEffect>
                                     <p:set>
                                       <p:cBhvr>
-                                        <p:cTn id="10" dur="1" fill="hold">
+                                        <p:cTn id="11" dur="1" fill="hold">
                                           <p:stCondLst>
-                                            <p:cond delay="0"/>
+                                            <p:cond delay="499"/>
                                           </p:stCondLst>
                                         </p:cTn>
                                         <p:tgtEl>
@@ -7270,36 +7417,6 @@
           </a:p>
         </p:txBody>
       </p:sp>
-      <p:sp>
-        <p:nvSpPr>
-          <p:cNvPr id="16" name="Rectangle 15"/>
-          <p:cNvSpPr/>
-          <p:nvPr/>
-        </p:nvSpPr>
-        <p:spPr>
-          <a:xfrm>
-            <a:off x="11335904" y="6265251"/>
-            <a:ext cx="320922" cy="369332"/>
-          </a:xfrm>
-          <a:prstGeom prst="rect">
-            <a:avLst/>
-          </a:prstGeom>
-        </p:spPr>
-        <p:txBody>
-          <a:bodyPr wrap="none">
-            <a:spAutoFit/>
-          </a:bodyPr>
-          <a:lstStyle/>
-          <a:p>
-            <a:r>
-              <a:rPr lang="en-US" dirty="0">
-                <a:latin typeface=".VnArabia" panose="020B7200000000000000" pitchFamily="34" charset="0"/>
-              </a:rPr>
-              <a:t>6</a:t>
-            </a:r>
-          </a:p>
-        </p:txBody>
-      </p:sp>
       <p:pic>
         <p:nvPicPr>
           <p:cNvPr id="3" name="Picture 2"/>
@@ -7714,36 +7831,6 @@
           </a:p>
         </p:txBody>
       </p:sp>
-      <p:sp>
-        <p:nvSpPr>
-          <p:cNvPr id="16" name="Rectangle 15"/>
-          <p:cNvSpPr/>
-          <p:nvPr/>
-        </p:nvSpPr>
-        <p:spPr>
-          <a:xfrm>
-            <a:off x="11335904" y="6265251"/>
-            <a:ext cx="320922" cy="369332"/>
-          </a:xfrm>
-          <a:prstGeom prst="rect">
-            <a:avLst/>
-          </a:prstGeom>
-        </p:spPr>
-        <p:txBody>
-          <a:bodyPr wrap="none">
-            <a:spAutoFit/>
-          </a:bodyPr>
-          <a:lstStyle/>
-          <a:p>
-            <a:r>
-              <a:rPr lang="en-US" dirty="0">
-                <a:latin typeface=".VnArabia" panose="020B7200000000000000" pitchFamily="34" charset="0"/>
-              </a:rPr>
-              <a:t>6</a:t>
-            </a:r>
-          </a:p>
-        </p:txBody>
-      </p:sp>
       <p:pic>
         <p:nvPicPr>
           <p:cNvPr id="3" name="Picture 2"/>
@@ -8173,36 +8260,6 @@
               </a:solidFill>
               <a:latin typeface="Raleway Black" panose="020B0604020202020204" charset="0"/>
             </a:endParaRPr>
-          </a:p>
-        </p:txBody>
-      </p:sp>
-      <p:sp>
-        <p:nvSpPr>
-          <p:cNvPr id="16" name="Rectangle 15"/>
-          <p:cNvSpPr/>
-          <p:nvPr/>
-        </p:nvSpPr>
-        <p:spPr>
-          <a:xfrm>
-            <a:off x="11335904" y="6265251"/>
-            <a:ext cx="320922" cy="369332"/>
-          </a:xfrm>
-          <a:prstGeom prst="rect">
-            <a:avLst/>
-          </a:prstGeom>
-        </p:spPr>
-        <p:txBody>
-          <a:bodyPr wrap="none">
-            <a:spAutoFit/>
-          </a:bodyPr>
-          <a:lstStyle/>
-          <a:p>
-            <a:r>
-              <a:rPr lang="en-US" dirty="0">
-                <a:latin typeface=".VnArabia" panose="020B7200000000000000" pitchFamily="34" charset="0"/>
-              </a:rPr>
-              <a:t>6</a:t>
-            </a:r>
           </a:p>
         </p:txBody>
       </p:sp>
@@ -8757,7 +8814,7 @@
         </p:blipFill>
         <p:spPr>
           <a:xfrm>
-            <a:off x="5500840" y="3708116"/>
+            <a:off x="1707754" y="4363459"/>
             <a:ext cx="1850991" cy="1850991"/>
           </a:xfrm>
           <a:prstGeom prst="rect">
@@ -8787,7 +8844,7 @@
         </p:blipFill>
         <p:spPr>
           <a:xfrm flipH="1">
-            <a:off x="8660865" y="1408074"/>
+            <a:off x="10359559" y="365700"/>
             <a:ext cx="1476834" cy="1476834"/>
           </a:xfrm>
           <a:prstGeom prst="rect">
@@ -8847,7 +8904,7 @@
         </p:blipFill>
         <p:spPr>
           <a:xfrm>
-            <a:off x="8747769" y="3947317"/>
+            <a:off x="8378752" y="230744"/>
             <a:ext cx="1611790" cy="1611790"/>
           </a:xfrm>
           <a:prstGeom prst="rect">
@@ -8907,7 +8964,7 @@
         </p:blipFill>
         <p:spPr>
           <a:xfrm>
-            <a:off x="5841435" y="1455414"/>
+            <a:off x="1310424" y="1750946"/>
             <a:ext cx="1325880" cy="1325880"/>
           </a:xfrm>
           <a:prstGeom prst="rect">
@@ -9132,14 +9189,54 @@
                             </p:stCondLst>
                             <p:childTnLst>
                               <p:par>
-                                <p:cTn id="13" presetID="22" presetClass="entr" presetSubtype="4" fill="hold" nodeType="clickEffect">
+                                <p:cTn id="13" presetID="37" presetClass="path" presetSubtype="0" accel="50000" decel="50000" fill="hold" nodeType="clickEffect">
+                                  <p:stCondLst>
+                                    <p:cond delay="0"/>
+                                  </p:stCondLst>
+                                  <p:childTnLst>
+                                    <p:animMotion origin="layout" path="M 1.04167E-6 -1.85185E-6 L 0.09297 -0.07176 C 0.11224 -0.08796 0.14128 -0.09653 0.17174 -0.09653 C 0.20651 -0.09653 0.23424 -0.08796 0.25351 -0.07176 L 0.34661 -1.85185E-6 " pathEditMode="relative" rAng="0" ptsTypes="AAAAA">
+                                      <p:cBhvr>
+                                        <p:cTn id="14" dur="2000" fill="hold"/>
+                                        <p:tgtEl>
+                                          <p:spTgt spid="42"/>
+                                        </p:tgtEl>
+                                        <p:attrNameLst>
+                                          <p:attrName>ppt_x</p:attrName>
+                                          <p:attrName>ppt_y</p:attrName>
+                                        </p:attrNameLst>
+                                      </p:cBhvr>
+                                      <p:rCtr x="17331" y="-4838"/>
+                                    </p:animMotion>
+                                  </p:childTnLst>
+                                </p:cTn>
+                              </p:par>
+                            </p:childTnLst>
+                          </p:cTn>
+                        </p:par>
+                      </p:childTnLst>
+                    </p:cTn>
+                  </p:par>
+                  <p:par>
+                    <p:cTn id="15" fill="hold">
+                      <p:stCondLst>
+                        <p:cond delay="indefinite"/>
+                      </p:stCondLst>
+                      <p:childTnLst>
+                        <p:par>
+                          <p:cTn id="16" fill="hold">
+                            <p:stCondLst>
+                              <p:cond delay="0"/>
+                            </p:stCondLst>
+                            <p:childTnLst>
+                              <p:par>
+                                <p:cTn id="17" presetID="16" presetClass="entr" presetSubtype="21" fill="hold" nodeType="clickEffect">
                                   <p:stCondLst>
                                     <p:cond delay="0"/>
                                   </p:stCondLst>
                                   <p:childTnLst>
                                     <p:set>
                                       <p:cBhvr>
-                                        <p:cTn id="14" dur="1" fill="hold">
+                                        <p:cTn id="18" dur="1" fill="hold">
                                           <p:stCondLst>
                                             <p:cond delay="0"/>
                                           </p:stCondLst>
@@ -9155,9 +9252,9 @@
                                         <p:strVal val="visible"/>
                                       </p:to>
                                     </p:set>
-                                    <p:animEffect transition="in" filter="wipe(down)">
+                                    <p:animEffect transition="in" filter="barn(inVertical)">
                                       <p:cBhvr>
-                                        <p:cTn id="15" dur="500"/>
+                                        <p:cTn id="19" dur="500"/>
                                         <p:tgtEl>
                                           <p:spTgt spid="34"/>
                                         </p:tgtEl>
@@ -9173,26 +9270,66 @@
                     </p:cTn>
                   </p:par>
                   <p:par>
-                    <p:cTn id="16" fill="hold">
+                    <p:cTn id="20" fill="hold">
                       <p:stCondLst>
                         <p:cond delay="indefinite"/>
                       </p:stCondLst>
                       <p:childTnLst>
                         <p:par>
-                          <p:cTn id="17" fill="hold">
+                          <p:cTn id="21" fill="hold">
                             <p:stCondLst>
                               <p:cond delay="0"/>
                             </p:stCondLst>
                             <p:childTnLst>
                               <p:par>
-                                <p:cTn id="18" presetID="42" presetClass="entr" presetSubtype="0" fill="hold" nodeType="clickEffect">
+                                <p:cTn id="22" presetID="50" presetClass="path" presetSubtype="0" accel="50000" decel="50000" fill="hold" nodeType="clickEffect">
+                                  <p:stCondLst>
+                                    <p:cond delay="0"/>
+                                  </p:stCondLst>
+                                  <p:childTnLst>
+                                    <p:animMotion origin="layout" path="M 3.54167E-6 3.7037E-7 L -0.0681 3.7037E-7 C -0.0987 3.7037E-7 -0.1362 0.04931 -0.1362 0.08958 L -0.1362 0.17917 " pathEditMode="relative" rAng="0" ptsTypes="AAAA">
+                                      <p:cBhvr>
+                                        <p:cTn id="23" dur="2000" fill="hold"/>
+                                        <p:tgtEl>
+                                          <p:spTgt spid="34"/>
+                                        </p:tgtEl>
+                                        <p:attrNameLst>
+                                          <p:attrName>ppt_x</p:attrName>
+                                          <p:attrName>ppt_y</p:attrName>
+                                        </p:attrNameLst>
+                                      </p:cBhvr>
+                                      <p:rCtr x="-6810" y="8958"/>
+                                    </p:animMotion>
+                                  </p:childTnLst>
+                                </p:cTn>
+                              </p:par>
+                            </p:childTnLst>
+                          </p:cTn>
+                        </p:par>
+                      </p:childTnLst>
+                    </p:cTn>
+                  </p:par>
+                  <p:par>
+                    <p:cTn id="24" fill="hold">
+                      <p:stCondLst>
+                        <p:cond delay="indefinite"/>
+                      </p:stCondLst>
+                      <p:childTnLst>
+                        <p:par>
+                          <p:cTn id="25" fill="hold">
+                            <p:stCondLst>
+                              <p:cond delay="0"/>
+                            </p:stCondLst>
+                            <p:childTnLst>
+                              <p:par>
+                                <p:cTn id="26" presetID="6" presetClass="entr" presetSubtype="16" fill="hold" nodeType="clickEffect">
                                   <p:stCondLst>
                                     <p:cond delay="0"/>
                                   </p:stCondLst>
                                   <p:childTnLst>
                                     <p:set>
                                       <p:cBhvr>
-                                        <p:cTn id="19" dur="1" fill="hold">
+                                        <p:cTn id="27" dur="1" fill="hold">
                                           <p:stCondLst>
                                             <p:cond delay="0"/>
                                           </p:stCondLst>
@@ -9208,60 +9345,14 @@
                                         <p:strVal val="visible"/>
                                       </p:to>
                                     </p:set>
-                                    <p:animEffect transition="in" filter="fade">
+                                    <p:animEffect transition="in" filter="circle(in)">
                                       <p:cBhvr>
-                                        <p:cTn id="20" dur="1000"/>
+                                        <p:cTn id="28" dur="2000"/>
                                         <p:tgtEl>
                                           <p:spTgt spid="38"/>
                                         </p:tgtEl>
                                       </p:cBhvr>
                                     </p:animEffect>
-                                    <p:anim calcmode="lin" valueType="num">
-                                      <p:cBhvr>
-                                        <p:cTn id="21" dur="1000" fill="hold"/>
-                                        <p:tgtEl>
-                                          <p:spTgt spid="38"/>
-                                        </p:tgtEl>
-                                        <p:attrNameLst>
-                                          <p:attrName>ppt_x</p:attrName>
-                                        </p:attrNameLst>
-                                      </p:cBhvr>
-                                      <p:tavLst>
-                                        <p:tav tm="0">
-                                          <p:val>
-                                            <p:strVal val="#ppt_x"/>
-                                          </p:val>
-                                        </p:tav>
-                                        <p:tav tm="100000">
-                                          <p:val>
-                                            <p:strVal val="#ppt_x"/>
-                                          </p:val>
-                                        </p:tav>
-                                      </p:tavLst>
-                                    </p:anim>
-                                    <p:anim calcmode="lin" valueType="num">
-                                      <p:cBhvr>
-                                        <p:cTn id="22" dur="1000" fill="hold"/>
-                                        <p:tgtEl>
-                                          <p:spTgt spid="38"/>
-                                        </p:tgtEl>
-                                        <p:attrNameLst>
-                                          <p:attrName>ppt_y</p:attrName>
-                                        </p:attrNameLst>
-                                      </p:cBhvr>
-                                      <p:tavLst>
-                                        <p:tav tm="0">
-                                          <p:val>
-                                            <p:strVal val="#ppt_y+.1"/>
-                                          </p:val>
-                                        </p:tav>
-                                        <p:tav tm="100000">
-                                          <p:val>
-                                            <p:strVal val="#ppt_y"/>
-                                          </p:val>
-                                        </p:tav>
-                                      </p:tavLst>
-                                    </p:anim>
                                   </p:childTnLst>
                                 </p:cTn>
                               </p:par>
@@ -9272,26 +9363,66 @@
                     </p:cTn>
                   </p:par>
                   <p:par>
-                    <p:cTn id="23" fill="hold">
+                    <p:cTn id="29" fill="hold">
                       <p:stCondLst>
                         <p:cond delay="indefinite"/>
                       </p:stCondLst>
                       <p:childTnLst>
                         <p:par>
-                          <p:cTn id="24" fill="hold">
+                          <p:cTn id="30" fill="hold">
                             <p:stCondLst>
                               <p:cond delay="0"/>
                             </p:stCondLst>
                             <p:childTnLst>
                               <p:par>
-                                <p:cTn id="25" presetID="10" presetClass="entr" presetSubtype="0" fill="hold" nodeType="clickEffect">
+                                <p:cTn id="31" presetID="42" presetClass="path" presetSubtype="0" accel="50000" decel="50000" fill="hold" nodeType="clickEffect">
+                                  <p:stCondLst>
+                                    <p:cond delay="0"/>
+                                  </p:stCondLst>
+                                  <p:childTnLst>
+                                    <p:animMotion origin="layout" path="M 4.79167E-6 2.59259E-6 L 0.02083 0.55115 " pathEditMode="relative" rAng="0" ptsTypes="AA">
+                                      <p:cBhvr>
+                                        <p:cTn id="32" dur="2000" fill="hold"/>
+                                        <p:tgtEl>
+                                          <p:spTgt spid="38"/>
+                                        </p:tgtEl>
+                                        <p:attrNameLst>
+                                          <p:attrName>ppt_x</p:attrName>
+                                          <p:attrName>ppt_y</p:attrName>
+                                        </p:attrNameLst>
+                                      </p:cBhvr>
+                                      <p:rCtr x="1042" y="27546"/>
+                                    </p:animMotion>
+                                  </p:childTnLst>
+                                </p:cTn>
+                              </p:par>
+                            </p:childTnLst>
+                          </p:cTn>
+                        </p:par>
+                      </p:childTnLst>
+                    </p:cTn>
+                  </p:par>
+                  <p:par>
+                    <p:cTn id="33" fill="hold">
+                      <p:stCondLst>
+                        <p:cond delay="indefinite"/>
+                      </p:stCondLst>
+                      <p:childTnLst>
+                        <p:par>
+                          <p:cTn id="34" fill="hold">
+                            <p:stCondLst>
+                              <p:cond delay="0"/>
+                            </p:stCondLst>
+                            <p:childTnLst>
+                              <p:par>
+                                <p:cTn id="35" presetID="22" presetClass="entr" presetSubtype="4" fill="hold" nodeType="clickEffect">
                                   <p:stCondLst>
                                     <p:cond delay="0"/>
                                   </p:stCondLst>
                                   <p:childTnLst>
                                     <p:set>
                                       <p:cBhvr>
-                                        <p:cTn id="26" dur="1" fill="hold">
+                                        <p:cTn id="36" dur="1" fill="hold">
                                           <p:stCondLst>
                                             <p:cond delay="0"/>
                                           </p:stCondLst>
@@ -9307,9 +9438,9 @@
                                         <p:strVal val="visible"/>
                                       </p:to>
                                     </p:set>
-                                    <p:animEffect transition="in" filter="fade">
+                                    <p:animEffect transition="in" filter="wipe(down)">
                                       <p:cBhvr>
-                                        <p:cTn id="27" dur="500"/>
+                                        <p:cTn id="37" dur="500"/>
                                         <p:tgtEl>
                                           <p:spTgt spid="32"/>
                                         </p:tgtEl>
@@ -9325,26 +9456,66 @@
                     </p:cTn>
                   </p:par>
                   <p:par>
-                    <p:cTn id="28" fill="hold">
+                    <p:cTn id="38" fill="hold">
                       <p:stCondLst>
                         <p:cond delay="indefinite"/>
                       </p:stCondLst>
                       <p:childTnLst>
                         <p:par>
-                          <p:cTn id="29" fill="hold">
+                          <p:cTn id="39" fill="hold">
                             <p:stCondLst>
                               <p:cond delay="0"/>
                             </p:stCondLst>
                             <p:childTnLst>
                               <p:par>
-                                <p:cTn id="30" presetID="6" presetClass="entr" presetSubtype="16" fill="hold" nodeType="clickEffect">
+                                <p:cTn id="40" presetID="37" presetClass="path" presetSubtype="0" accel="50000" decel="50000" fill="hold" nodeType="clickEffect">
+                                  <p:stCondLst>
+                                    <p:cond delay="0"/>
+                                  </p:stCondLst>
+                                  <p:childTnLst>
+                                    <p:animMotion origin="layout" path="M 4.375E-6 -0.10463 L 0.08007 0.01296 C 0.09674 0.03958 0.12187 0.05393 0.14817 0.05393 C 0.17812 0.05393 0.20208 0.03958 0.21875 0.01296 L 0.29895 -0.10463 " pathEditMode="relative" rAng="0" ptsTypes="AAAAA">
+                                      <p:cBhvr>
+                                        <p:cTn id="41" dur="2000" fill="hold"/>
+                                        <p:tgtEl>
+                                          <p:spTgt spid="32"/>
+                                        </p:tgtEl>
+                                        <p:attrNameLst>
+                                          <p:attrName>ppt_x</p:attrName>
+                                          <p:attrName>ppt_y</p:attrName>
+                                        </p:attrNameLst>
+                                      </p:cBhvr>
+                                      <p:rCtr x="14948" y="7917"/>
+                                    </p:animMotion>
+                                  </p:childTnLst>
+                                </p:cTn>
+                              </p:par>
+                            </p:childTnLst>
+                          </p:cTn>
+                        </p:par>
+                      </p:childTnLst>
+                    </p:cTn>
+                  </p:par>
+                  <p:par>
+                    <p:cTn id="42" fill="hold">
+                      <p:stCondLst>
+                        <p:cond delay="indefinite"/>
+                      </p:stCondLst>
+                      <p:childTnLst>
+                        <p:par>
+                          <p:cTn id="43" fill="hold">
+                            <p:stCondLst>
+                              <p:cond delay="0"/>
+                            </p:stCondLst>
+                            <p:childTnLst>
+                              <p:par>
+                                <p:cTn id="44" presetID="21" presetClass="entr" presetSubtype="1" fill="hold" nodeType="clickEffect">
                                   <p:stCondLst>
                                     <p:cond delay="0"/>
                                   </p:stCondLst>
                                   <p:childTnLst>
                                     <p:set>
                                       <p:cBhvr>
-                                        <p:cTn id="31" dur="1" fill="hold">
+                                        <p:cTn id="45" dur="1" fill="hold">
                                           <p:stCondLst>
                                             <p:cond delay="0"/>
                                           </p:stCondLst>
@@ -9360,9 +9531,9 @@
                                         <p:strVal val="visible"/>
                                       </p:to>
                                     </p:set>
-                                    <p:animEffect transition="in" filter="circle(in)">
+                                    <p:animEffect transition="in" filter="wheel(1)">
                                       <p:cBhvr>
-                                        <p:cTn id="32" dur="2000"/>
+                                        <p:cTn id="46" dur="2000"/>
                                         <p:tgtEl>
                                           <p:spTgt spid="40"/>
                                         </p:tgtEl>
@@ -9403,333 +9574,6 @@
 </file>
 
 <file path=ppt/slides/slide14.xml><?xml version="1.0" encoding="utf-8"?>
-<p:sld xmlns:a="http://schemas.openxmlformats.org/drawingml/2006/main" xmlns:r="http://schemas.openxmlformats.org/officeDocument/2006/relationships" xmlns:p="http://schemas.openxmlformats.org/presentationml/2006/main">
-  <p:cSld>
-    <p:bg>
-      <p:bgPr>
-        <a:gradFill flip="none" rotWithShape="1">
-          <a:gsLst>
-            <a:gs pos="74000">
-              <a:schemeClr val="bg1"/>
-            </a:gs>
-            <a:gs pos="100000">
-              <a:schemeClr val="accent1">
-                <a:lumMod val="45000"/>
-                <a:lumOff val="55000"/>
-              </a:schemeClr>
-            </a:gs>
-            <a:gs pos="83000">
-              <a:schemeClr val="accent1">
-                <a:lumMod val="45000"/>
-                <a:lumOff val="55000"/>
-              </a:schemeClr>
-            </a:gs>
-            <a:gs pos="100000">
-              <a:schemeClr val="accent1">
-                <a:lumMod val="30000"/>
-                <a:lumOff val="70000"/>
-              </a:schemeClr>
-            </a:gs>
-          </a:gsLst>
-          <a:lin ang="8100000" scaled="1"/>
-          <a:tileRect/>
-        </a:gradFill>
-        <a:effectLst/>
-      </p:bgPr>
-    </p:bg>
-    <p:spTree>
-      <p:nvGrpSpPr>
-        <p:cNvPr id="1" name=""/>
-        <p:cNvGrpSpPr/>
-        <p:nvPr/>
-      </p:nvGrpSpPr>
-      <p:grpSpPr>
-        <a:xfrm>
-          <a:off x="0" y="0"/>
-          <a:ext cx="0" cy="0"/>
-          <a:chOff x="0" y="0"/>
-          <a:chExt cx="0" cy="0"/>
-        </a:xfrm>
-      </p:grpSpPr>
-      <p:sp>
-        <p:nvSpPr>
-          <p:cNvPr id="4" name="Rectangle 3"/>
-          <p:cNvSpPr/>
-          <p:nvPr/>
-        </p:nvSpPr>
-        <p:spPr>
-          <a:xfrm>
-            <a:off x="457198" y="135923"/>
-            <a:ext cx="3101547" cy="1615023"/>
-          </a:xfrm>
-          <a:prstGeom prst="rect">
-            <a:avLst/>
-          </a:prstGeom>
-          <a:noFill/>
-          <a:ln>
-            <a:noFill/>
-          </a:ln>
-        </p:spPr>
-        <p:style>
-          <a:lnRef idx="2">
-            <a:schemeClr val="accent1">
-              <a:shade val="50000"/>
-            </a:schemeClr>
-          </a:lnRef>
-          <a:fillRef idx="1">
-            <a:schemeClr val="accent1"/>
-          </a:fillRef>
-          <a:effectRef idx="0">
-            <a:schemeClr val="accent1"/>
-          </a:effectRef>
-          <a:fontRef idx="minor">
-            <a:schemeClr val="lt1"/>
-          </a:fontRef>
-        </p:style>
-        <p:txBody>
-          <a:bodyPr rtlCol="0" anchor="ctr"/>
-          <a:lstStyle/>
-          <a:p>
-            <a:pPr algn="ctr"/>
-            <a:endParaRPr lang="en-US" sz="4400" dirty="0">
-              <a:solidFill>
-                <a:srgbClr val="8FAADC"/>
-              </a:solidFill>
-              <a:latin typeface="Raleway Black" panose="020B0604020202020204" charset="0"/>
-            </a:endParaRPr>
-          </a:p>
-        </p:txBody>
-      </p:sp>
-      <p:sp>
-        <p:nvSpPr>
-          <p:cNvPr id="16" name="Rectangle 15"/>
-          <p:cNvSpPr/>
-          <p:nvPr/>
-        </p:nvSpPr>
-        <p:spPr>
-          <a:xfrm>
-            <a:off x="11335904" y="6265251"/>
-            <a:ext cx="308098" cy="369332"/>
-          </a:xfrm>
-          <a:prstGeom prst="rect">
-            <a:avLst/>
-          </a:prstGeom>
-        </p:spPr>
-        <p:txBody>
-          <a:bodyPr wrap="none">
-            <a:spAutoFit/>
-          </a:bodyPr>
-          <a:lstStyle/>
-          <a:p>
-            <a:r>
-              <a:rPr lang="en-US" dirty="0">
-                <a:latin typeface=".VnArabia" panose="020B7200000000000000" pitchFamily="34" charset="0"/>
-              </a:rPr>
-              <a:t>7</a:t>
-            </a:r>
-          </a:p>
-        </p:txBody>
-      </p:sp>
-      <p:pic>
-        <p:nvPicPr>
-          <p:cNvPr id="3" name="Picture 2"/>
-          <p:cNvPicPr>
-            <a:picLocks noChangeAspect="1"/>
-          </p:cNvPicPr>
-          <p:nvPr/>
-        </p:nvPicPr>
-        <p:blipFill>
-          <a:blip r:embed="rId3">
-            <a:extLst>
-              <a:ext uri="{28A0092B-C50C-407E-A947-70E740481C1C}">
-                <a14:useLocalDpi xmlns:a14="http://schemas.microsoft.com/office/drawing/2010/main" val="0"/>
-              </a:ext>
-            </a:extLst>
-          </a:blip>
-          <a:stretch>
-            <a:fillRect/>
-          </a:stretch>
-        </p:blipFill>
-        <p:spPr>
-          <a:xfrm>
-            <a:off x="0" y="0"/>
-            <a:ext cx="4228571" cy="1561905"/>
-          </a:xfrm>
-          <a:prstGeom prst="rect">
-            <a:avLst/>
-          </a:prstGeom>
-        </p:spPr>
-      </p:pic>
-      <p:sp>
-        <p:nvSpPr>
-          <p:cNvPr id="18" name="TextBox 17"/>
-          <p:cNvSpPr txBox="1"/>
-          <p:nvPr/>
-        </p:nvSpPr>
-        <p:spPr>
-          <a:xfrm>
-            <a:off x="1718841" y="780952"/>
-            <a:ext cx="2664634" cy="646331"/>
-          </a:xfrm>
-          <a:prstGeom prst="rect">
-            <a:avLst/>
-          </a:prstGeom>
-          <a:noFill/>
-        </p:spPr>
-        <p:txBody>
-          <a:bodyPr wrap="square" rtlCol="0">
-            <a:spAutoFit/>
-          </a:bodyPr>
-          <a:lstStyle/>
-          <a:p>
-            <a:r>
-              <a:rPr lang="en-US" sz="3600" dirty="0" err="1">
-                <a:solidFill>
-                  <a:srgbClr val="FFFAFF"/>
-                </a:solidFill>
-                <a:latin typeface="VNI-Duff" pitchFamily="2" charset="0"/>
-              </a:rPr>
-              <a:t>Quaù</a:t>
-            </a:r>
-            <a:r>
-              <a:rPr lang="en-US" sz="3600" dirty="0">
-                <a:solidFill>
-                  <a:srgbClr val="FFFAFF"/>
-                </a:solidFill>
-                <a:latin typeface="VNI-Duff" pitchFamily="2" charset="0"/>
-              </a:rPr>
-              <a:t> </a:t>
-            </a:r>
-            <a:r>
-              <a:rPr lang="en-US" sz="3600" dirty="0" err="1">
-                <a:solidFill>
-                  <a:srgbClr val="FFFAFF"/>
-                </a:solidFill>
-                <a:latin typeface="VNI-Duff" pitchFamily="2" charset="0"/>
-              </a:rPr>
-              <a:t>trình</a:t>
-            </a:r>
-            <a:endParaRPr lang="en-US" sz="3600" dirty="0">
-              <a:solidFill>
-                <a:srgbClr val="FFFAFF"/>
-              </a:solidFill>
-              <a:latin typeface="VNI-Duff" pitchFamily="2" charset="0"/>
-            </a:endParaRPr>
-          </a:p>
-        </p:txBody>
-      </p:sp>
-      <p:sp>
-        <p:nvSpPr>
-          <p:cNvPr id="12" name="Rectangle 11"/>
-          <p:cNvSpPr/>
-          <p:nvPr/>
-        </p:nvSpPr>
-        <p:spPr>
-          <a:xfrm rot="5400000">
-            <a:off x="-2596683" y="3163669"/>
-            <a:ext cx="6096000" cy="1292662"/>
-          </a:xfrm>
-          <a:prstGeom prst="rect">
-            <a:avLst/>
-          </a:prstGeom>
-        </p:spPr>
-        <p:txBody>
-          <a:bodyPr>
-            <a:spAutoFit/>
-          </a:bodyPr>
-          <a:lstStyle/>
-          <a:p>
-            <a:pPr algn="r"/>
-            <a:r>
-              <a:rPr lang="vi-VN" sz="3200" spc="600" dirty="0">
-                <a:solidFill>
-                  <a:srgbClr val="8FAADC"/>
-                </a:solidFill>
-                <a:effectLst>
-                  <a:outerShdw blurRad="38100" dist="38100" dir="2700000" algn="tl">
-                    <a:srgbClr val="000000">
-                      <a:alpha val="43137"/>
-                    </a:srgbClr>
-                  </a:outerShdw>
-                </a:effectLst>
-                <a:latin typeface=".VnCooper" panose="020B7200000000000000" pitchFamily="34" charset="0"/>
-                <a:ea typeface="Raleway Black" charset="0"/>
-                <a:cs typeface="Raleway Black" charset="0"/>
-              </a:rPr>
-              <a:t>Java</a:t>
-            </a:r>
-            <a:endParaRPr lang="es-ES_tradnl" sz="3200" spc="600" dirty="0">
-              <a:solidFill>
-                <a:srgbClr val="8FAADC"/>
-              </a:solidFill>
-              <a:effectLst>
-                <a:outerShdw blurRad="38100" dist="38100" dir="2700000" algn="tl">
-                  <a:srgbClr val="000000">
-                    <a:alpha val="43137"/>
-                  </a:srgbClr>
-                </a:outerShdw>
-              </a:effectLst>
-              <a:latin typeface=".VnCooper" panose="020B7200000000000000" pitchFamily="34" charset="0"/>
-              <a:ea typeface="Raleway Black" charset="0"/>
-              <a:cs typeface="Raleway Black" charset="0"/>
-            </a:endParaRPr>
-          </a:p>
-          <a:p>
-            <a:pPr algn="r"/>
-            <a:r>
-              <a:rPr lang="vi-VN" sz="3200" dirty="0">
-                <a:solidFill>
-                  <a:schemeClr val="bg1">
-                    <a:lumMod val="50000"/>
-                  </a:schemeClr>
-                </a:solidFill>
-                <a:latin typeface=".VnCourier" panose="020B7200000000000000" pitchFamily="34" charset="0"/>
-              </a:rPr>
-              <a:t>Lap trinh he thong </a:t>
-            </a:r>
-            <a:endParaRPr lang="es-ES_tradnl" sz="3200" dirty="0">
-              <a:solidFill>
-                <a:schemeClr val="bg1">
-                  <a:lumMod val="50000"/>
-                </a:schemeClr>
-              </a:solidFill>
-              <a:latin typeface=".VnCourier" panose="020B7200000000000000" pitchFamily="34" charset="0"/>
-            </a:endParaRPr>
-          </a:p>
-          <a:p>
-            <a:pPr algn="r"/>
-            <a:endParaRPr lang="es-ES_tradnl" sz="1400" spc="600" dirty="0">
-              <a:solidFill>
-                <a:srgbClr val="8FAADC"/>
-              </a:solidFill>
-              <a:effectLst>
-                <a:outerShdw blurRad="38100" dist="38100" dir="2700000" algn="tl">
-                  <a:srgbClr val="000000">
-                    <a:alpha val="43137"/>
-                  </a:srgbClr>
-                </a:outerShdw>
-              </a:effectLst>
-              <a:latin typeface=".VnCooper" panose="020B7200000000000000" pitchFamily="34" charset="0"/>
-              <a:ea typeface="Raleway Black" charset="0"/>
-              <a:cs typeface="Raleway Black" charset="0"/>
-            </a:endParaRPr>
-          </a:p>
-        </p:txBody>
-      </p:sp>
-    </p:spTree>
-    <p:extLst>
-      <p:ext uri="{BB962C8B-B14F-4D97-AF65-F5344CB8AC3E}">
-        <p14:creationId xmlns:p14="http://schemas.microsoft.com/office/powerpoint/2010/main" val="256126735"/>
-      </p:ext>
-    </p:extLst>
-  </p:cSld>
-  <p:clrMapOvr>
-    <a:masterClrMapping/>
-  </p:clrMapOvr>
-</p:sld>
-</file>
-
-<file path=ppt/slides/slide15.xml><?xml version="1.0" encoding="utf-8"?>
 <p:sld xmlns:a="http://schemas.openxmlformats.org/drawingml/2006/main" xmlns:r="http://schemas.openxmlformats.org/officeDocument/2006/relationships" xmlns:p="http://schemas.openxmlformats.org/presentationml/2006/main">
   <p:cSld>
     <p:spTree>
@@ -10388,6 +10232,399 @@
 </p:sld>
 </file>
 
+<file path=ppt/slides/slide15.xml><?xml version="1.0" encoding="utf-8"?>
+<p:sld xmlns:a="http://schemas.openxmlformats.org/drawingml/2006/main" xmlns:r="http://schemas.openxmlformats.org/officeDocument/2006/relationships" xmlns:p="http://schemas.openxmlformats.org/presentationml/2006/main">
+  <p:cSld>
+    <p:bg>
+      <p:bgPr>
+        <a:gradFill flip="none" rotWithShape="1">
+          <a:gsLst>
+            <a:gs pos="74000">
+              <a:schemeClr val="bg1"/>
+            </a:gs>
+            <a:gs pos="100000">
+              <a:schemeClr val="accent1">
+                <a:lumMod val="45000"/>
+                <a:lumOff val="55000"/>
+              </a:schemeClr>
+            </a:gs>
+            <a:gs pos="83000">
+              <a:schemeClr val="accent1">
+                <a:lumMod val="45000"/>
+                <a:lumOff val="55000"/>
+              </a:schemeClr>
+            </a:gs>
+            <a:gs pos="100000">
+              <a:schemeClr val="accent1">
+                <a:lumMod val="30000"/>
+                <a:lumOff val="70000"/>
+              </a:schemeClr>
+            </a:gs>
+          </a:gsLst>
+          <a:lin ang="8100000" scaled="1"/>
+          <a:tileRect/>
+        </a:gradFill>
+        <a:effectLst/>
+      </p:bgPr>
+    </p:bg>
+    <p:spTree>
+      <p:nvGrpSpPr>
+        <p:cNvPr id="1" name=""/>
+        <p:cNvGrpSpPr/>
+        <p:nvPr/>
+      </p:nvGrpSpPr>
+      <p:grpSpPr>
+        <a:xfrm>
+          <a:off x="0" y="0"/>
+          <a:ext cx="0" cy="0"/>
+          <a:chOff x="0" y="0"/>
+          <a:chExt cx="0" cy="0"/>
+        </a:xfrm>
+      </p:grpSpPr>
+      <p:sp>
+        <p:nvSpPr>
+          <p:cNvPr id="4" name="Rectangle 3"/>
+          <p:cNvSpPr/>
+          <p:nvPr/>
+        </p:nvSpPr>
+        <p:spPr>
+          <a:xfrm>
+            <a:off x="457198" y="135923"/>
+            <a:ext cx="3101547" cy="1615023"/>
+          </a:xfrm>
+          <a:prstGeom prst="rect">
+            <a:avLst/>
+          </a:prstGeom>
+          <a:noFill/>
+          <a:ln>
+            <a:noFill/>
+          </a:ln>
+        </p:spPr>
+        <p:style>
+          <a:lnRef idx="2">
+            <a:schemeClr val="accent1">
+              <a:shade val="50000"/>
+            </a:schemeClr>
+          </a:lnRef>
+          <a:fillRef idx="1">
+            <a:schemeClr val="accent1"/>
+          </a:fillRef>
+          <a:effectRef idx="0">
+            <a:schemeClr val="accent1"/>
+          </a:effectRef>
+          <a:fontRef idx="minor">
+            <a:schemeClr val="lt1"/>
+          </a:fontRef>
+        </p:style>
+        <p:txBody>
+          <a:bodyPr rtlCol="0" anchor="ctr"/>
+          <a:lstStyle/>
+          <a:p>
+            <a:pPr algn="ctr"/>
+            <a:endParaRPr lang="en-US" sz="4400" dirty="0">
+              <a:solidFill>
+                <a:srgbClr val="8FAADC"/>
+              </a:solidFill>
+              <a:latin typeface="Raleway Black" panose="020B0604020202020204" charset="0"/>
+            </a:endParaRPr>
+          </a:p>
+        </p:txBody>
+      </p:sp>
+      <p:sp>
+        <p:nvSpPr>
+          <p:cNvPr id="16" name="Rectangle 15"/>
+          <p:cNvSpPr/>
+          <p:nvPr/>
+        </p:nvSpPr>
+        <p:spPr>
+          <a:xfrm>
+            <a:off x="11335904" y="6265251"/>
+            <a:ext cx="320922" cy="369332"/>
+          </a:xfrm>
+          <a:prstGeom prst="rect">
+            <a:avLst/>
+          </a:prstGeom>
+        </p:spPr>
+        <p:txBody>
+          <a:bodyPr wrap="none">
+            <a:spAutoFit/>
+          </a:bodyPr>
+          <a:lstStyle/>
+          <a:p>
+            <a:r>
+              <a:rPr lang="vi-VN" dirty="0">
+                <a:latin typeface=".VnArabia" panose="020B7200000000000000" pitchFamily="34" charset="0"/>
+              </a:rPr>
+              <a:t>8</a:t>
+            </a:r>
+            <a:endParaRPr lang="en-US" dirty="0">
+              <a:latin typeface=".VnArabia" panose="020B7200000000000000" pitchFamily="34" charset="0"/>
+            </a:endParaRPr>
+          </a:p>
+        </p:txBody>
+      </p:sp>
+      <p:pic>
+        <p:nvPicPr>
+          <p:cNvPr id="5" name="Picture 4"/>
+          <p:cNvPicPr>
+            <a:picLocks noChangeAspect="1"/>
+          </p:cNvPicPr>
+          <p:nvPr/>
+        </p:nvPicPr>
+        <p:blipFill>
+          <a:blip r:embed="rId3">
+            <a:extLst>
+              <a:ext uri="{28A0092B-C50C-407E-A947-70E740481C1C}">
+                <a14:useLocalDpi xmlns:a14="http://schemas.microsoft.com/office/drawing/2010/main" val="0"/>
+              </a:ext>
+            </a:extLst>
+          </a:blip>
+          <a:stretch>
+            <a:fillRect/>
+          </a:stretch>
+        </p:blipFill>
+        <p:spPr>
+          <a:xfrm>
+            <a:off x="7963429" y="-1"/>
+            <a:ext cx="4228571" cy="1561905"/>
+          </a:xfrm>
+          <a:prstGeom prst="rect">
+            <a:avLst/>
+          </a:prstGeom>
+        </p:spPr>
+      </p:pic>
+      <p:sp>
+        <p:nvSpPr>
+          <p:cNvPr id="13" name="TextBox 12"/>
+          <p:cNvSpPr txBox="1"/>
+          <p:nvPr/>
+        </p:nvSpPr>
+        <p:spPr>
+          <a:xfrm>
+            <a:off x="8481265" y="780952"/>
+            <a:ext cx="2664634" cy="646331"/>
+          </a:xfrm>
+          <a:prstGeom prst="rect">
+            <a:avLst/>
+          </a:prstGeom>
+          <a:noFill/>
+        </p:spPr>
+        <p:txBody>
+          <a:bodyPr wrap="square" rtlCol="0">
+            <a:spAutoFit/>
+          </a:bodyPr>
+          <a:lstStyle/>
+          <a:p>
+            <a:r>
+              <a:rPr lang="en-US" sz="3600" dirty="0" err="1">
+                <a:solidFill>
+                  <a:srgbClr val="FFFAFF"/>
+                </a:solidFill>
+                <a:latin typeface="VNI-Duff" pitchFamily="2" charset="0"/>
+              </a:rPr>
+              <a:t>Keát</a:t>
+            </a:r>
+            <a:r>
+              <a:rPr lang="en-US" sz="3600" dirty="0">
+                <a:solidFill>
+                  <a:srgbClr val="FFFAFF"/>
+                </a:solidFill>
+                <a:latin typeface="VNI-Duff" pitchFamily="2" charset="0"/>
+              </a:rPr>
+              <a:t> </a:t>
+            </a:r>
+            <a:r>
+              <a:rPr lang="en-US" sz="3600" dirty="0" err="1">
+                <a:solidFill>
+                  <a:srgbClr val="FFFAFF"/>
+                </a:solidFill>
+                <a:latin typeface="VNI-Duff" pitchFamily="2" charset="0"/>
+              </a:rPr>
+              <a:t>quaû</a:t>
+            </a:r>
+            <a:endParaRPr lang="en-US" sz="3600" dirty="0">
+              <a:solidFill>
+                <a:srgbClr val="FFFAFF"/>
+              </a:solidFill>
+              <a:latin typeface="VNI-Duff" pitchFamily="2" charset="0"/>
+            </a:endParaRPr>
+          </a:p>
+        </p:txBody>
+      </p:sp>
+      <p:sp>
+        <p:nvSpPr>
+          <p:cNvPr id="9" name="Rectangle 8"/>
+          <p:cNvSpPr/>
+          <p:nvPr/>
+        </p:nvSpPr>
+        <p:spPr>
+          <a:xfrm rot="5400000">
+            <a:off x="-2596683" y="3163669"/>
+            <a:ext cx="6096000" cy="1292662"/>
+          </a:xfrm>
+          <a:prstGeom prst="rect">
+            <a:avLst/>
+          </a:prstGeom>
+        </p:spPr>
+        <p:txBody>
+          <a:bodyPr>
+            <a:spAutoFit/>
+          </a:bodyPr>
+          <a:lstStyle/>
+          <a:p>
+            <a:pPr algn="r"/>
+            <a:r>
+              <a:rPr lang="vi-VN" sz="3200" spc="600" dirty="0">
+                <a:solidFill>
+                  <a:srgbClr val="8FAADC"/>
+                </a:solidFill>
+                <a:effectLst>
+                  <a:outerShdw blurRad="38100" dist="38100" dir="2700000" algn="tl">
+                    <a:srgbClr val="000000">
+                      <a:alpha val="43137"/>
+                    </a:srgbClr>
+                  </a:outerShdw>
+                </a:effectLst>
+                <a:latin typeface=".VnCooper" panose="020B7200000000000000" pitchFamily="34" charset="0"/>
+                <a:ea typeface="Raleway Black" charset="0"/>
+                <a:cs typeface="Raleway Black" charset="0"/>
+              </a:rPr>
+              <a:t>Java</a:t>
+            </a:r>
+            <a:endParaRPr lang="es-ES_tradnl" sz="3200" spc="600" dirty="0">
+              <a:solidFill>
+                <a:srgbClr val="8FAADC"/>
+              </a:solidFill>
+              <a:effectLst>
+                <a:outerShdw blurRad="38100" dist="38100" dir="2700000" algn="tl">
+                  <a:srgbClr val="000000">
+                    <a:alpha val="43137"/>
+                  </a:srgbClr>
+                </a:outerShdw>
+              </a:effectLst>
+              <a:latin typeface=".VnCooper" panose="020B7200000000000000" pitchFamily="34" charset="0"/>
+              <a:ea typeface="Raleway Black" charset="0"/>
+              <a:cs typeface="Raleway Black" charset="0"/>
+            </a:endParaRPr>
+          </a:p>
+          <a:p>
+            <a:pPr algn="r"/>
+            <a:r>
+              <a:rPr lang="vi-VN" sz="3200" dirty="0">
+                <a:solidFill>
+                  <a:schemeClr val="bg1">
+                    <a:lumMod val="50000"/>
+                  </a:schemeClr>
+                </a:solidFill>
+                <a:latin typeface=".VnCourier" panose="020B7200000000000000" pitchFamily="34" charset="0"/>
+              </a:rPr>
+              <a:t>Lap trinh he thong </a:t>
+            </a:r>
+            <a:endParaRPr lang="es-ES_tradnl" sz="3200" dirty="0">
+              <a:solidFill>
+                <a:schemeClr val="bg1">
+                  <a:lumMod val="50000"/>
+                </a:schemeClr>
+              </a:solidFill>
+              <a:latin typeface=".VnCourier" panose="020B7200000000000000" pitchFamily="34" charset="0"/>
+            </a:endParaRPr>
+          </a:p>
+          <a:p>
+            <a:pPr algn="r"/>
+            <a:endParaRPr lang="es-ES_tradnl" sz="1400" spc="600" dirty="0">
+              <a:solidFill>
+                <a:srgbClr val="8FAADC"/>
+              </a:solidFill>
+              <a:effectLst>
+                <a:outerShdw blurRad="38100" dist="38100" dir="2700000" algn="tl">
+                  <a:srgbClr val="000000">
+                    <a:alpha val="43137"/>
+                  </a:srgbClr>
+                </a:outerShdw>
+              </a:effectLst>
+              <a:latin typeface=".VnCooper" panose="020B7200000000000000" pitchFamily="34" charset="0"/>
+              <a:ea typeface="Raleway Black" charset="0"/>
+              <a:cs typeface="Raleway Black" charset="0"/>
+            </a:endParaRPr>
+          </a:p>
+        </p:txBody>
+      </p:sp>
+      <p:pic>
+        <p:nvPicPr>
+          <p:cNvPr id="10" name="Picture 9"/>
+          <p:cNvPicPr>
+            <a:picLocks noChangeAspect="1"/>
+          </p:cNvPicPr>
+          <p:nvPr/>
+        </p:nvPicPr>
+        <p:blipFill>
+          <a:blip r:embed="rId4">
+            <a:extLst>
+              <a:ext uri="{28A0092B-C50C-407E-A947-70E740481C1C}">
+                <a14:useLocalDpi xmlns:a14="http://schemas.microsoft.com/office/drawing/2010/main" val="0"/>
+              </a:ext>
+            </a:extLst>
+          </a:blip>
+          <a:stretch>
+            <a:fillRect/>
+          </a:stretch>
+        </p:blipFill>
+        <p:spPr>
+          <a:xfrm>
+            <a:off x="1558717" y="135923"/>
+            <a:ext cx="3482546" cy="6202680"/>
+          </a:xfrm>
+          <a:prstGeom prst="rect">
+            <a:avLst/>
+          </a:prstGeom>
+        </p:spPr>
+      </p:pic>
+      <p:pic>
+        <p:nvPicPr>
+          <p:cNvPr id="14" name="Picture 13"/>
+          <p:cNvPicPr>
+            <a:picLocks noChangeAspect="1"/>
+          </p:cNvPicPr>
+          <p:nvPr/>
+        </p:nvPicPr>
+        <p:blipFill>
+          <a:blip r:embed="rId5">
+            <a:extLst>
+              <a:ext uri="{28A0092B-C50C-407E-A947-70E740481C1C}">
+                <a14:useLocalDpi xmlns:a14="http://schemas.microsoft.com/office/drawing/2010/main" val="0"/>
+              </a:ext>
+            </a:extLst>
+          </a:blip>
+          <a:stretch>
+            <a:fillRect/>
+          </a:stretch>
+        </p:blipFill>
+        <p:spPr>
+          <a:xfrm>
+            <a:off x="6127952" y="2062162"/>
+            <a:ext cx="5514975" cy="3038475"/>
+          </a:xfrm>
+          <a:prstGeom prst="rect">
+            <a:avLst/>
+          </a:prstGeom>
+        </p:spPr>
+      </p:pic>
+    </p:spTree>
+    <p:extLst>
+      <p:ext uri="{BB962C8B-B14F-4D97-AF65-F5344CB8AC3E}">
+        <p14:creationId xmlns:p14="http://schemas.microsoft.com/office/powerpoint/2010/main" val="3717547935"/>
+      </p:ext>
+    </p:extLst>
+  </p:cSld>
+  <p:clrMapOvr>
+    <a:masterClrMapping/>
+  </p:clrMapOvr>
+  <p:transition spd="slow">
+    <p:wipe/>
+  </p:transition>
+</p:sld>
+</file>
+
 <file path=ppt/slides/slide16.xml><?xml version="1.0" encoding="utf-8"?>
 <p:sld xmlns:a="http://schemas.openxmlformats.org/drawingml/2006/main" xmlns:r="http://schemas.openxmlformats.org/officeDocument/2006/relationships" xmlns:p="http://schemas.openxmlformats.org/presentationml/2006/main">
   <p:cSld>
@@ -10705,20 +10942,476 @@
           </a:p>
         </p:txBody>
       </p:sp>
+      <p:pic>
+        <p:nvPicPr>
+          <p:cNvPr id="10" name="Picture 9"/>
+          <p:cNvPicPr>
+            <a:picLocks noChangeAspect="1"/>
+          </p:cNvPicPr>
+          <p:nvPr/>
+        </p:nvPicPr>
+        <p:blipFill>
+          <a:blip r:embed="rId4">
+            <a:extLst>
+              <a:ext uri="{28A0092B-C50C-407E-A947-70E740481C1C}">
+                <a14:useLocalDpi xmlns:a14="http://schemas.microsoft.com/office/drawing/2010/main" val="0"/>
+              </a:ext>
+            </a:extLst>
+          </a:blip>
+          <a:stretch>
+            <a:fillRect/>
+          </a:stretch>
+        </p:blipFill>
+        <p:spPr>
+          <a:xfrm>
+            <a:off x="1558717" y="135923"/>
+            <a:ext cx="3482546" cy="6202680"/>
+          </a:xfrm>
+          <a:prstGeom prst="rect">
+            <a:avLst/>
+          </a:prstGeom>
+        </p:spPr>
+      </p:pic>
+      <p:pic>
+        <p:nvPicPr>
+          <p:cNvPr id="14" name="Picture 13"/>
+          <p:cNvPicPr>
+            <a:picLocks noChangeAspect="1"/>
+          </p:cNvPicPr>
+          <p:nvPr/>
+        </p:nvPicPr>
+        <p:blipFill>
+          <a:blip r:embed="rId5">
+            <a:extLst>
+              <a:ext uri="{28A0092B-C50C-407E-A947-70E740481C1C}">
+                <a14:useLocalDpi xmlns:a14="http://schemas.microsoft.com/office/drawing/2010/main" val="0"/>
+              </a:ext>
+            </a:extLst>
+          </a:blip>
+          <a:stretch>
+            <a:fillRect/>
+          </a:stretch>
+        </p:blipFill>
+        <p:spPr>
+          <a:xfrm>
+            <a:off x="3398520" y="558383"/>
+            <a:ext cx="8244407" cy="4542255"/>
+          </a:xfrm>
+          <a:prstGeom prst="rect">
+            <a:avLst/>
+          </a:prstGeom>
+        </p:spPr>
+      </p:pic>
     </p:spTree>
     <p:extLst>
       <p:ext uri="{BB962C8B-B14F-4D97-AF65-F5344CB8AC3E}">
-        <p14:creationId xmlns:p14="http://schemas.microsoft.com/office/powerpoint/2010/main" val="3717547935"/>
+        <p14:creationId xmlns:p14="http://schemas.microsoft.com/office/powerpoint/2010/main" val="3864371865"/>
       </p:ext>
     </p:extLst>
   </p:cSld>
   <p:clrMapOvr>
     <a:masterClrMapping/>
   </p:clrMapOvr>
+  <p:transition spd="slow">
+    <p:wipe/>
+  </p:transition>
 </p:sld>
 </file>
 
 <file path=ppt/slides/slide17.xml><?xml version="1.0" encoding="utf-8"?>
+<p:sld xmlns:a="http://schemas.openxmlformats.org/drawingml/2006/main" xmlns:r="http://schemas.openxmlformats.org/officeDocument/2006/relationships" xmlns:p="http://schemas.openxmlformats.org/presentationml/2006/main">
+  <p:cSld>
+    <p:bg>
+      <p:bgPr>
+        <a:gradFill flip="none" rotWithShape="1">
+          <a:gsLst>
+            <a:gs pos="74000">
+              <a:schemeClr val="bg1"/>
+            </a:gs>
+            <a:gs pos="100000">
+              <a:schemeClr val="accent1">
+                <a:lumMod val="45000"/>
+                <a:lumOff val="55000"/>
+              </a:schemeClr>
+            </a:gs>
+            <a:gs pos="83000">
+              <a:schemeClr val="accent1">
+                <a:lumMod val="45000"/>
+                <a:lumOff val="55000"/>
+              </a:schemeClr>
+            </a:gs>
+            <a:gs pos="100000">
+              <a:schemeClr val="accent1">
+                <a:lumMod val="30000"/>
+                <a:lumOff val="70000"/>
+              </a:schemeClr>
+            </a:gs>
+          </a:gsLst>
+          <a:lin ang="8100000" scaled="1"/>
+          <a:tileRect/>
+        </a:gradFill>
+        <a:effectLst/>
+      </p:bgPr>
+    </p:bg>
+    <p:spTree>
+      <p:nvGrpSpPr>
+        <p:cNvPr id="1" name=""/>
+        <p:cNvGrpSpPr/>
+        <p:nvPr/>
+      </p:nvGrpSpPr>
+      <p:grpSpPr>
+        <a:xfrm>
+          <a:off x="0" y="0"/>
+          <a:ext cx="0" cy="0"/>
+          <a:chOff x="0" y="0"/>
+          <a:chExt cx="0" cy="0"/>
+        </a:xfrm>
+      </p:grpSpPr>
+      <p:sp>
+        <p:nvSpPr>
+          <p:cNvPr id="4" name="Rectangle 3"/>
+          <p:cNvSpPr/>
+          <p:nvPr/>
+        </p:nvSpPr>
+        <p:spPr>
+          <a:xfrm>
+            <a:off x="457198" y="135923"/>
+            <a:ext cx="3101547" cy="1615023"/>
+          </a:xfrm>
+          <a:prstGeom prst="rect">
+            <a:avLst/>
+          </a:prstGeom>
+          <a:noFill/>
+          <a:ln>
+            <a:noFill/>
+          </a:ln>
+        </p:spPr>
+        <p:style>
+          <a:lnRef idx="2">
+            <a:schemeClr val="accent1">
+              <a:shade val="50000"/>
+            </a:schemeClr>
+          </a:lnRef>
+          <a:fillRef idx="1">
+            <a:schemeClr val="accent1"/>
+          </a:fillRef>
+          <a:effectRef idx="0">
+            <a:schemeClr val="accent1"/>
+          </a:effectRef>
+          <a:fontRef idx="minor">
+            <a:schemeClr val="lt1"/>
+          </a:fontRef>
+        </p:style>
+        <p:txBody>
+          <a:bodyPr rtlCol="0" anchor="ctr"/>
+          <a:lstStyle/>
+          <a:p>
+            <a:pPr algn="ctr"/>
+            <a:endParaRPr lang="en-US" sz="4400" dirty="0">
+              <a:solidFill>
+                <a:srgbClr val="8FAADC"/>
+              </a:solidFill>
+              <a:latin typeface="Raleway Black" panose="020B0604020202020204" charset="0"/>
+            </a:endParaRPr>
+          </a:p>
+        </p:txBody>
+      </p:sp>
+      <p:sp>
+        <p:nvSpPr>
+          <p:cNvPr id="16" name="Rectangle 15"/>
+          <p:cNvSpPr/>
+          <p:nvPr/>
+        </p:nvSpPr>
+        <p:spPr>
+          <a:xfrm>
+            <a:off x="11335904" y="6265251"/>
+            <a:ext cx="320922" cy="369332"/>
+          </a:xfrm>
+          <a:prstGeom prst="rect">
+            <a:avLst/>
+          </a:prstGeom>
+        </p:spPr>
+        <p:txBody>
+          <a:bodyPr wrap="none">
+            <a:spAutoFit/>
+          </a:bodyPr>
+          <a:lstStyle/>
+          <a:p>
+            <a:r>
+              <a:rPr lang="vi-VN" dirty="0">
+                <a:latin typeface=".VnArabia" panose="020B7200000000000000" pitchFamily="34" charset="0"/>
+              </a:rPr>
+              <a:t>9</a:t>
+            </a:r>
+            <a:endParaRPr lang="en-US" dirty="0">
+              <a:latin typeface=".VnArabia" panose="020B7200000000000000" pitchFamily="34" charset="0"/>
+            </a:endParaRPr>
+          </a:p>
+        </p:txBody>
+      </p:sp>
+      <p:pic>
+        <p:nvPicPr>
+          <p:cNvPr id="5" name="Picture 4"/>
+          <p:cNvPicPr>
+            <a:picLocks noChangeAspect="1"/>
+          </p:cNvPicPr>
+          <p:nvPr/>
+        </p:nvPicPr>
+        <p:blipFill>
+          <a:blip r:embed="rId3">
+            <a:extLst>
+              <a:ext uri="{28A0092B-C50C-407E-A947-70E740481C1C}">
+                <a14:useLocalDpi xmlns:a14="http://schemas.microsoft.com/office/drawing/2010/main" val="0"/>
+              </a:ext>
+            </a:extLst>
+          </a:blip>
+          <a:stretch>
+            <a:fillRect/>
+          </a:stretch>
+        </p:blipFill>
+        <p:spPr>
+          <a:xfrm>
+            <a:off x="7963429" y="-1"/>
+            <a:ext cx="4228571" cy="1561905"/>
+          </a:xfrm>
+          <a:prstGeom prst="rect">
+            <a:avLst/>
+          </a:prstGeom>
+        </p:spPr>
+      </p:pic>
+      <p:sp>
+        <p:nvSpPr>
+          <p:cNvPr id="13" name="TextBox 12"/>
+          <p:cNvSpPr txBox="1"/>
+          <p:nvPr/>
+        </p:nvSpPr>
+        <p:spPr>
+          <a:xfrm>
+            <a:off x="8481265" y="780952"/>
+            <a:ext cx="2664634" cy="646331"/>
+          </a:xfrm>
+          <a:prstGeom prst="rect">
+            <a:avLst/>
+          </a:prstGeom>
+          <a:noFill/>
+        </p:spPr>
+        <p:txBody>
+          <a:bodyPr wrap="square" rtlCol="0">
+            <a:spAutoFit/>
+          </a:bodyPr>
+          <a:lstStyle/>
+          <a:p>
+            <a:r>
+              <a:rPr lang="en-US" sz="3600" dirty="0" err="1">
+                <a:solidFill>
+                  <a:srgbClr val="FFFAFF"/>
+                </a:solidFill>
+                <a:latin typeface="VNI-Duff" pitchFamily="2" charset="0"/>
+              </a:rPr>
+              <a:t>Keát</a:t>
+            </a:r>
+            <a:r>
+              <a:rPr lang="en-US" sz="3600" dirty="0">
+                <a:solidFill>
+                  <a:srgbClr val="FFFAFF"/>
+                </a:solidFill>
+                <a:latin typeface="VNI-Duff" pitchFamily="2" charset="0"/>
+              </a:rPr>
+              <a:t> </a:t>
+            </a:r>
+            <a:r>
+              <a:rPr lang="en-US" sz="3600" dirty="0" err="1">
+                <a:solidFill>
+                  <a:srgbClr val="FFFAFF"/>
+                </a:solidFill>
+                <a:latin typeface="VNI-Duff" pitchFamily="2" charset="0"/>
+              </a:rPr>
+              <a:t>quaû</a:t>
+            </a:r>
+            <a:endParaRPr lang="en-US" sz="3600" dirty="0">
+              <a:solidFill>
+                <a:srgbClr val="FFFAFF"/>
+              </a:solidFill>
+              <a:latin typeface="VNI-Duff" pitchFamily="2" charset="0"/>
+            </a:endParaRPr>
+          </a:p>
+        </p:txBody>
+      </p:sp>
+      <p:sp>
+        <p:nvSpPr>
+          <p:cNvPr id="9" name="Rectangle 8"/>
+          <p:cNvSpPr/>
+          <p:nvPr/>
+        </p:nvSpPr>
+        <p:spPr>
+          <a:xfrm rot="5400000">
+            <a:off x="-2596683" y="3163669"/>
+            <a:ext cx="6096000" cy="1292662"/>
+          </a:xfrm>
+          <a:prstGeom prst="rect">
+            <a:avLst/>
+          </a:prstGeom>
+        </p:spPr>
+        <p:txBody>
+          <a:bodyPr>
+            <a:spAutoFit/>
+          </a:bodyPr>
+          <a:lstStyle/>
+          <a:p>
+            <a:pPr algn="r"/>
+            <a:r>
+              <a:rPr lang="vi-VN" sz="3200" spc="600" dirty="0">
+                <a:solidFill>
+                  <a:srgbClr val="8FAADC"/>
+                </a:solidFill>
+                <a:effectLst>
+                  <a:outerShdw blurRad="38100" dist="38100" dir="2700000" algn="tl">
+                    <a:srgbClr val="000000">
+                      <a:alpha val="43137"/>
+                    </a:srgbClr>
+                  </a:outerShdw>
+                </a:effectLst>
+                <a:latin typeface=".VnCooper" panose="020B7200000000000000" pitchFamily="34" charset="0"/>
+                <a:ea typeface="Raleway Black" charset="0"/>
+                <a:cs typeface="Raleway Black" charset="0"/>
+              </a:rPr>
+              <a:t>Java</a:t>
+            </a:r>
+            <a:endParaRPr lang="es-ES_tradnl" sz="3200" spc="600" dirty="0">
+              <a:solidFill>
+                <a:srgbClr val="8FAADC"/>
+              </a:solidFill>
+              <a:effectLst>
+                <a:outerShdw blurRad="38100" dist="38100" dir="2700000" algn="tl">
+                  <a:srgbClr val="000000">
+                    <a:alpha val="43137"/>
+                  </a:srgbClr>
+                </a:outerShdw>
+              </a:effectLst>
+              <a:latin typeface=".VnCooper" panose="020B7200000000000000" pitchFamily="34" charset="0"/>
+              <a:ea typeface="Raleway Black" charset="0"/>
+              <a:cs typeface="Raleway Black" charset="0"/>
+            </a:endParaRPr>
+          </a:p>
+          <a:p>
+            <a:pPr algn="r"/>
+            <a:r>
+              <a:rPr lang="vi-VN" sz="3200" dirty="0">
+                <a:solidFill>
+                  <a:schemeClr val="bg1">
+                    <a:lumMod val="50000"/>
+                  </a:schemeClr>
+                </a:solidFill>
+                <a:latin typeface=".VnCourier" panose="020B7200000000000000" pitchFamily="34" charset="0"/>
+              </a:rPr>
+              <a:t>Lap trinh he thong </a:t>
+            </a:r>
+            <a:endParaRPr lang="es-ES_tradnl" sz="3200" dirty="0">
+              <a:solidFill>
+                <a:schemeClr val="bg1">
+                  <a:lumMod val="50000"/>
+                </a:schemeClr>
+              </a:solidFill>
+              <a:latin typeface=".VnCourier" panose="020B7200000000000000" pitchFamily="34" charset="0"/>
+            </a:endParaRPr>
+          </a:p>
+          <a:p>
+            <a:pPr algn="r"/>
+            <a:endParaRPr lang="es-ES_tradnl" sz="1400" spc="600" dirty="0">
+              <a:solidFill>
+                <a:srgbClr val="8FAADC"/>
+              </a:solidFill>
+              <a:effectLst>
+                <a:outerShdw blurRad="38100" dist="38100" dir="2700000" algn="tl">
+                  <a:srgbClr val="000000">
+                    <a:alpha val="43137"/>
+                  </a:srgbClr>
+                </a:outerShdw>
+              </a:effectLst>
+              <a:latin typeface=".VnCooper" panose="020B7200000000000000" pitchFamily="34" charset="0"/>
+              <a:ea typeface="Raleway Black" charset="0"/>
+              <a:cs typeface="Raleway Black" charset="0"/>
+            </a:endParaRPr>
+          </a:p>
+        </p:txBody>
+      </p:sp>
+      <p:pic>
+        <p:nvPicPr>
+          <p:cNvPr id="10" name="Picture 9"/>
+          <p:cNvPicPr>
+            <a:picLocks noChangeAspect="1"/>
+          </p:cNvPicPr>
+          <p:nvPr/>
+        </p:nvPicPr>
+        <p:blipFill>
+          <a:blip r:embed="rId4">
+            <a:extLst>
+              <a:ext uri="{28A0092B-C50C-407E-A947-70E740481C1C}">
+                <a14:useLocalDpi xmlns:a14="http://schemas.microsoft.com/office/drawing/2010/main" val="0"/>
+              </a:ext>
+            </a:extLst>
+          </a:blip>
+          <a:stretch>
+            <a:fillRect/>
+          </a:stretch>
+        </p:blipFill>
+        <p:spPr>
+          <a:xfrm>
+            <a:off x="1558717" y="135923"/>
+            <a:ext cx="3482546" cy="6202680"/>
+          </a:xfrm>
+          <a:prstGeom prst="rect">
+            <a:avLst/>
+          </a:prstGeom>
+        </p:spPr>
+      </p:pic>
+      <p:pic>
+        <p:nvPicPr>
+          <p:cNvPr id="3" name="Picture 2"/>
+          <p:cNvPicPr>
+            <a:picLocks noChangeAspect="1"/>
+          </p:cNvPicPr>
+          <p:nvPr/>
+        </p:nvPicPr>
+        <p:blipFill>
+          <a:blip r:embed="rId5">
+            <a:extLst>
+              <a:ext uri="{28A0092B-C50C-407E-A947-70E740481C1C}">
+                <a14:useLocalDpi xmlns:a14="http://schemas.microsoft.com/office/drawing/2010/main" val="0"/>
+              </a:ext>
+            </a:extLst>
+          </a:blip>
+          <a:stretch>
+            <a:fillRect/>
+          </a:stretch>
+        </p:blipFill>
+        <p:spPr>
+          <a:xfrm>
+            <a:off x="7200261" y="1673092"/>
+            <a:ext cx="2562007" cy="4563130"/>
+          </a:xfrm>
+          <a:prstGeom prst="rect">
+            <a:avLst/>
+          </a:prstGeom>
+        </p:spPr>
+      </p:pic>
+    </p:spTree>
+    <p:extLst>
+      <p:ext uri="{BB962C8B-B14F-4D97-AF65-F5344CB8AC3E}">
+        <p14:creationId xmlns:p14="http://schemas.microsoft.com/office/powerpoint/2010/main" val="335876044"/>
+      </p:ext>
+    </p:extLst>
+  </p:cSld>
+  <p:clrMapOvr>
+    <a:masterClrMapping/>
+  </p:clrMapOvr>
+  <p:transition spd="slow">
+    <p:wipe/>
+  </p:transition>
+</p:sld>
+</file>
+
+<file path=ppt/slides/slide18.xml><?xml version="1.0" encoding="utf-8"?>
 <p:sld xmlns:a="http://schemas.openxmlformats.org/drawingml/2006/main" xmlns:r="http://schemas.openxmlformats.org/officeDocument/2006/relationships" xmlns:p="http://schemas.openxmlformats.org/presentationml/2006/main">
   <p:cSld>
     <p:spTree>
@@ -11377,7 +12070,7 @@
 </p:sld>
 </file>
 
-<file path=ppt/slides/slide18.xml><?xml version="1.0" encoding="utf-8"?>
+<file path=ppt/slides/slide19.xml><?xml version="1.0" encoding="utf-8"?>
 <p:sld xmlns:a="http://schemas.openxmlformats.org/drawingml/2006/main" xmlns:r="http://schemas.openxmlformats.org/officeDocument/2006/relationships" xmlns:p="http://schemas.openxmlformats.org/presentationml/2006/main">
   <p:cSld>
     <p:bg>
@@ -11794,204 +12487,6 @@
   <p:clrMapOvr>
     <a:masterClrMapping/>
   </p:clrMapOvr>
-</p:sld>
-</file>
-
-<file path=ppt/slides/slide19.xml><?xml version="1.0" encoding="utf-8"?>
-<p:sld xmlns:a="http://schemas.openxmlformats.org/drawingml/2006/main" xmlns:r="http://schemas.openxmlformats.org/officeDocument/2006/relationships" xmlns:p="http://schemas.openxmlformats.org/presentationml/2006/main">
-  <p:cSld>
-    <p:spTree>
-      <p:nvGrpSpPr>
-        <p:cNvPr id="1" name=""/>
-        <p:cNvGrpSpPr/>
-        <p:nvPr/>
-      </p:nvGrpSpPr>
-      <p:grpSpPr>
-        <a:xfrm>
-          <a:off x="0" y="0"/>
-          <a:ext cx="0" cy="0"/>
-          <a:chOff x="0" y="0"/>
-          <a:chExt cx="0" cy="0"/>
-        </a:xfrm>
-      </p:grpSpPr>
-      <p:sp>
-        <p:nvSpPr>
-          <p:cNvPr id="6" name="TextBox 5"/>
-          <p:cNvSpPr txBox="1"/>
-          <p:nvPr/>
-        </p:nvSpPr>
-        <p:spPr>
-          <a:xfrm>
-            <a:off x="365760" y="1844040"/>
-            <a:ext cx="6294120" cy="1107996"/>
-          </a:xfrm>
-          <a:prstGeom prst="rect">
-            <a:avLst/>
-          </a:prstGeom>
-          <a:noFill/>
-        </p:spPr>
-        <p:txBody>
-          <a:bodyPr wrap="square" rtlCol="0">
-            <a:spAutoFit/>
-          </a:bodyPr>
-          <a:lstStyle/>
-          <a:p>
-            <a:r>
-              <a:rPr lang="vi-VN" sz="6600" dirty="0">
-                <a:solidFill>
-                  <a:srgbClr val="53E3B3"/>
-                </a:solidFill>
-                <a:latin typeface="VNI-Top" pitchFamily="2" charset="0"/>
-              </a:rPr>
-              <a:t>CAÛM ÔN</a:t>
-            </a:r>
-            <a:endParaRPr lang="en-US" sz="6600" dirty="0">
-              <a:solidFill>
-                <a:srgbClr val="53E3B3"/>
-              </a:solidFill>
-              <a:latin typeface="VNI-Top" pitchFamily="2" charset="0"/>
-            </a:endParaRPr>
-          </a:p>
-        </p:txBody>
-      </p:sp>
-      <p:sp>
-        <p:nvSpPr>
-          <p:cNvPr id="8" name="Rectangle 7"/>
-          <p:cNvSpPr/>
-          <p:nvPr/>
-        </p:nvSpPr>
-        <p:spPr>
-          <a:xfrm>
-            <a:off x="2560320" y="2952036"/>
-            <a:ext cx="5410200" cy="2397204"/>
-          </a:xfrm>
-          <a:prstGeom prst="rect">
-            <a:avLst/>
-          </a:prstGeom>
-          <a:noFill/>
-          <a:ln>
-            <a:noFill/>
-          </a:ln>
-        </p:spPr>
-        <p:style>
-          <a:lnRef idx="2">
-            <a:schemeClr val="accent1">
-              <a:shade val="50000"/>
-            </a:schemeClr>
-          </a:lnRef>
-          <a:fillRef idx="1">
-            <a:schemeClr val="accent1"/>
-          </a:fillRef>
-          <a:effectRef idx="0">
-            <a:schemeClr val="accent1"/>
-          </a:effectRef>
-          <a:fontRef idx="minor">
-            <a:schemeClr val="lt1"/>
-          </a:fontRef>
-        </p:style>
-        <p:txBody>
-          <a:bodyPr rtlCol="0" anchor="ctr"/>
-          <a:lstStyle/>
-          <a:p>
-            <a:pPr algn="ctr"/>
-            <a:endParaRPr lang="en-US"/>
-          </a:p>
-        </p:txBody>
-      </p:sp>
-      <p:sp>
-        <p:nvSpPr>
-          <p:cNvPr id="11" name="TextBox 10"/>
-          <p:cNvSpPr txBox="1"/>
-          <p:nvPr/>
-        </p:nvSpPr>
-        <p:spPr>
-          <a:xfrm>
-            <a:off x="365760" y="2952036"/>
-            <a:ext cx="9220200" cy="1446550"/>
-          </a:xfrm>
-          <a:prstGeom prst="rect">
-            <a:avLst/>
-          </a:prstGeom>
-          <a:noFill/>
-        </p:spPr>
-        <p:txBody>
-          <a:bodyPr wrap="square" rtlCol="0">
-            <a:spAutoFit/>
-          </a:bodyPr>
-          <a:lstStyle/>
-          <a:p>
-            <a:r>
-              <a:rPr lang="vi-VN" sz="4400" dirty="0">
-                <a:solidFill>
-                  <a:schemeClr val="bg1">
-                    <a:lumMod val="50000"/>
-                  </a:schemeClr>
-                </a:solidFill>
-              </a:rPr>
-              <a:t>Thầy và các bạn đã chú ý theo dõi báo cáo của nhóm</a:t>
-            </a:r>
-            <a:endParaRPr lang="en-US" sz="4400" dirty="0">
-              <a:solidFill>
-                <a:schemeClr val="bg1">
-                  <a:lumMod val="50000"/>
-                </a:schemeClr>
-              </a:solidFill>
-            </a:endParaRPr>
-          </a:p>
-        </p:txBody>
-      </p:sp>
-      <p:pic>
-        <p:nvPicPr>
-          <p:cNvPr id="3" name="Picture 2"/>
-          <p:cNvPicPr>
-            <a:picLocks noChangeAspect="1"/>
-          </p:cNvPicPr>
-          <p:nvPr/>
-        </p:nvPicPr>
-        <p:blipFill>
-          <a:blip r:embed="rId2">
-            <a:extLst>
-              <a:ext uri="{28A0092B-C50C-407E-A947-70E740481C1C}">
-                <a14:useLocalDpi xmlns:a14="http://schemas.microsoft.com/office/drawing/2010/main" val="0"/>
-              </a:ext>
-            </a:extLst>
-          </a:blip>
-          <a:stretch>
-            <a:fillRect/>
-          </a:stretch>
-        </p:blipFill>
-        <p:spPr>
-          <a:xfrm>
-            <a:off x="5265420" y="3599736"/>
-            <a:ext cx="3810000" cy="2857500"/>
-          </a:xfrm>
-          <a:prstGeom prst="rect">
-            <a:avLst/>
-          </a:prstGeom>
-        </p:spPr>
-      </p:pic>
-    </p:spTree>
-    <p:extLst>
-      <p:ext uri="{BB962C8B-B14F-4D97-AF65-F5344CB8AC3E}">
-        <p14:creationId xmlns:p14="http://schemas.microsoft.com/office/powerpoint/2010/main" val="4118477096"/>
-      </p:ext>
-    </p:extLst>
-  </p:cSld>
-  <p:clrMapOvr>
-    <a:masterClrMapping/>
-  </p:clrMapOvr>
-  <mc:AlternateContent xmlns:mc="http://schemas.openxmlformats.org/markup-compatibility/2006">
-    <mc:Choice xmlns:p14="http://schemas.microsoft.com/office/powerpoint/2010/main" Requires="p14">
-      <p:transition spd="slow" p14:dur="1600">
-        <p14:prism isContent="1" isInverted="1"/>
-      </p:transition>
-    </mc:Choice>
-    <mc:Fallback>
-      <p:transition spd="slow">
-        <p:fade/>
-      </p:transition>
-    </mc:Fallback>
-  </mc:AlternateContent>
 </p:sld>
 </file>
 
@@ -12883,6 +13378,204 @@
       <p:bldP spid="5" grpId="0"/>
     </p:bldLst>
   </p:timing>
+</p:sld>
+</file>
+
+<file path=ppt/slides/slide20.xml><?xml version="1.0" encoding="utf-8"?>
+<p:sld xmlns:a="http://schemas.openxmlformats.org/drawingml/2006/main" xmlns:r="http://schemas.openxmlformats.org/officeDocument/2006/relationships" xmlns:p="http://schemas.openxmlformats.org/presentationml/2006/main">
+  <p:cSld>
+    <p:spTree>
+      <p:nvGrpSpPr>
+        <p:cNvPr id="1" name=""/>
+        <p:cNvGrpSpPr/>
+        <p:nvPr/>
+      </p:nvGrpSpPr>
+      <p:grpSpPr>
+        <a:xfrm>
+          <a:off x="0" y="0"/>
+          <a:ext cx="0" cy="0"/>
+          <a:chOff x="0" y="0"/>
+          <a:chExt cx="0" cy="0"/>
+        </a:xfrm>
+      </p:grpSpPr>
+      <p:sp>
+        <p:nvSpPr>
+          <p:cNvPr id="6" name="TextBox 5"/>
+          <p:cNvSpPr txBox="1"/>
+          <p:nvPr/>
+        </p:nvSpPr>
+        <p:spPr>
+          <a:xfrm>
+            <a:off x="365760" y="1844040"/>
+            <a:ext cx="6294120" cy="1107996"/>
+          </a:xfrm>
+          <a:prstGeom prst="rect">
+            <a:avLst/>
+          </a:prstGeom>
+          <a:noFill/>
+        </p:spPr>
+        <p:txBody>
+          <a:bodyPr wrap="square" rtlCol="0">
+            <a:spAutoFit/>
+          </a:bodyPr>
+          <a:lstStyle/>
+          <a:p>
+            <a:r>
+              <a:rPr lang="vi-VN" sz="6600" dirty="0">
+                <a:solidFill>
+                  <a:srgbClr val="53E3B3"/>
+                </a:solidFill>
+                <a:latin typeface="VNI-Top" pitchFamily="2" charset="0"/>
+              </a:rPr>
+              <a:t>CAÛM ÔN</a:t>
+            </a:r>
+            <a:endParaRPr lang="en-US" sz="6600" dirty="0">
+              <a:solidFill>
+                <a:srgbClr val="53E3B3"/>
+              </a:solidFill>
+              <a:latin typeface="VNI-Top" pitchFamily="2" charset="0"/>
+            </a:endParaRPr>
+          </a:p>
+        </p:txBody>
+      </p:sp>
+      <p:sp>
+        <p:nvSpPr>
+          <p:cNvPr id="8" name="Rectangle 7"/>
+          <p:cNvSpPr/>
+          <p:nvPr/>
+        </p:nvSpPr>
+        <p:spPr>
+          <a:xfrm>
+            <a:off x="2560320" y="2952036"/>
+            <a:ext cx="5410200" cy="2397204"/>
+          </a:xfrm>
+          <a:prstGeom prst="rect">
+            <a:avLst/>
+          </a:prstGeom>
+          <a:noFill/>
+          <a:ln>
+            <a:noFill/>
+          </a:ln>
+        </p:spPr>
+        <p:style>
+          <a:lnRef idx="2">
+            <a:schemeClr val="accent1">
+              <a:shade val="50000"/>
+            </a:schemeClr>
+          </a:lnRef>
+          <a:fillRef idx="1">
+            <a:schemeClr val="accent1"/>
+          </a:fillRef>
+          <a:effectRef idx="0">
+            <a:schemeClr val="accent1"/>
+          </a:effectRef>
+          <a:fontRef idx="minor">
+            <a:schemeClr val="lt1"/>
+          </a:fontRef>
+        </p:style>
+        <p:txBody>
+          <a:bodyPr rtlCol="0" anchor="ctr"/>
+          <a:lstStyle/>
+          <a:p>
+            <a:pPr algn="ctr"/>
+            <a:endParaRPr lang="en-US"/>
+          </a:p>
+        </p:txBody>
+      </p:sp>
+      <p:sp>
+        <p:nvSpPr>
+          <p:cNvPr id="11" name="TextBox 10"/>
+          <p:cNvSpPr txBox="1"/>
+          <p:nvPr/>
+        </p:nvSpPr>
+        <p:spPr>
+          <a:xfrm>
+            <a:off x="365760" y="2952036"/>
+            <a:ext cx="9220200" cy="1446550"/>
+          </a:xfrm>
+          <a:prstGeom prst="rect">
+            <a:avLst/>
+          </a:prstGeom>
+          <a:noFill/>
+        </p:spPr>
+        <p:txBody>
+          <a:bodyPr wrap="square" rtlCol="0">
+            <a:spAutoFit/>
+          </a:bodyPr>
+          <a:lstStyle/>
+          <a:p>
+            <a:r>
+              <a:rPr lang="vi-VN" sz="4400" dirty="0">
+                <a:solidFill>
+                  <a:schemeClr val="bg1">
+                    <a:lumMod val="50000"/>
+                  </a:schemeClr>
+                </a:solidFill>
+              </a:rPr>
+              <a:t>Thầy và các bạn đã chú ý theo dõi báo cáo của nhóm</a:t>
+            </a:r>
+            <a:endParaRPr lang="en-US" sz="4400" dirty="0">
+              <a:solidFill>
+                <a:schemeClr val="bg1">
+                  <a:lumMod val="50000"/>
+                </a:schemeClr>
+              </a:solidFill>
+            </a:endParaRPr>
+          </a:p>
+        </p:txBody>
+      </p:sp>
+      <p:pic>
+        <p:nvPicPr>
+          <p:cNvPr id="3" name="Picture 2"/>
+          <p:cNvPicPr>
+            <a:picLocks noChangeAspect="1"/>
+          </p:cNvPicPr>
+          <p:nvPr/>
+        </p:nvPicPr>
+        <p:blipFill>
+          <a:blip r:embed="rId2">
+            <a:extLst>
+              <a:ext uri="{28A0092B-C50C-407E-A947-70E740481C1C}">
+                <a14:useLocalDpi xmlns:a14="http://schemas.microsoft.com/office/drawing/2010/main" val="0"/>
+              </a:ext>
+            </a:extLst>
+          </a:blip>
+          <a:stretch>
+            <a:fillRect/>
+          </a:stretch>
+        </p:blipFill>
+        <p:spPr>
+          <a:xfrm>
+            <a:off x="5265420" y="3599736"/>
+            <a:ext cx="3810000" cy="2857500"/>
+          </a:xfrm>
+          <a:prstGeom prst="rect">
+            <a:avLst/>
+          </a:prstGeom>
+        </p:spPr>
+      </p:pic>
+    </p:spTree>
+    <p:extLst>
+      <p:ext uri="{BB962C8B-B14F-4D97-AF65-F5344CB8AC3E}">
+        <p14:creationId xmlns:p14="http://schemas.microsoft.com/office/powerpoint/2010/main" val="4118477096"/>
+      </p:ext>
+    </p:extLst>
+  </p:cSld>
+  <p:clrMapOvr>
+    <a:masterClrMapping/>
+  </p:clrMapOvr>
+  <mc:AlternateContent xmlns:mc="http://schemas.openxmlformats.org/markup-compatibility/2006" xmlns:p14="http://schemas.microsoft.com/office/powerpoint/2010/main">
+    <mc:Choice Requires="p14">
+      <p:transition spd="slow" p14:dur="1600">
+        <p14:prism isContent="1" isInverted="1"/>
+      </p:transition>
+    </mc:Choice>
+    <mc:Fallback xmlns="">
+      <p:transition spd="slow">
+        <p:fade/>
+      </p:transition>
+    </mc:Fallback>
+  </mc:AlternateContent>
 </p:sld>
 </file>
 
@@ -15450,13 +16143,13 @@
   <p:clrMapOvr>
     <a:masterClrMapping/>
   </p:clrMapOvr>
-  <mc:AlternateContent xmlns:mc="http://schemas.openxmlformats.org/markup-compatibility/2006">
-    <mc:Choice xmlns:p14="http://schemas.microsoft.com/office/powerpoint/2010/main" Requires="p14">
+  <mc:AlternateContent xmlns:mc="http://schemas.openxmlformats.org/markup-compatibility/2006" xmlns:p14="http://schemas.microsoft.com/office/powerpoint/2010/main">
+    <mc:Choice Requires="p14">
       <p:transition spd="slow" p14:dur="800">
         <p:circle/>
       </p:transition>
     </mc:Choice>
-    <mc:Fallback>
+    <mc:Fallback xmlns="">
       <p:transition spd="slow">
         <p:circle/>
       </p:transition>
@@ -18187,14 +18880,14 @@
           <a:effectLst/>
           <a:extLst>
             <a:ext uri="{909E8E84-426E-40dd-AFC4-6F175D3DCCD1}">
-              <a14:hiddenFill xmlns:a14="http://schemas.microsoft.com/office/drawing/2010/main" xmlns="">
+              <a14:hiddenFill xmlns="" xmlns:a14="http://schemas.microsoft.com/office/drawing/2010/main">
                 <a:solidFill>
                   <a:srgbClr val="FFFFFF"/>
                 </a:solidFill>
               </a14:hiddenFill>
             </a:ext>
             <a:ext uri="{91240B29-F687-4f45-9708-019B960494DF}">
-              <a14:hiddenLine xmlns:a14="http://schemas.microsoft.com/office/drawing/2010/main" xmlns="" w="12700" cap="flat" cmpd="sng">
+              <a14:hiddenLine xmlns="" xmlns:a14="http://schemas.microsoft.com/office/drawing/2010/main" w="12700" cap="flat" cmpd="sng">
                 <a:solidFill>
                   <a:srgbClr val="000000"/>
                 </a:solidFill>
@@ -18205,7 +18898,7 @@
               </a14:hiddenLine>
             </a:ext>
             <a:ext uri="{AF507438-7753-43e0-B8FC-AC1667EBCBE1}">
-              <a14:hiddenEffects xmlns:a14="http://schemas.microsoft.com/office/drawing/2010/main" xmlns="">
+              <a14:hiddenEffects xmlns="" xmlns:a14="http://schemas.microsoft.com/office/drawing/2010/main">
                 <a:effectLst>
                   <a:outerShdw blurRad="63500" dist="38099" dir="2700000" algn="ctr" rotWithShape="0">
                     <a:srgbClr val="000000">
@@ -18316,14 +19009,14 @@
           <a:effectLst/>
           <a:extLst>
             <a:ext uri="{909E8E84-426E-40dd-AFC4-6F175D3DCCD1}">
-              <a14:hiddenFill xmlns:a14="http://schemas.microsoft.com/office/drawing/2010/main" xmlns="">
+              <a14:hiddenFill xmlns="" xmlns:a14="http://schemas.microsoft.com/office/drawing/2010/main">
                 <a:solidFill>
                   <a:srgbClr val="FFFFFF"/>
                 </a:solidFill>
               </a14:hiddenFill>
             </a:ext>
             <a:ext uri="{91240B29-F687-4f45-9708-019B960494DF}">
-              <a14:hiddenLine xmlns:a14="http://schemas.microsoft.com/office/drawing/2010/main" xmlns="" w="12700" cap="flat" cmpd="sng">
+              <a14:hiddenLine xmlns="" xmlns:a14="http://schemas.microsoft.com/office/drawing/2010/main" w="12700" cap="flat" cmpd="sng">
                 <a:solidFill>
                   <a:srgbClr val="000000"/>
                 </a:solidFill>
@@ -18334,7 +19027,7 @@
               </a14:hiddenLine>
             </a:ext>
             <a:ext uri="{AF507438-7753-43e0-B8FC-AC1667EBCBE1}">
-              <a14:hiddenEffects xmlns:a14="http://schemas.microsoft.com/office/drawing/2010/main" xmlns="">
+              <a14:hiddenEffects xmlns="" xmlns:a14="http://schemas.microsoft.com/office/drawing/2010/main">
                 <a:effectLst>
                   <a:outerShdw blurRad="63500" dist="38099" dir="2700000" algn="ctr" rotWithShape="0">
                     <a:srgbClr val="000000">
@@ -18445,14 +19138,14 @@
           <a:effectLst/>
           <a:extLst>
             <a:ext uri="{909E8E84-426E-40dd-AFC4-6F175D3DCCD1}">
-              <a14:hiddenFill xmlns:a14="http://schemas.microsoft.com/office/drawing/2010/main" xmlns="">
+              <a14:hiddenFill xmlns="" xmlns:a14="http://schemas.microsoft.com/office/drawing/2010/main">
                 <a:solidFill>
                   <a:srgbClr val="FFFFFF"/>
                 </a:solidFill>
               </a14:hiddenFill>
             </a:ext>
             <a:ext uri="{91240B29-F687-4f45-9708-019B960494DF}">
-              <a14:hiddenLine xmlns:a14="http://schemas.microsoft.com/office/drawing/2010/main" xmlns="" w="12700" cap="flat" cmpd="sng">
+              <a14:hiddenLine xmlns="" xmlns:a14="http://schemas.microsoft.com/office/drawing/2010/main" w="12700" cap="flat" cmpd="sng">
                 <a:solidFill>
                   <a:srgbClr val="000000"/>
                 </a:solidFill>
@@ -18463,7 +19156,7 @@
               </a14:hiddenLine>
             </a:ext>
             <a:ext uri="{AF507438-7753-43e0-B8FC-AC1667EBCBE1}">
-              <a14:hiddenEffects xmlns:a14="http://schemas.microsoft.com/office/drawing/2010/main" xmlns="">
+              <a14:hiddenEffects xmlns="" xmlns:a14="http://schemas.microsoft.com/office/drawing/2010/main">
                 <a:effectLst>
                   <a:outerShdw blurRad="63500" dist="38099" dir="2700000" algn="ctr" rotWithShape="0">
                     <a:srgbClr val="000000">
@@ -19303,14 +19996,14 @@
           <a:effectLst/>
           <a:extLst>
             <a:ext uri="{909E8E84-426E-40dd-AFC4-6F175D3DCCD1}">
-              <a14:hiddenFill xmlns="" xmlns:a14="http://schemas.microsoft.com/office/drawing/2010/main">
+              <a14:hiddenFill xmlns:a14="http://schemas.microsoft.com/office/drawing/2010/main" xmlns="">
                 <a:solidFill>
                   <a:srgbClr val="FFFFFF"/>
                 </a:solidFill>
               </a14:hiddenFill>
             </a:ext>
             <a:ext uri="{91240B29-F687-4f45-9708-019B960494DF}">
-              <a14:hiddenLine xmlns="" xmlns:a14="http://schemas.microsoft.com/office/drawing/2010/main" w="12700" cap="flat" cmpd="sng">
+              <a14:hiddenLine xmlns:a14="http://schemas.microsoft.com/office/drawing/2010/main" xmlns="" w="12700" cap="flat" cmpd="sng">
                 <a:solidFill>
                   <a:srgbClr val="000000"/>
                 </a:solidFill>
@@ -19321,7 +20014,7 @@
               </a14:hiddenLine>
             </a:ext>
             <a:ext uri="{AF507438-7753-43e0-B8FC-AC1667EBCBE1}">
-              <a14:hiddenEffects xmlns="" xmlns:a14="http://schemas.microsoft.com/office/drawing/2010/main">
+              <a14:hiddenEffects xmlns:a14="http://schemas.microsoft.com/office/drawing/2010/main" xmlns="">
                 <a:effectLst>
                   <a:outerShdw blurRad="63500" dist="38099" dir="2700000" algn="ctr" rotWithShape="0">
                     <a:srgbClr val="000000">
@@ -19432,14 +20125,14 @@
           <a:effectLst/>
           <a:extLst>
             <a:ext uri="{909E8E84-426E-40dd-AFC4-6F175D3DCCD1}">
-              <a14:hiddenFill xmlns="" xmlns:a14="http://schemas.microsoft.com/office/drawing/2010/main">
+              <a14:hiddenFill xmlns:a14="http://schemas.microsoft.com/office/drawing/2010/main" xmlns="">
                 <a:solidFill>
                   <a:srgbClr val="FFFFFF"/>
                 </a:solidFill>
               </a14:hiddenFill>
             </a:ext>
             <a:ext uri="{91240B29-F687-4f45-9708-019B960494DF}">
-              <a14:hiddenLine xmlns="" xmlns:a14="http://schemas.microsoft.com/office/drawing/2010/main" w="12700" cap="flat" cmpd="sng">
+              <a14:hiddenLine xmlns:a14="http://schemas.microsoft.com/office/drawing/2010/main" xmlns="" w="12700" cap="flat" cmpd="sng">
                 <a:solidFill>
                   <a:srgbClr val="000000"/>
                 </a:solidFill>
@@ -19450,7 +20143,7 @@
               </a14:hiddenLine>
             </a:ext>
             <a:ext uri="{AF507438-7753-43e0-B8FC-AC1667EBCBE1}">
-              <a14:hiddenEffects xmlns="" xmlns:a14="http://schemas.microsoft.com/office/drawing/2010/main">
+              <a14:hiddenEffects xmlns:a14="http://schemas.microsoft.com/office/drawing/2010/main" xmlns="">
                 <a:effectLst>
                   <a:outerShdw blurRad="63500" dist="38099" dir="2700000" algn="ctr" rotWithShape="0">
                     <a:srgbClr val="000000">
